--- a/Aula 14/RpgComTelas/RpgComTelas/Prototipacao.pptx
+++ b/Aula 14/RpgComTelas/RpgComTelas/Prototipacao.pptx
@@ -2,10 +2,12 @@
 <file path=ppt/presentation.xml><?xml version="1.0" encoding="utf-8"?>
 <p:presentation xmlns:a="http://schemas.openxmlformats.org/drawingml/2006/main" xmlns:r="http://schemas.openxmlformats.org/officeDocument/2006/relationships" xmlns:p="http://schemas.openxmlformats.org/presentationml/2006/main" saveSubsetFonts="1">
   <p:sldMasterIdLst>
-    <p:sldMasterId id="2147483648" r:id="rId12"/>
+    <p:sldMasterId id="2147483648" r:id="rId47"/>
   </p:sldMasterIdLst>
   <p:sldIdLst>
-    <p:sldId id="256" r:id="rId13"/>
+    <p:sldId id="256" r:id="rId48"/>
+    <p:sldId id="257" r:id="rId49"/>
+    <p:sldId id="258" r:id="rId50"/>
   </p:sldIdLst>
   <p:sldSz cx="12192000" cy="6858000"/>
   <p:notesSz cx="6858000" cy="9144000"/>
@@ -2976,7 +2978,7 @@
         </p:nvGrpSpPr>
         <p:grpSpPr>
           <a:xfrm>
-            <a:off x="0" y="182880"/>
+            <a:off x="0" y="-13815"/>
             <a:ext cx="12192000" cy="6858000"/>
             <a:chOff x="0" y="0"/>
             <a:chExt cx="9144000" cy="6858000"/>
@@ -3828,7 +3830,7 @@
         </p:nvGrpSpPr>
         <p:grpSpPr>
           <a:xfrm>
-            <a:off x="597387" y="5630210"/>
+            <a:off x="417984" y="5387916"/>
             <a:ext cx="1391330" cy="137160"/>
             <a:chOff x="3876335" y="3333180"/>
             <a:chExt cx="1391330" cy="137160"/>
@@ -3960,7 +3962,7 @@
         </p:nvSpPr>
         <p:spPr>
           <a:xfrm>
-            <a:off x="495998" y="5217354"/>
+            <a:off x="316595" y="4975060"/>
             <a:ext cx="686406" cy="353943"/>
           </a:xfrm>
           <a:prstGeom prst="rect">
@@ -4000,7 +4002,7 @@
         </p:nvGrpSpPr>
         <p:grpSpPr>
           <a:xfrm>
-            <a:off x="597387" y="6381509"/>
+            <a:off x="417984" y="6139215"/>
             <a:ext cx="1391330" cy="137160"/>
             <a:chOff x="3876335" y="3333180"/>
             <a:chExt cx="1391330" cy="137160"/>
@@ -4132,7 +4134,7 @@
         </p:nvSpPr>
         <p:spPr>
           <a:xfrm>
-            <a:off x="495998" y="5968653"/>
+            <a:off x="316595" y="5726359"/>
             <a:ext cx="1460656" cy="353943"/>
           </a:xfrm>
           <a:prstGeom prst="rect">
@@ -4180,7 +4182,7 @@
         </p:nvSpPr>
         <p:spPr>
           <a:xfrm>
-            <a:off x="495998" y="6563485"/>
+            <a:off x="316595" y="6321191"/>
             <a:ext cx="967060" cy="353943"/>
           </a:xfrm>
           <a:prstGeom prst="rect">
@@ -4231,7 +4233,7 @@
         </p:nvSpPr>
         <p:spPr>
           <a:xfrm>
-            <a:off x="10868676" y="6608551"/>
+            <a:off x="10745869" y="6347467"/>
             <a:ext cx="1106592" cy="228600"/>
           </a:xfrm>
           <a:prstGeom prst="roundRect">
@@ -4299,6 +4301,4593 @@
     <p:extLst>
       <p:ext uri="{BB962C8B-B14F-4D97-AF65-F5344CB8AC3E}">
         <p14:creationId xmlns:p14="http://schemas.microsoft.com/office/powerpoint/2010/main" val="1677583002"/>
+      </p:ext>
+    </p:extLst>
+  </p:cSld>
+  <p:clrMapOvr>
+    <a:masterClrMapping/>
+  </p:clrMapOvr>
+</p:sld>
+</file>
+
+<file path=ppt/slides/slide2.xml><?xml version="1.0" encoding="utf-8"?>
+<p:sld xmlns:a="http://schemas.openxmlformats.org/drawingml/2006/main" xmlns:r="http://schemas.openxmlformats.org/officeDocument/2006/relationships" xmlns:p="http://schemas.openxmlformats.org/presentationml/2006/main">
+  <p:cSld>
+    <p:spTree>
+      <p:nvGrpSpPr>
+        <p:cNvPr id="1" name=""/>
+        <p:cNvGrpSpPr/>
+        <p:nvPr/>
+      </p:nvGrpSpPr>
+      <p:grpSpPr>
+        <a:xfrm>
+          <a:off x="0" y="0"/>
+          <a:ext cx="0" cy="0"/>
+          <a:chOff x="0" y="0"/>
+          <a:chExt cx="0" cy="0"/>
+        </a:xfrm>
+      </p:grpSpPr>
+      <p:grpSp>
+        <p:nvGrpSpPr>
+          <p:cNvPr id="4" name="Window"/>
+          <p:cNvGrpSpPr/>
+          <p:nvPr>
+            <p:custDataLst>
+              <p:custData r:id="rId1"/>
+            </p:custDataLst>
+          </p:nvPr>
+        </p:nvGrpSpPr>
+        <p:grpSpPr>
+          <a:xfrm>
+            <a:off x="0" y="0"/>
+            <a:ext cx="12192000" cy="6858000"/>
+            <a:chOff x="0" y="0"/>
+            <a:chExt cx="9144000" cy="6858000"/>
+          </a:xfrm>
+        </p:grpSpPr>
+        <p:grpSp>
+          <p:nvGrpSpPr>
+            <p:cNvPr id="5" name="Group 2"/>
+            <p:cNvGrpSpPr/>
+            <p:nvPr/>
+          </p:nvGrpSpPr>
+          <p:grpSpPr>
+            <a:xfrm>
+              <a:off x="0" y="0"/>
+              <a:ext cx="9144000" cy="6858000"/>
+              <a:chOff x="0" y="0"/>
+              <a:chExt cx="9144000" cy="6858000"/>
+            </a:xfrm>
+          </p:grpSpPr>
+          <p:sp>
+            <p:nvSpPr>
+              <p:cNvPr id="13" name="Rectangle 10"/>
+              <p:cNvSpPr/>
+              <p:nvPr/>
+            </p:nvSpPr>
+            <p:spPr>
+              <a:xfrm>
+                <a:off x="0" y="0"/>
+                <a:ext cx="9144000" cy="6858000"/>
+              </a:xfrm>
+              <a:prstGeom prst="rect">
+                <a:avLst/>
+              </a:prstGeom>
+              <a:solidFill>
+                <a:srgbClr val="FFFFFF">
+                  <a:lumMod val="65000"/>
+                </a:srgbClr>
+              </a:solidFill>
+              <a:ln w="3175" cap="flat" cmpd="sng" algn="ctr">
+                <a:solidFill>
+                  <a:srgbClr val="000000">
+                    <a:lumMod val="50000"/>
+                    <a:lumOff val="50000"/>
+                  </a:srgbClr>
+                </a:solidFill>
+                <a:prstDash val="solid"/>
+              </a:ln>
+              <a:effectLst/>
+            </p:spPr>
+            <p:txBody>
+              <a:bodyPr rtlCol="0" anchor="ctr"/>
+              <a:lstStyle/>
+              <a:p>
+                <a:pPr algn="ctr"/>
+                <a:endParaRPr lang="en-US" sz="800" kern="0">
+                  <a:solidFill>
+                    <a:prstClr val="white"/>
+                  </a:solidFill>
+                  <a:latin typeface="Segoe UI"/>
+                </a:endParaRPr>
+              </a:p>
+            </p:txBody>
+          </p:sp>
+          <p:sp>
+            <p:nvSpPr>
+              <p:cNvPr id="14" name="Rectangle 11"/>
+              <p:cNvSpPr/>
+              <p:nvPr/>
+            </p:nvSpPr>
+            <p:spPr>
+              <a:xfrm>
+                <a:off x="76200" y="309484"/>
+                <a:ext cx="8991600" cy="6437733"/>
+              </a:xfrm>
+              <a:prstGeom prst="rect">
+                <a:avLst/>
+              </a:prstGeom>
+              <a:solidFill>
+                <a:sysClr val="window" lastClr="FFFFFF"/>
+              </a:solidFill>
+              <a:ln w="3175" cap="flat" cmpd="sng" algn="ctr">
+                <a:solidFill>
+                  <a:srgbClr val="000000">
+                    <a:lumMod val="50000"/>
+                    <a:lumOff val="50000"/>
+                  </a:srgbClr>
+                </a:solidFill>
+                <a:prstDash val="solid"/>
+              </a:ln>
+              <a:effectLst/>
+            </p:spPr>
+            <p:txBody>
+              <a:bodyPr rtlCol="0" anchor="ctr"/>
+              <a:lstStyle/>
+              <a:p>
+                <a:pPr algn="ctr"/>
+                <a:endParaRPr lang="en-US" sz="800" kern="0" dirty="0">
+                  <a:solidFill>
+                    <a:prstClr val="white"/>
+                  </a:solidFill>
+                  <a:latin typeface="Segoe UI"/>
+                </a:endParaRPr>
+              </a:p>
+            </p:txBody>
+          </p:sp>
+          <p:sp>
+            <p:nvSpPr>
+              <p:cNvPr id="15" name="WindowTitle"/>
+              <p:cNvSpPr txBox="1"/>
+              <p:nvPr/>
+            </p:nvSpPr>
+            <p:spPr>
+              <a:xfrm>
+                <a:off x="240976" y="42736"/>
+                <a:ext cx="316097" cy="230832"/>
+              </a:xfrm>
+              <a:prstGeom prst="rect">
+                <a:avLst/>
+              </a:prstGeom>
+              <a:noFill/>
+            </p:spPr>
+            <p:txBody>
+              <a:bodyPr wrap="none" lIns="45720" tIns="18288" rIns="91440" bIns="27432" rtlCol="0" anchor="ctr" anchorCtr="0">
+                <a:spAutoFit/>
+              </a:bodyPr>
+              <a:lstStyle/>
+              <a:p>
+                <a:r>
+                  <a:rPr lang="en-US" sz="1200" dirty="0">
+                    <a:solidFill>
+                      <a:prstClr val="white"/>
+                    </a:solidFill>
+                    <a:latin typeface="Segoe UI" pitchFamily="34" charset="0"/>
+                    <a:ea typeface="Segoe UI" pitchFamily="34" charset="0"/>
+                    <a:cs typeface="Segoe UI" pitchFamily="34" charset="0"/>
+                  </a:rPr>
+                  <a:t>RPG</a:t>
+                </a:r>
+              </a:p>
+            </p:txBody>
+          </p:sp>
+        </p:grpSp>
+        <p:grpSp>
+          <p:nvGrpSpPr>
+            <p:cNvPr id="6" name="Minimize - Maximize - Close"/>
+            <p:cNvGrpSpPr/>
+            <p:nvPr/>
+          </p:nvGrpSpPr>
+          <p:grpSpPr>
+            <a:xfrm>
+              <a:off x="8632311" y="92599"/>
+              <a:ext cx="384527" cy="78032"/>
+              <a:chOff x="9347642" y="131588"/>
+              <a:chExt cx="384527" cy="78032"/>
+            </a:xfrm>
+          </p:grpSpPr>
+          <p:cxnSp>
+            <p:nvCxnSpPr>
+              <p:cNvPr id="8" name="Line"/>
+              <p:cNvCxnSpPr/>
+              <p:nvPr/>
+            </p:nvCxnSpPr>
+            <p:spPr>
+              <a:xfrm>
+                <a:off x="9661396" y="131588"/>
+                <a:ext cx="70773" cy="76200"/>
+              </a:xfrm>
+              <a:prstGeom prst="line">
+                <a:avLst/>
+              </a:prstGeom>
+              <a:ln w="12700">
+                <a:solidFill>
+                  <a:srgbClr val="FFFFFF"/>
+                </a:solidFill>
+              </a:ln>
+            </p:spPr>
+            <p:style>
+              <a:lnRef idx="1">
+                <a:srgbClr val="4F81BD"/>
+              </a:lnRef>
+              <a:fillRef idx="0">
+                <a:srgbClr val="4F81BD"/>
+              </a:fillRef>
+              <a:effectRef idx="0">
+                <a:srgbClr val="4F81BD"/>
+              </a:effectRef>
+              <a:fontRef idx="minor">
+                <a:srgbClr val="000000"/>
+              </a:fontRef>
+            </p:style>
+          </p:cxnSp>
+          <p:cxnSp>
+            <p:nvCxnSpPr>
+              <p:cNvPr id="9" name="Line"/>
+              <p:cNvCxnSpPr/>
+              <p:nvPr/>
+            </p:nvCxnSpPr>
+            <p:spPr>
+              <a:xfrm flipH="1">
+                <a:off x="9661395" y="131588"/>
+                <a:ext cx="70773" cy="76200"/>
+              </a:xfrm>
+              <a:prstGeom prst="line">
+                <a:avLst/>
+              </a:prstGeom>
+              <a:ln w="12700">
+                <a:solidFill>
+                  <a:srgbClr val="FFFFFF"/>
+                </a:solidFill>
+              </a:ln>
+            </p:spPr>
+            <p:style>
+              <a:lnRef idx="1">
+                <a:srgbClr val="4F81BD"/>
+              </a:lnRef>
+              <a:fillRef idx="0">
+                <a:srgbClr val="4F81BD"/>
+              </a:fillRef>
+              <a:effectRef idx="0">
+                <a:srgbClr val="4F81BD"/>
+              </a:effectRef>
+              <a:fontRef idx="minor">
+                <a:srgbClr val="000000"/>
+              </a:fontRef>
+            </p:style>
+          </p:cxnSp>
+          <p:sp>
+            <p:nvSpPr>
+              <p:cNvPr id="10" name="Line"/>
+              <p:cNvSpPr/>
+              <p:nvPr/>
+            </p:nvSpPr>
+            <p:spPr>
+              <a:xfrm rot="10800000" flipV="1">
+                <a:off x="9499472" y="143255"/>
+                <a:ext cx="91440" cy="9144"/>
+              </a:xfrm>
+              <a:prstGeom prst="rect">
+                <a:avLst/>
+              </a:prstGeom>
+              <a:solidFill>
+                <a:srgbClr val="919191"/>
+              </a:solidFill>
+              <a:ln w="3175">
+                <a:solidFill>
+                  <a:srgbClr val="FFFFFF"/>
+                </a:solidFill>
+              </a:ln>
+            </p:spPr>
+            <p:style>
+              <a:lnRef idx="2">
+                <a:srgbClr val="4F81BD">
+                  <a:shade val="50000"/>
+                </a:srgbClr>
+              </a:lnRef>
+              <a:fillRef idx="1001">
+                <a:srgbClr val="000000"/>
+              </a:fillRef>
+              <a:effectRef idx="0">
+                <a:srgbClr val="4F81BD"/>
+              </a:effectRef>
+              <a:fontRef idx="minor">
+                <a:srgbClr val="000000"/>
+              </a:fontRef>
+            </p:style>
+            <p:txBody>
+              <a:bodyPr rtlCol="0" anchor="ctr"/>
+              <a:lstStyle/>
+              <a:p>
+                <a:pPr algn="ctr"/>
+                <a:endParaRPr lang="en-US" dirty="0">
+                  <a:solidFill>
+                    <a:prstClr val="white"/>
+                  </a:solidFill>
+                </a:endParaRPr>
+              </a:p>
+            </p:txBody>
+          </p:sp>
+          <p:sp>
+            <p:nvSpPr>
+              <p:cNvPr id="11" name="Line"/>
+              <p:cNvSpPr/>
+              <p:nvPr/>
+            </p:nvSpPr>
+            <p:spPr>
+              <a:xfrm rot="10800000" flipV="1">
+                <a:off x="9498658" y="135261"/>
+                <a:ext cx="91440" cy="72527"/>
+              </a:xfrm>
+              <a:prstGeom prst="rect">
+                <a:avLst/>
+              </a:prstGeom>
+              <a:noFill/>
+              <a:ln w="12700">
+                <a:solidFill>
+                  <a:srgbClr val="FFFFFF"/>
+                </a:solidFill>
+              </a:ln>
+            </p:spPr>
+            <p:style>
+              <a:lnRef idx="2">
+                <a:srgbClr val="4F81BD">
+                  <a:shade val="50000"/>
+                </a:srgbClr>
+              </a:lnRef>
+              <a:fillRef idx="1001">
+                <a:srgbClr val="000000"/>
+              </a:fillRef>
+              <a:effectRef idx="0">
+                <a:srgbClr val="4F81BD"/>
+              </a:effectRef>
+              <a:fontRef idx="minor">
+                <a:srgbClr val="000000"/>
+              </a:fontRef>
+            </p:style>
+            <p:txBody>
+              <a:bodyPr rtlCol="0" anchor="ctr"/>
+              <a:lstStyle/>
+              <a:p>
+                <a:pPr algn="ctr"/>
+                <a:endParaRPr lang="en-US" dirty="0">
+                  <a:solidFill>
+                    <a:prstClr val="white"/>
+                  </a:solidFill>
+                </a:endParaRPr>
+              </a:p>
+            </p:txBody>
+          </p:sp>
+          <p:sp>
+            <p:nvSpPr>
+              <p:cNvPr id="12" name="Line"/>
+              <p:cNvSpPr/>
+              <p:nvPr/>
+            </p:nvSpPr>
+            <p:spPr>
+              <a:xfrm rot="10800000" flipV="1">
+                <a:off x="9347642" y="200476"/>
+                <a:ext cx="91440" cy="9144"/>
+              </a:xfrm>
+              <a:prstGeom prst="rect">
+                <a:avLst/>
+              </a:prstGeom>
+              <a:solidFill>
+                <a:srgbClr val="919191"/>
+              </a:solidFill>
+              <a:ln w="3175">
+                <a:solidFill>
+                  <a:srgbClr val="FFFFFF"/>
+                </a:solidFill>
+              </a:ln>
+            </p:spPr>
+            <p:style>
+              <a:lnRef idx="2">
+                <a:srgbClr val="4F81BD">
+                  <a:shade val="50000"/>
+                </a:srgbClr>
+              </a:lnRef>
+              <a:fillRef idx="1001">
+                <a:srgbClr val="000000"/>
+              </a:fillRef>
+              <a:effectRef idx="0">
+                <a:srgbClr val="4F81BD"/>
+              </a:effectRef>
+              <a:fontRef idx="minor">
+                <a:srgbClr val="000000"/>
+              </a:fontRef>
+            </p:style>
+            <p:txBody>
+              <a:bodyPr rtlCol="0" anchor="ctr"/>
+              <a:lstStyle/>
+              <a:p>
+                <a:pPr algn="ctr"/>
+                <a:endParaRPr lang="en-US" dirty="0">
+                  <a:solidFill>
+                    <a:prstClr val="white"/>
+                  </a:solidFill>
+                </a:endParaRPr>
+              </a:p>
+            </p:txBody>
+          </p:sp>
+        </p:grpSp>
+        <p:sp>
+          <p:nvSpPr>
+            <p:cNvPr id="7" name="Oval 4"/>
+            <p:cNvSpPr/>
+            <p:nvPr/>
+          </p:nvSpPr>
+          <p:spPr>
+            <a:xfrm>
+              <a:off x="83477" y="80065"/>
+              <a:ext cx="145536" cy="150875"/>
+            </a:xfrm>
+            <a:prstGeom prst="ellipse">
+              <a:avLst/>
+            </a:prstGeom>
+            <a:gradFill flip="none" rotWithShape="1">
+              <a:gsLst>
+                <a:gs pos="91000">
+                  <a:srgbClr val="FFFFFF">
+                    <a:lumMod val="85000"/>
+                  </a:srgbClr>
+                </a:gs>
+                <a:gs pos="36000">
+                  <a:srgbClr val="FFFFFF">
+                    <a:lumMod val="95000"/>
+                  </a:srgbClr>
+                </a:gs>
+                <a:gs pos="100000">
+                  <a:srgbClr val="FFFFFF">
+                    <a:lumMod val="95000"/>
+                  </a:srgbClr>
+                </a:gs>
+              </a:gsLst>
+              <a:lin ang="5400000" scaled="0"/>
+              <a:tileRect/>
+            </a:gradFill>
+            <a:ln w="3175">
+              <a:solidFill>
+                <a:srgbClr val="000000">
+                  <a:lumMod val="50000"/>
+                  <a:lumOff val="50000"/>
+                </a:srgbClr>
+              </a:solidFill>
+            </a:ln>
+            <a:effectLst/>
+          </p:spPr>
+          <p:style>
+            <a:lnRef idx="2">
+              <a:srgbClr val="4F81BD">
+                <a:shade val="50000"/>
+              </a:srgbClr>
+            </a:lnRef>
+            <a:fillRef idx="1">
+              <a:srgbClr val="4F81BD"/>
+            </a:fillRef>
+            <a:effectRef idx="0">
+              <a:srgbClr val="4F81BD"/>
+            </a:effectRef>
+            <a:fontRef idx="minor">
+              <a:srgbClr val="000000"/>
+            </a:fontRef>
+          </p:style>
+          <p:txBody>
+            <a:bodyPr lIns="97531" tIns="48766" rIns="97531" bIns="48766" rtlCol="0" anchor="ctr"/>
+            <a:lstStyle/>
+            <a:p>
+              <a:pPr algn="ctr"/>
+              <a:endParaRPr lang="en-US">
+                <a:solidFill>
+                  <a:prstClr val="white"/>
+                </a:solidFill>
+              </a:endParaRPr>
+            </a:p>
+          </p:txBody>
+        </p:sp>
+      </p:grpSp>
+      <p:sp>
+        <p:nvSpPr>
+          <p:cNvPr id="17" name="Content"/>
+          <p:cNvSpPr txBox="1"/>
+          <p:nvPr>
+            <p:custDataLst>
+              <p:custData r:id="rId2"/>
+            </p:custDataLst>
+          </p:nvPr>
+        </p:nvSpPr>
+        <p:spPr>
+          <a:xfrm>
+            <a:off x="321301" y="591562"/>
+            <a:ext cx="8241552" cy="415498"/>
+          </a:xfrm>
+          <a:prstGeom prst="rect">
+            <a:avLst/>
+          </a:prstGeom>
+          <a:noFill/>
+        </p:spPr>
+        <p:txBody>
+          <a:bodyPr wrap="none" lIns="91440" tIns="18288" rIns="91440" bIns="27432" rtlCol="0" anchor="ctr" anchorCtr="0">
+            <a:spAutoFit/>
+          </a:bodyPr>
+          <a:lstStyle/>
+          <a:p>
+            <a:r>
+              <a:rPr lang="en-US" sz="2400" b="1" dirty="0">
+                <a:solidFill>
+                  <a:srgbClr val="000000"/>
+                </a:solidFill>
+                <a:latin typeface="Segoe UI" pitchFamily="34" charset="0"/>
+                <a:ea typeface="Segoe UI" pitchFamily="34" charset="0"/>
+                <a:cs typeface="Segoe UI" pitchFamily="34" charset="0"/>
+              </a:rPr>
+              <a:t>[Nome do </a:t>
+            </a:r>
+            <a:r>
+              <a:rPr lang="en-US" sz="2400" b="1" dirty="0" err="1">
+                <a:solidFill>
+                  <a:srgbClr val="000000"/>
+                </a:solidFill>
+                <a:latin typeface="Segoe UI" pitchFamily="34" charset="0"/>
+                <a:ea typeface="Segoe UI" pitchFamily="34" charset="0"/>
+                <a:cs typeface="Segoe UI" pitchFamily="34" charset="0"/>
+              </a:rPr>
+              <a:t>personagem</a:t>
+            </a:r>
+            <a:r>
+              <a:rPr lang="en-US" sz="2400" b="1" dirty="0">
+                <a:solidFill>
+                  <a:srgbClr val="000000"/>
+                </a:solidFill>
+                <a:latin typeface="Segoe UI" pitchFamily="34" charset="0"/>
+                <a:ea typeface="Segoe UI" pitchFamily="34" charset="0"/>
+                <a:cs typeface="Segoe UI" pitchFamily="34" charset="0"/>
+              </a:rPr>
+              <a:t>] </a:t>
+            </a:r>
+            <a:r>
+              <a:rPr lang="en-US" sz="2400" b="1" dirty="0" err="1">
+                <a:solidFill>
+                  <a:srgbClr val="000000"/>
+                </a:solidFill>
+                <a:latin typeface="Segoe UI" pitchFamily="34" charset="0"/>
+                <a:ea typeface="Segoe UI" pitchFamily="34" charset="0"/>
+                <a:cs typeface="Segoe UI" pitchFamily="34" charset="0"/>
+              </a:rPr>
+              <a:t>está</a:t>
+            </a:r>
+            <a:r>
+              <a:rPr lang="en-US" sz="2400" b="1" dirty="0">
+                <a:solidFill>
+                  <a:srgbClr val="000000"/>
+                </a:solidFill>
+                <a:latin typeface="Segoe UI" pitchFamily="34" charset="0"/>
+                <a:ea typeface="Segoe UI" pitchFamily="34" charset="0"/>
+                <a:cs typeface="Segoe UI" pitchFamily="34" charset="0"/>
+              </a:rPr>
+              <a:t> agora </a:t>
+            </a:r>
+            <a:r>
+              <a:rPr lang="en-US" sz="2400" b="1" dirty="0" err="1">
+                <a:solidFill>
+                  <a:srgbClr val="000000"/>
+                </a:solidFill>
+                <a:latin typeface="Segoe UI" pitchFamily="34" charset="0"/>
+                <a:ea typeface="Segoe UI" pitchFamily="34" charset="0"/>
+                <a:cs typeface="Segoe UI" pitchFamily="34" charset="0"/>
+              </a:rPr>
+              <a:t>em</a:t>
+            </a:r>
+            <a:r>
+              <a:rPr lang="en-US" sz="2400" b="1" dirty="0">
+                <a:solidFill>
+                  <a:srgbClr val="000000"/>
+                </a:solidFill>
+                <a:latin typeface="Segoe UI" pitchFamily="34" charset="0"/>
+                <a:ea typeface="Segoe UI" pitchFamily="34" charset="0"/>
+                <a:cs typeface="Segoe UI" pitchFamily="34" charset="0"/>
+              </a:rPr>
+              <a:t> [Nome do Local]</a:t>
+            </a:r>
+          </a:p>
+        </p:txBody>
+      </p:sp>
+      <p:sp>
+        <p:nvSpPr>
+          <p:cNvPr id="22" name="Content"/>
+          <p:cNvSpPr/>
+          <p:nvPr>
+            <p:custDataLst>
+              <p:custData r:id="rId3"/>
+            </p:custDataLst>
+          </p:nvPr>
+        </p:nvSpPr>
+        <p:spPr>
+          <a:xfrm>
+            <a:off x="8562852" y="701040"/>
+            <a:ext cx="1465067" cy="224570"/>
+          </a:xfrm>
+          <a:prstGeom prst="roundRect">
+            <a:avLst/>
+          </a:prstGeom>
+          <a:solidFill>
+            <a:srgbClr val="FFFFFF">
+              <a:lumMod val="95000"/>
+            </a:srgbClr>
+          </a:solidFill>
+          <a:ln w="3175">
+            <a:solidFill>
+              <a:srgbClr val="000000">
+                <a:lumMod val="50000"/>
+                <a:lumOff val="50000"/>
+              </a:srgbClr>
+            </a:solidFill>
+          </a:ln>
+          <a:effectLst/>
+        </p:spPr>
+        <p:style>
+          <a:lnRef idx="2">
+            <a:srgbClr val="4F81BD">
+              <a:shade val="50000"/>
+            </a:srgbClr>
+          </a:lnRef>
+          <a:fillRef idx="1">
+            <a:srgbClr val="4F81BD"/>
+          </a:fillRef>
+          <a:effectRef idx="0">
+            <a:srgbClr val="4F81BD"/>
+          </a:effectRef>
+          <a:fontRef idx="minor">
+            <a:srgbClr val="000000"/>
+          </a:fontRef>
+        </p:style>
+        <p:txBody>
+          <a:bodyPr wrap="square" lIns="91440" tIns="0" rIns="91440" bIns="9144" rtlCol="0" anchor="ctr">
+            <a:noAutofit/>
+          </a:bodyPr>
+          <a:lstStyle/>
+          <a:p>
+            <a:pPr algn="ctr"/>
+            <a:r>
+              <a:rPr lang="en-US" sz="1200" dirty="0" err="1">
+                <a:solidFill>
+                  <a:srgbClr val="000000"/>
+                </a:solidFill>
+                <a:latin typeface="Segoe UI" pitchFamily="34" charset="0"/>
+                <a:cs typeface="Segoe UI" pitchFamily="34" charset="0"/>
+              </a:rPr>
+              <a:t>Voltar</a:t>
+            </a:r>
+            <a:r>
+              <a:rPr lang="en-US" sz="1200" dirty="0">
+                <a:solidFill>
+                  <a:srgbClr val="000000"/>
+                </a:solidFill>
+                <a:latin typeface="Segoe UI" pitchFamily="34" charset="0"/>
+                <a:cs typeface="Segoe UI" pitchFamily="34" charset="0"/>
+              </a:rPr>
+              <a:t> para </a:t>
+            </a:r>
+            <a:r>
+              <a:rPr lang="en-US" sz="1200" dirty="0" err="1">
+                <a:solidFill>
+                  <a:srgbClr val="000000"/>
+                </a:solidFill>
+                <a:latin typeface="Segoe UI" pitchFamily="34" charset="0"/>
+                <a:cs typeface="Segoe UI" pitchFamily="34" charset="0"/>
+              </a:rPr>
+              <a:t>cidade</a:t>
+            </a:r>
+            <a:endParaRPr lang="en-US" sz="1200" dirty="0">
+              <a:solidFill>
+                <a:srgbClr val="000000"/>
+              </a:solidFill>
+              <a:latin typeface="Segoe UI" pitchFamily="34" charset="0"/>
+              <a:cs typeface="Segoe UI" pitchFamily="34" charset="0"/>
+            </a:endParaRPr>
+          </a:p>
+        </p:txBody>
+      </p:sp>
+      <p:grpSp>
+        <p:nvGrpSpPr>
+          <p:cNvPr id="23" name="ProgressBar"/>
+          <p:cNvGrpSpPr/>
+          <p:nvPr>
+            <p:custDataLst>
+              <p:custData r:id="rId4"/>
+            </p:custDataLst>
+          </p:nvPr>
+        </p:nvGrpSpPr>
+        <p:grpSpPr>
+          <a:xfrm>
+            <a:off x="315425" y="5259874"/>
+            <a:ext cx="1391330" cy="137160"/>
+            <a:chOff x="3876335" y="3333180"/>
+            <a:chExt cx="1391330" cy="137160"/>
+          </a:xfrm>
+        </p:grpSpPr>
+        <p:sp>
+          <p:nvSpPr>
+            <p:cNvPr id="24" name="BlueBox"/>
+            <p:cNvSpPr/>
+            <p:nvPr/>
+          </p:nvSpPr>
+          <p:spPr>
+            <a:xfrm>
+              <a:off x="3876335" y="3333181"/>
+              <a:ext cx="927441" cy="137159"/>
+            </a:xfrm>
+            <a:prstGeom prst="rect">
+              <a:avLst/>
+            </a:prstGeom>
+            <a:solidFill>
+              <a:srgbClr val="1F497D">
+                <a:lumMod val="60000"/>
+                <a:lumOff val="40000"/>
+                <a:alpha val="44000"/>
+              </a:srgbClr>
+            </a:solidFill>
+            <a:ln w="12700" cap="flat" cmpd="sng" algn="ctr">
+              <a:noFill/>
+              <a:prstDash val="solid"/>
+            </a:ln>
+            <a:effectLst/>
+          </p:spPr>
+          <p:txBody>
+            <a:bodyPr rtlCol="0" anchor="ctr"/>
+            <a:lstStyle/>
+            <a:p>
+              <a:endParaRPr lang="en-US" sz="900" i="1" kern="0" dirty="0">
+                <a:solidFill>
+                  <a:srgbClr val="000000">
+                    <a:lumMod val="50000"/>
+                    <a:lumOff val="50000"/>
+                  </a:srgbClr>
+                </a:solidFill>
+                <a:latin typeface="Segoe UI"/>
+              </a:endParaRPr>
+            </a:p>
+          </p:txBody>
+        </p:sp>
+        <p:sp>
+          <p:nvSpPr>
+            <p:cNvPr id="25" name="GrayBox"/>
+            <p:cNvSpPr/>
+            <p:nvPr/>
+          </p:nvSpPr>
+          <p:spPr>
+            <a:xfrm>
+              <a:off x="3876335" y="3333180"/>
+              <a:ext cx="1391330" cy="137159"/>
+            </a:xfrm>
+            <a:prstGeom prst="rect">
+              <a:avLst/>
+            </a:prstGeom>
+            <a:noFill/>
+            <a:ln w="3175" cap="flat" cmpd="sng" algn="ctr">
+              <a:solidFill>
+                <a:srgbClr val="FFFFFF">
+                  <a:lumMod val="65000"/>
+                </a:srgbClr>
+              </a:solidFill>
+              <a:prstDash val="solid"/>
+            </a:ln>
+            <a:effectLst/>
+          </p:spPr>
+          <p:txBody>
+            <a:bodyPr rot="0" spcFirstLastPara="0" vertOverflow="overflow" horzOverflow="overflow" vert="horz" wrap="square" lIns="45720" tIns="45720" rIns="91440" bIns="45720" numCol="1" spcCol="0" rtlCol="0" fromWordArt="0" anchor="ctr" anchorCtr="0" forceAA="0" compatLnSpc="1">
+              <a:prstTxWarp prst="textNoShape">
+                <a:avLst/>
+              </a:prstTxWarp>
+              <a:noAutofit/>
+            </a:bodyPr>
+            <a:lstStyle/>
+            <a:p>
+              <a:pPr marL="0" marR="0" indent="0" algn="ctr" defTabSz="914400" eaLnBrk="1" fontAlgn="auto" latinLnBrk="0" hangingPunct="1">
+                <a:lnSpc>
+                  <a:spcPct val="100000"/>
+                </a:lnSpc>
+                <a:spcBef>
+                  <a:spcPts val="0"/>
+                </a:spcBef>
+                <a:spcAft>
+                  <a:spcPts val="0"/>
+                </a:spcAft>
+                <a:buClrTx/>
+                <a:buSzTx/>
+                <a:buFontTx/>
+                <a:buNone/>
+                <a:tabLst/>
+              </a:pPr>
+              <a:endParaRPr kumimoji="0" lang="en-US" sz="800" b="0" i="0" u="none" strike="noStrike" kern="0" cap="none" spc="0" normalizeH="0" baseline="0" noProof="0" dirty="0">
+                <a:ln>
+                  <a:noFill/>
+                </a:ln>
+                <a:solidFill>
+                  <a:srgbClr val="000000">
+                    <a:lumMod val="75000"/>
+                    <a:lumOff val="25000"/>
+                  </a:srgbClr>
+                </a:solidFill>
+                <a:effectLst/>
+                <a:uLnTx/>
+                <a:uFillTx/>
+                <a:latin typeface="Segoe UI"/>
+                <a:ea typeface="+mn-ea"/>
+                <a:cs typeface="+mn-cs"/>
+              </a:endParaRPr>
+            </a:p>
+          </p:txBody>
+        </p:sp>
+      </p:grpSp>
+      <p:sp>
+        <p:nvSpPr>
+          <p:cNvPr id="26" name="Content"/>
+          <p:cNvSpPr txBox="1"/>
+          <p:nvPr>
+            <p:custDataLst>
+              <p:custData r:id="rId5"/>
+            </p:custDataLst>
+          </p:nvPr>
+        </p:nvSpPr>
+        <p:spPr>
+          <a:xfrm>
+            <a:off x="214036" y="4847018"/>
+            <a:ext cx="686406" cy="353943"/>
+          </a:xfrm>
+          <a:prstGeom prst="rect">
+            <a:avLst/>
+          </a:prstGeom>
+          <a:noFill/>
+        </p:spPr>
+        <p:txBody>
+          <a:bodyPr wrap="none" lIns="91440" tIns="18288" rIns="91440" bIns="27432" rtlCol="0" anchor="ctr" anchorCtr="0">
+            <a:spAutoFit/>
+          </a:bodyPr>
+          <a:lstStyle/>
+          <a:p>
+            <a:r>
+              <a:rPr lang="en-US" sz="2000" dirty="0">
+                <a:solidFill>
+                  <a:srgbClr val="000000"/>
+                </a:solidFill>
+                <a:latin typeface="Segoe UI" pitchFamily="34" charset="0"/>
+                <a:ea typeface="Segoe UI" pitchFamily="34" charset="0"/>
+                <a:cs typeface="Segoe UI" pitchFamily="34" charset="0"/>
+              </a:rPr>
+              <a:t>Vida</a:t>
+            </a:r>
+          </a:p>
+        </p:txBody>
+      </p:sp>
+      <p:grpSp>
+        <p:nvGrpSpPr>
+          <p:cNvPr id="27" name="ProgressBar"/>
+          <p:cNvGrpSpPr/>
+          <p:nvPr>
+            <p:custDataLst>
+              <p:custData r:id="rId6"/>
+            </p:custDataLst>
+          </p:nvPr>
+        </p:nvGrpSpPr>
+        <p:grpSpPr>
+          <a:xfrm>
+            <a:off x="315425" y="6027566"/>
+            <a:ext cx="1391330" cy="137160"/>
+            <a:chOff x="3876335" y="3333180"/>
+            <a:chExt cx="1391330" cy="137160"/>
+          </a:xfrm>
+        </p:grpSpPr>
+        <p:sp>
+          <p:nvSpPr>
+            <p:cNvPr id="28" name="BlueBox"/>
+            <p:cNvSpPr/>
+            <p:nvPr/>
+          </p:nvSpPr>
+          <p:spPr>
+            <a:xfrm>
+              <a:off x="3876335" y="3333181"/>
+              <a:ext cx="927441" cy="137159"/>
+            </a:xfrm>
+            <a:prstGeom prst="rect">
+              <a:avLst/>
+            </a:prstGeom>
+            <a:solidFill>
+              <a:srgbClr val="1F497D">
+                <a:lumMod val="60000"/>
+                <a:lumOff val="40000"/>
+                <a:alpha val="44000"/>
+              </a:srgbClr>
+            </a:solidFill>
+            <a:ln w="12700" cap="flat" cmpd="sng" algn="ctr">
+              <a:noFill/>
+              <a:prstDash val="solid"/>
+            </a:ln>
+            <a:effectLst/>
+          </p:spPr>
+          <p:txBody>
+            <a:bodyPr rtlCol="0" anchor="ctr"/>
+            <a:lstStyle/>
+            <a:p>
+              <a:endParaRPr lang="en-US" sz="900" i="1" kern="0" dirty="0">
+                <a:solidFill>
+                  <a:srgbClr val="000000">
+                    <a:lumMod val="50000"/>
+                    <a:lumOff val="50000"/>
+                  </a:srgbClr>
+                </a:solidFill>
+                <a:latin typeface="Segoe UI"/>
+              </a:endParaRPr>
+            </a:p>
+          </p:txBody>
+        </p:sp>
+        <p:sp>
+          <p:nvSpPr>
+            <p:cNvPr id="29" name="GrayBox"/>
+            <p:cNvSpPr/>
+            <p:nvPr/>
+          </p:nvSpPr>
+          <p:spPr>
+            <a:xfrm>
+              <a:off x="3876335" y="3333180"/>
+              <a:ext cx="1391330" cy="137159"/>
+            </a:xfrm>
+            <a:prstGeom prst="rect">
+              <a:avLst/>
+            </a:prstGeom>
+            <a:noFill/>
+            <a:ln w="3175" cap="flat" cmpd="sng" algn="ctr">
+              <a:solidFill>
+                <a:srgbClr val="FFFFFF">
+                  <a:lumMod val="65000"/>
+                </a:srgbClr>
+              </a:solidFill>
+              <a:prstDash val="solid"/>
+            </a:ln>
+            <a:effectLst/>
+          </p:spPr>
+          <p:txBody>
+            <a:bodyPr rot="0" spcFirstLastPara="0" vertOverflow="overflow" horzOverflow="overflow" vert="horz" wrap="square" lIns="45720" tIns="45720" rIns="91440" bIns="45720" numCol="1" spcCol="0" rtlCol="0" fromWordArt="0" anchor="ctr" anchorCtr="0" forceAA="0" compatLnSpc="1">
+              <a:prstTxWarp prst="textNoShape">
+                <a:avLst/>
+              </a:prstTxWarp>
+              <a:noAutofit/>
+            </a:bodyPr>
+            <a:lstStyle/>
+            <a:p>
+              <a:pPr marL="0" marR="0" indent="0" algn="ctr" defTabSz="914400" eaLnBrk="1" fontAlgn="auto" latinLnBrk="0" hangingPunct="1">
+                <a:lnSpc>
+                  <a:spcPct val="100000"/>
+                </a:lnSpc>
+                <a:spcBef>
+                  <a:spcPts val="0"/>
+                </a:spcBef>
+                <a:spcAft>
+                  <a:spcPts val="0"/>
+                </a:spcAft>
+                <a:buClrTx/>
+                <a:buSzTx/>
+                <a:buFontTx/>
+                <a:buNone/>
+                <a:tabLst/>
+              </a:pPr>
+              <a:endParaRPr kumimoji="0" lang="en-US" sz="800" b="0" i="0" u="none" strike="noStrike" kern="0" cap="none" spc="0" normalizeH="0" baseline="0" noProof="0" dirty="0">
+                <a:ln>
+                  <a:noFill/>
+                </a:ln>
+                <a:solidFill>
+                  <a:srgbClr val="000000">
+                    <a:lumMod val="75000"/>
+                    <a:lumOff val="25000"/>
+                  </a:srgbClr>
+                </a:solidFill>
+                <a:effectLst/>
+                <a:uLnTx/>
+                <a:uFillTx/>
+                <a:latin typeface="Segoe UI"/>
+                <a:ea typeface="+mn-ea"/>
+                <a:cs typeface="+mn-cs"/>
+              </a:endParaRPr>
+            </a:p>
+          </p:txBody>
+        </p:sp>
+      </p:grpSp>
+      <p:sp>
+        <p:nvSpPr>
+          <p:cNvPr id="30" name="Content"/>
+          <p:cNvSpPr txBox="1"/>
+          <p:nvPr>
+            <p:custDataLst>
+              <p:custData r:id="rId7"/>
+            </p:custDataLst>
+          </p:nvPr>
+        </p:nvSpPr>
+        <p:spPr>
+          <a:xfrm>
+            <a:off x="214036" y="5614710"/>
+            <a:ext cx="1460656" cy="353943"/>
+          </a:xfrm>
+          <a:prstGeom prst="rect">
+            <a:avLst/>
+          </a:prstGeom>
+          <a:noFill/>
+        </p:spPr>
+        <p:txBody>
+          <a:bodyPr wrap="none" lIns="91440" tIns="18288" rIns="91440" bIns="27432" rtlCol="0" anchor="ctr" anchorCtr="0">
+            <a:spAutoFit/>
+          </a:bodyPr>
+          <a:lstStyle/>
+          <a:p>
+            <a:r>
+              <a:rPr lang="en-US" sz="2000" dirty="0" err="1">
+                <a:solidFill>
+                  <a:srgbClr val="000000"/>
+                </a:solidFill>
+                <a:latin typeface="Segoe UI" pitchFamily="34" charset="0"/>
+                <a:ea typeface="Segoe UI" pitchFamily="34" charset="0"/>
+                <a:cs typeface="Segoe UI" pitchFamily="34" charset="0"/>
+              </a:rPr>
+              <a:t>Experiencia</a:t>
+            </a:r>
+            <a:endParaRPr lang="en-US" sz="2000" dirty="0">
+              <a:solidFill>
+                <a:srgbClr val="000000"/>
+              </a:solidFill>
+              <a:latin typeface="Segoe UI" pitchFamily="34" charset="0"/>
+              <a:ea typeface="Segoe UI" pitchFamily="34" charset="0"/>
+              <a:cs typeface="Segoe UI" pitchFamily="34" charset="0"/>
+            </a:endParaRPr>
+          </a:p>
+        </p:txBody>
+      </p:sp>
+      <p:sp>
+        <p:nvSpPr>
+          <p:cNvPr id="31" name="Content"/>
+          <p:cNvSpPr txBox="1"/>
+          <p:nvPr>
+            <p:custDataLst>
+              <p:custData r:id="rId8"/>
+            </p:custDataLst>
+          </p:nvPr>
+        </p:nvSpPr>
+        <p:spPr>
+          <a:xfrm>
+            <a:off x="214036" y="6209542"/>
+            <a:ext cx="967060" cy="353943"/>
+          </a:xfrm>
+          <a:prstGeom prst="rect">
+            <a:avLst/>
+          </a:prstGeom>
+          <a:noFill/>
+        </p:spPr>
+        <p:txBody>
+          <a:bodyPr wrap="none" lIns="91440" tIns="18288" rIns="91440" bIns="27432" rtlCol="0" anchor="ctr" anchorCtr="0">
+            <a:spAutoFit/>
+          </a:bodyPr>
+          <a:lstStyle/>
+          <a:p>
+            <a:r>
+              <a:rPr lang="en-US" sz="2000" dirty="0" err="1">
+                <a:solidFill>
+                  <a:srgbClr val="000000"/>
+                </a:solidFill>
+                <a:latin typeface="Segoe UI" pitchFamily="34" charset="0"/>
+                <a:ea typeface="Segoe UI" pitchFamily="34" charset="0"/>
+                <a:cs typeface="Segoe UI" pitchFamily="34" charset="0"/>
+              </a:rPr>
+              <a:t>Nível</a:t>
+            </a:r>
+            <a:r>
+              <a:rPr lang="en-US" sz="2000" dirty="0">
+                <a:solidFill>
+                  <a:srgbClr val="000000"/>
+                </a:solidFill>
+                <a:latin typeface="Segoe UI" pitchFamily="34" charset="0"/>
+                <a:ea typeface="Segoe UI" pitchFamily="34" charset="0"/>
+                <a:cs typeface="Segoe UI" pitchFamily="34" charset="0"/>
+              </a:rPr>
+              <a:t> 1</a:t>
+            </a:r>
+          </a:p>
+        </p:txBody>
+      </p:sp>
+      <p:sp>
+        <p:nvSpPr>
+          <p:cNvPr id="32" name="Content"/>
+          <p:cNvSpPr/>
+          <p:nvPr>
+            <p:custDataLst>
+              <p:custData r:id="rId9"/>
+            </p:custDataLst>
+          </p:nvPr>
+        </p:nvSpPr>
+        <p:spPr>
+          <a:xfrm>
+            <a:off x="10821494" y="6334885"/>
+            <a:ext cx="1106592" cy="228600"/>
+          </a:xfrm>
+          <a:prstGeom prst="roundRect">
+            <a:avLst/>
+          </a:prstGeom>
+          <a:solidFill>
+            <a:srgbClr val="FFFFFF">
+              <a:lumMod val="95000"/>
+            </a:srgbClr>
+          </a:solidFill>
+          <a:ln w="3175">
+            <a:solidFill>
+              <a:srgbClr val="000000">
+                <a:lumMod val="50000"/>
+                <a:lumOff val="50000"/>
+              </a:srgbClr>
+            </a:solidFill>
+          </a:ln>
+          <a:effectLst/>
+        </p:spPr>
+        <p:style>
+          <a:lnRef idx="2">
+            <a:srgbClr val="4F81BD">
+              <a:shade val="50000"/>
+            </a:srgbClr>
+          </a:lnRef>
+          <a:fillRef idx="1">
+            <a:srgbClr val="4F81BD"/>
+          </a:fillRef>
+          <a:effectRef idx="0">
+            <a:srgbClr val="4F81BD"/>
+          </a:effectRef>
+          <a:fontRef idx="minor">
+            <a:srgbClr val="000000"/>
+          </a:fontRef>
+        </p:style>
+        <p:txBody>
+          <a:bodyPr wrap="square" lIns="91440" tIns="0" rIns="91440" bIns="9144" rtlCol="0" anchor="ctr">
+            <a:noAutofit/>
+          </a:bodyPr>
+          <a:lstStyle/>
+          <a:p>
+            <a:pPr algn="ctr"/>
+            <a:r>
+              <a:rPr lang="en-US" sz="1200" dirty="0" err="1">
+                <a:solidFill>
+                  <a:srgbClr val="000000"/>
+                </a:solidFill>
+                <a:latin typeface="Segoe UI" pitchFamily="34" charset="0"/>
+                <a:cs typeface="Segoe UI" pitchFamily="34" charset="0"/>
+              </a:rPr>
+              <a:t>Fechar</a:t>
+            </a:r>
+            <a:endParaRPr lang="en-US" sz="1200" dirty="0">
+              <a:solidFill>
+                <a:srgbClr val="000000"/>
+              </a:solidFill>
+              <a:latin typeface="Segoe UI" pitchFamily="34" charset="0"/>
+              <a:cs typeface="Segoe UI" pitchFamily="34" charset="0"/>
+            </a:endParaRPr>
+          </a:p>
+        </p:txBody>
+      </p:sp>
+      <p:grpSp>
+        <p:nvGrpSpPr>
+          <p:cNvPr id="33" name="List"/>
+          <p:cNvGrpSpPr/>
+          <p:nvPr>
+            <p:custDataLst>
+              <p:custData r:id="rId10"/>
+            </p:custDataLst>
+          </p:nvPr>
+        </p:nvGrpSpPr>
+        <p:grpSpPr>
+          <a:xfrm>
+            <a:off x="557239" y="1702356"/>
+            <a:ext cx="1651415" cy="1533690"/>
+            <a:chOff x="4610405" y="3047458"/>
+            <a:chExt cx="1651415" cy="1533690"/>
+          </a:xfrm>
+        </p:grpSpPr>
+        <p:grpSp>
+          <p:nvGrpSpPr>
+            <p:cNvPr id="34" name="Group 2"/>
+            <p:cNvGrpSpPr/>
+            <p:nvPr/>
+          </p:nvGrpSpPr>
+          <p:grpSpPr>
+            <a:xfrm>
+              <a:off x="4610405" y="3047458"/>
+              <a:ext cx="1651415" cy="1533690"/>
+              <a:chOff x="4648810" y="3359442"/>
+              <a:chExt cx="713680" cy="756306"/>
+            </a:xfrm>
+          </p:grpSpPr>
+          <p:sp>
+            <p:nvSpPr>
+              <p:cNvPr id="40" name="Background"/>
+              <p:cNvSpPr/>
+              <p:nvPr/>
+            </p:nvSpPr>
+            <p:spPr>
+              <a:xfrm>
+                <a:off x="4648810" y="3359442"/>
+                <a:ext cx="713680" cy="756306"/>
+              </a:xfrm>
+              <a:prstGeom prst="rect">
+                <a:avLst/>
+              </a:prstGeom>
+              <a:solidFill>
+                <a:srgbClr val="FFFFFF"/>
+              </a:solidFill>
+              <a:ln w="3175" cap="flat" cmpd="sng" algn="ctr">
+                <a:solidFill>
+                  <a:srgbClr val="FFFFFF">
+                    <a:lumMod val="50000"/>
+                  </a:srgbClr>
+                </a:solidFill>
+                <a:prstDash val="solid"/>
+              </a:ln>
+              <a:effectLst/>
+            </p:spPr>
+            <p:txBody>
+              <a:bodyPr rot="0" spcFirstLastPara="0" vertOverflow="overflow" horzOverflow="overflow" vert="horz" wrap="square" lIns="45720" tIns="0" rIns="91440" bIns="0" numCol="1" spcCol="0" rtlCol="0" fromWordArt="0" anchor="ctr" anchorCtr="0" forceAA="0" compatLnSpc="1">
+                <a:prstTxWarp prst="textNoShape">
+                  <a:avLst/>
+                </a:prstTxWarp>
+                <a:noAutofit/>
+              </a:bodyPr>
+              <a:lstStyle/>
+              <a:p>
+                <a:pPr marL="0" marR="0" indent="0" algn="ctr" defTabSz="914400" eaLnBrk="1" fontAlgn="auto" latinLnBrk="0" hangingPunct="1">
+                  <a:lnSpc>
+                    <a:spcPct val="100000"/>
+                  </a:lnSpc>
+                  <a:spcBef>
+                    <a:spcPts val="0"/>
+                  </a:spcBef>
+                  <a:spcAft>
+                    <a:spcPts val="0"/>
+                  </a:spcAft>
+                  <a:buClrTx/>
+                  <a:buSzTx/>
+                  <a:buFontTx/>
+                  <a:buNone/>
+                  <a:tabLst/>
+                </a:pPr>
+                <a:endParaRPr kumimoji="0" lang="en-US" sz="1050" b="0" i="0" u="none" strike="noStrike" kern="0" cap="none" spc="0" normalizeH="0" baseline="0" noProof="0" dirty="0">
+                  <a:ln>
+                    <a:noFill/>
+                  </a:ln>
+                  <a:solidFill>
+                    <a:srgbClr val="000000">
+                      <a:lumMod val="75000"/>
+                      <a:lumOff val="25000"/>
+                    </a:srgbClr>
+                  </a:solidFill>
+                  <a:effectLst/>
+                  <a:uLnTx/>
+                  <a:uFillTx/>
+                  <a:latin typeface="Segoe UI"/>
+                  <a:ea typeface="+mn-ea"/>
+                  <a:cs typeface="+mn-cs"/>
+                </a:endParaRPr>
+              </a:p>
+            </p:txBody>
+          </p:sp>
+          <p:sp>
+            <p:nvSpPr>
+              <p:cNvPr id="41" name="Content"/>
+              <p:cNvSpPr/>
+              <p:nvPr/>
+            </p:nvSpPr>
+            <p:spPr>
+              <a:xfrm>
+                <a:off x="4648810" y="3359442"/>
+                <a:ext cx="713680" cy="373362"/>
+              </a:xfrm>
+              <a:prstGeom prst="rect">
+                <a:avLst/>
+              </a:prstGeom>
+              <a:noFill/>
+              <a:ln w="3175">
+                <a:noFill/>
+              </a:ln>
+              <a:effectLst/>
+            </p:spPr>
+            <p:style>
+              <a:lnRef idx="2">
+                <a:srgbClr val="4F81BD">
+                  <a:shade val="50000"/>
+                </a:srgbClr>
+              </a:lnRef>
+              <a:fillRef idx="1">
+                <a:srgbClr val="4F81BD"/>
+              </a:fillRef>
+              <a:effectRef idx="0">
+                <a:srgbClr val="4F81BD"/>
+              </a:effectRef>
+              <a:fontRef idx="minor">
+                <a:srgbClr val="000000"/>
+              </a:fontRef>
+            </p:style>
+            <p:txBody>
+              <a:bodyPr lIns="45720" tIns="0" rIns="0" bIns="18288" rtlCol="0" anchor="t" anchorCtr="0">
+                <a:spAutoFit/>
+              </a:bodyPr>
+              <a:lstStyle/>
+              <a:p>
+                <a:r>
+                  <a:rPr lang="en-US" sz="1200" dirty="0" err="1">
+                    <a:solidFill>
+                      <a:sysClr val="windowText" lastClr="000000"/>
+                    </a:solidFill>
+                    <a:latin typeface="Segoe UI" pitchFamily="34" charset="0"/>
+                    <a:cs typeface="Segoe UI" pitchFamily="34" charset="0"/>
+                  </a:rPr>
+                  <a:t>Chubaca</a:t>
+                </a:r>
+                <a:r>
+                  <a:rPr lang="en-US" sz="1200" dirty="0">
+                    <a:solidFill>
+                      <a:sysClr val="windowText" lastClr="000000"/>
+                    </a:solidFill>
+                    <a:latin typeface="Segoe UI" pitchFamily="34" charset="0"/>
+                    <a:cs typeface="Segoe UI" pitchFamily="34" charset="0"/>
+                  </a:rPr>
+                  <a:t> </a:t>
+                </a:r>
+                <a:r>
+                  <a:rPr lang="en-US" sz="1200" dirty="0" err="1">
+                    <a:solidFill>
+                      <a:sysClr val="windowText" lastClr="000000"/>
+                    </a:solidFill>
+                    <a:latin typeface="Segoe UI" pitchFamily="34" charset="0"/>
+                    <a:cs typeface="Segoe UI" pitchFamily="34" charset="0"/>
+                  </a:rPr>
+                  <a:t>Nivel</a:t>
+                </a:r>
+                <a:r>
+                  <a:rPr lang="en-US" sz="1200" dirty="0">
+                    <a:solidFill>
+                      <a:sysClr val="windowText" lastClr="000000"/>
+                    </a:solidFill>
+                    <a:latin typeface="Segoe UI" pitchFamily="34" charset="0"/>
+                    <a:cs typeface="Segoe UI" pitchFamily="34" charset="0"/>
+                  </a:rPr>
+                  <a:t> 2</a:t>
+                </a:r>
+              </a:p>
+              <a:p>
+                <a:r>
+                  <a:rPr lang="en-US" sz="1200" dirty="0" err="1">
+                    <a:solidFill>
+                      <a:sysClr val="windowText" lastClr="000000"/>
+                    </a:solidFill>
+                    <a:latin typeface="Segoe UI" pitchFamily="34" charset="0"/>
+                    <a:cs typeface="Segoe UI" pitchFamily="34" charset="0"/>
+                  </a:rPr>
+                  <a:t>Thanos</a:t>
+                </a:r>
+                <a:r>
+                  <a:rPr lang="en-US" sz="1200" dirty="0">
+                    <a:solidFill>
+                      <a:sysClr val="windowText" lastClr="000000"/>
+                    </a:solidFill>
+                    <a:latin typeface="Segoe UI" pitchFamily="34" charset="0"/>
+                    <a:cs typeface="Segoe UI" pitchFamily="34" charset="0"/>
+                  </a:rPr>
+                  <a:t> </a:t>
+                </a:r>
+                <a:r>
+                  <a:rPr lang="en-US" sz="1200" dirty="0" err="1">
+                    <a:solidFill>
+                      <a:sysClr val="windowText" lastClr="000000"/>
+                    </a:solidFill>
+                    <a:latin typeface="Segoe UI" pitchFamily="34" charset="0"/>
+                    <a:cs typeface="Segoe UI" pitchFamily="34" charset="0"/>
+                  </a:rPr>
+                  <a:t>Nível</a:t>
+                </a:r>
+                <a:r>
+                  <a:rPr lang="en-US" sz="1200" dirty="0">
+                    <a:solidFill>
+                      <a:sysClr val="windowText" lastClr="000000"/>
+                    </a:solidFill>
+                    <a:latin typeface="Segoe UI" pitchFamily="34" charset="0"/>
+                    <a:cs typeface="Segoe UI" pitchFamily="34" charset="0"/>
+                  </a:rPr>
+                  <a:t> 5</a:t>
+                </a:r>
+              </a:p>
+              <a:p>
+                <a:r>
+                  <a:rPr lang="en-US" sz="1200" dirty="0" err="1">
+                    <a:solidFill>
+                      <a:sysClr val="windowText" lastClr="000000"/>
+                    </a:solidFill>
+                    <a:latin typeface="Segoe UI" pitchFamily="34" charset="0"/>
+                    <a:cs typeface="Segoe UI" pitchFamily="34" charset="0"/>
+                  </a:rPr>
+                  <a:t>Esqueleto</a:t>
+                </a:r>
+                <a:r>
+                  <a:rPr lang="en-US" sz="1200" dirty="0">
+                    <a:solidFill>
+                      <a:sysClr val="windowText" lastClr="000000"/>
+                    </a:solidFill>
+                    <a:latin typeface="Segoe UI" pitchFamily="34" charset="0"/>
+                    <a:cs typeface="Segoe UI" pitchFamily="34" charset="0"/>
+                  </a:rPr>
+                  <a:t> </a:t>
+                </a:r>
+                <a:r>
+                  <a:rPr lang="en-US" sz="1200" dirty="0" err="1">
+                    <a:solidFill>
+                      <a:sysClr val="windowText" lastClr="000000"/>
+                    </a:solidFill>
+                    <a:latin typeface="Segoe UI" pitchFamily="34" charset="0"/>
+                    <a:cs typeface="Segoe UI" pitchFamily="34" charset="0"/>
+                  </a:rPr>
+                  <a:t>Nível</a:t>
+                </a:r>
+                <a:r>
+                  <a:rPr lang="en-US" sz="1200" dirty="0">
+                    <a:solidFill>
+                      <a:sysClr val="windowText" lastClr="000000"/>
+                    </a:solidFill>
+                    <a:latin typeface="Segoe UI" pitchFamily="34" charset="0"/>
+                    <a:cs typeface="Segoe UI" pitchFamily="34" charset="0"/>
+                  </a:rPr>
+                  <a:t> 1</a:t>
+                </a:r>
+              </a:p>
+              <a:p>
+                <a:r>
+                  <a:rPr lang="en-US" sz="1200" dirty="0" err="1">
+                    <a:solidFill>
+                      <a:sysClr val="windowText" lastClr="000000"/>
+                    </a:solidFill>
+                    <a:latin typeface="Segoe UI" pitchFamily="34" charset="0"/>
+                    <a:cs typeface="Segoe UI" pitchFamily="34" charset="0"/>
+                  </a:rPr>
+                  <a:t>Seu</a:t>
+                </a:r>
+                <a:r>
+                  <a:rPr lang="en-US" sz="1200" dirty="0">
+                    <a:solidFill>
+                      <a:sysClr val="windowText" lastClr="000000"/>
+                    </a:solidFill>
+                    <a:latin typeface="Segoe UI" pitchFamily="34" charset="0"/>
+                    <a:cs typeface="Segoe UI" pitchFamily="34" charset="0"/>
+                  </a:rPr>
+                  <a:t> </a:t>
+                </a:r>
+                <a:r>
+                  <a:rPr lang="en-US" sz="1200" dirty="0" err="1">
+                    <a:solidFill>
+                      <a:sysClr val="windowText" lastClr="000000"/>
+                    </a:solidFill>
+                    <a:latin typeface="Segoe UI" pitchFamily="34" charset="0"/>
+                    <a:cs typeface="Segoe UI" pitchFamily="34" charset="0"/>
+                  </a:rPr>
+                  <a:t>madruga</a:t>
+                </a:r>
+                <a:r>
+                  <a:rPr lang="en-US" sz="1200" dirty="0">
+                    <a:solidFill>
+                      <a:sysClr val="windowText" lastClr="000000"/>
+                    </a:solidFill>
+                    <a:latin typeface="Segoe UI" pitchFamily="34" charset="0"/>
+                    <a:cs typeface="Segoe UI" pitchFamily="34" charset="0"/>
+                  </a:rPr>
+                  <a:t> </a:t>
+                </a:r>
+                <a:r>
+                  <a:rPr lang="en-US" sz="1200" dirty="0" err="1">
+                    <a:solidFill>
+                      <a:sysClr val="windowText" lastClr="000000"/>
+                    </a:solidFill>
+                    <a:latin typeface="Segoe UI" pitchFamily="34" charset="0"/>
+                    <a:cs typeface="Segoe UI" pitchFamily="34" charset="0"/>
+                  </a:rPr>
+                  <a:t>Nível</a:t>
+                </a:r>
+                <a:r>
+                  <a:rPr lang="en-US" sz="1200" dirty="0">
+                    <a:solidFill>
+                      <a:sysClr val="windowText" lastClr="000000"/>
+                    </a:solidFill>
+                    <a:latin typeface="Segoe UI" pitchFamily="34" charset="0"/>
+                    <a:cs typeface="Segoe UI" pitchFamily="34" charset="0"/>
+                  </a:rPr>
+                  <a:t> 4</a:t>
+                </a:r>
+              </a:p>
+            </p:txBody>
+          </p:sp>
+        </p:grpSp>
+        <p:grpSp>
+          <p:nvGrpSpPr>
+            <p:cNvPr id="35" name="Group 3"/>
+            <p:cNvGrpSpPr/>
+            <p:nvPr>
+              <p:custDataLst>
+                <p:custData r:id="rId13"/>
+              </p:custDataLst>
+            </p:nvPr>
+          </p:nvGrpSpPr>
+          <p:grpSpPr>
+            <a:xfrm>
+              <a:off x="6113828" y="3047458"/>
+              <a:ext cx="147992" cy="1533690"/>
+              <a:chOff x="4496659" y="1543110"/>
+              <a:chExt cx="147992" cy="3562292"/>
+            </a:xfrm>
+          </p:grpSpPr>
+          <p:sp>
+            <p:nvSpPr>
+              <p:cNvPr id="36" name="ScrollBar"/>
+              <p:cNvSpPr>
+                <a:spLocks/>
+              </p:cNvSpPr>
+              <p:nvPr/>
+            </p:nvSpPr>
+            <p:spPr>
+              <a:xfrm>
+                <a:off x="4496659" y="1543110"/>
+                <a:ext cx="147992" cy="3562292"/>
+              </a:xfrm>
+              <a:prstGeom prst="rect">
+                <a:avLst/>
+              </a:prstGeom>
+              <a:solidFill>
+                <a:srgbClr val="FFFFFF">
+                  <a:lumMod val="95000"/>
+                </a:srgbClr>
+              </a:solidFill>
+              <a:ln w="3175">
+                <a:solidFill>
+                  <a:srgbClr val="FFFFFF">
+                    <a:lumMod val="50000"/>
+                  </a:srgbClr>
+                </a:solidFill>
+              </a:ln>
+            </p:spPr>
+            <p:style>
+              <a:lnRef idx="2">
+                <a:srgbClr val="4F81BD">
+                  <a:shade val="50000"/>
+                </a:srgbClr>
+              </a:lnRef>
+              <a:fillRef idx="1001">
+                <a:srgbClr val="000000"/>
+              </a:fillRef>
+              <a:effectRef idx="0">
+                <a:srgbClr val="4F81BD"/>
+              </a:effectRef>
+              <a:fontRef idx="minor">
+                <a:srgbClr val="000000"/>
+              </a:fontRef>
+            </p:style>
+            <p:txBody>
+              <a:bodyPr lIns="97548" tIns="48774" rIns="97548" bIns="48774" rtlCol="0" anchor="ctr"/>
+              <a:lstStyle/>
+              <a:p>
+                <a:pPr algn="ctr" defTabSz="913915"/>
+                <a:endParaRPr lang="en-US" dirty="0"/>
+              </a:p>
+            </p:txBody>
+          </p:sp>
+          <p:sp>
+            <p:nvSpPr>
+              <p:cNvPr id="37" name="Slider"/>
+              <p:cNvSpPr>
+                <a:spLocks/>
+              </p:cNvSpPr>
+              <p:nvPr/>
+            </p:nvSpPr>
+            <p:spPr>
+              <a:xfrm>
+                <a:off x="4496659" y="2237544"/>
+                <a:ext cx="147992" cy="804962"/>
+              </a:xfrm>
+              <a:prstGeom prst="rect">
+                <a:avLst/>
+              </a:prstGeom>
+              <a:solidFill>
+                <a:srgbClr val="FFFFFF">
+                  <a:lumMod val="85000"/>
+                </a:srgbClr>
+              </a:solidFill>
+              <a:ln w="3175">
+                <a:solidFill>
+                  <a:srgbClr val="FFFFFF">
+                    <a:lumMod val="50000"/>
+                  </a:srgbClr>
+                </a:solidFill>
+              </a:ln>
+            </p:spPr>
+            <p:style>
+              <a:lnRef idx="2">
+                <a:srgbClr val="4F81BD">
+                  <a:shade val="50000"/>
+                </a:srgbClr>
+              </a:lnRef>
+              <a:fillRef idx="1">
+                <a:srgbClr val="4F81BD"/>
+              </a:fillRef>
+              <a:effectRef idx="0">
+                <a:srgbClr val="4F81BD"/>
+              </a:effectRef>
+              <a:fontRef idx="minor">
+                <a:srgbClr val="000000"/>
+              </a:fontRef>
+            </p:style>
+            <p:txBody>
+              <a:bodyPr lIns="97548" tIns="48774" rIns="97548" bIns="48774" rtlCol="0" anchor="ctr"/>
+              <a:lstStyle/>
+              <a:p>
+                <a:pPr algn="ctr"/>
+                <a:endParaRPr lang="en-US" dirty="0"/>
+              </a:p>
+            </p:txBody>
+          </p:sp>
+          <p:sp>
+            <p:nvSpPr>
+              <p:cNvPr id="38" name="UpArrow"/>
+              <p:cNvSpPr>
+                <a:spLocks/>
+              </p:cNvSpPr>
+              <p:nvPr/>
+            </p:nvSpPr>
+            <p:spPr>
+              <a:xfrm>
+                <a:off x="4538651" y="1628432"/>
+                <a:ext cx="64008" cy="148671"/>
+              </a:xfrm>
+              <a:prstGeom prst="triangle">
+                <a:avLst/>
+              </a:prstGeom>
+              <a:solidFill>
+                <a:srgbClr val="FFFFFF">
+                  <a:lumMod val="50000"/>
+                  <a:alpha val="99000"/>
+                </a:srgbClr>
+              </a:solidFill>
+              <a:ln>
+                <a:noFill/>
+              </a:ln>
+            </p:spPr>
+            <p:style>
+              <a:lnRef idx="2">
+                <a:srgbClr val="4F81BD">
+                  <a:shade val="50000"/>
+                </a:srgbClr>
+              </a:lnRef>
+              <a:fillRef idx="1">
+                <a:srgbClr val="4F81BD"/>
+              </a:fillRef>
+              <a:effectRef idx="0">
+                <a:srgbClr val="4F81BD"/>
+              </a:effectRef>
+              <a:fontRef idx="minor">
+                <a:srgbClr val="000000"/>
+              </a:fontRef>
+            </p:style>
+            <p:txBody>
+              <a:bodyPr lIns="97548" tIns="48774" rIns="97548" bIns="48774" rtlCol="0" anchor="ctr"/>
+              <a:lstStyle/>
+              <a:p>
+                <a:pPr algn="ctr"/>
+                <a:endParaRPr lang="en-US" dirty="0"/>
+              </a:p>
+            </p:txBody>
+          </p:sp>
+          <p:sp>
+            <p:nvSpPr>
+              <p:cNvPr id="39" name="DownArrow"/>
+              <p:cNvSpPr>
+                <a:spLocks/>
+              </p:cNvSpPr>
+              <p:nvPr/>
+            </p:nvSpPr>
+            <p:spPr>
+              <a:xfrm rot="10800000">
+                <a:off x="4538651" y="4880844"/>
+                <a:ext cx="64008" cy="148671"/>
+              </a:xfrm>
+              <a:prstGeom prst="triangle">
+                <a:avLst/>
+              </a:prstGeom>
+              <a:solidFill>
+                <a:srgbClr val="FFFFFF">
+                  <a:lumMod val="50000"/>
+                  <a:alpha val="99000"/>
+                </a:srgbClr>
+              </a:solidFill>
+              <a:ln>
+                <a:noFill/>
+              </a:ln>
+            </p:spPr>
+            <p:style>
+              <a:lnRef idx="2">
+                <a:srgbClr val="4F81BD">
+                  <a:shade val="50000"/>
+                </a:srgbClr>
+              </a:lnRef>
+              <a:fillRef idx="1">
+                <a:srgbClr val="4F81BD"/>
+              </a:fillRef>
+              <a:effectRef idx="0">
+                <a:srgbClr val="4F81BD"/>
+              </a:effectRef>
+              <a:fontRef idx="minor">
+                <a:srgbClr val="000000"/>
+              </a:fontRef>
+            </p:style>
+            <p:txBody>
+              <a:bodyPr lIns="97548" tIns="48774" rIns="97548" bIns="48774" rtlCol="0" anchor="ctr"/>
+              <a:lstStyle/>
+              <a:p>
+                <a:pPr algn="ctr"/>
+                <a:endParaRPr lang="en-US" dirty="0"/>
+              </a:p>
+            </p:txBody>
+          </p:sp>
+        </p:grpSp>
+      </p:grpSp>
+      <p:sp>
+        <p:nvSpPr>
+          <p:cNvPr id="42" name="Content"/>
+          <p:cNvSpPr txBox="1"/>
+          <p:nvPr>
+            <p:custDataLst>
+              <p:custData r:id="rId11"/>
+            </p:custDataLst>
+          </p:nvPr>
+        </p:nvSpPr>
+        <p:spPr>
+          <a:xfrm>
+            <a:off x="478410" y="1269869"/>
+            <a:ext cx="1253677" cy="353943"/>
+          </a:xfrm>
+          <a:prstGeom prst="rect">
+            <a:avLst/>
+          </a:prstGeom>
+          <a:noFill/>
+        </p:spPr>
+        <p:txBody>
+          <a:bodyPr wrap="none" lIns="91440" tIns="18288" rIns="91440" bIns="27432" rtlCol="0" anchor="ctr" anchorCtr="0">
+            <a:spAutoFit/>
+          </a:bodyPr>
+          <a:lstStyle/>
+          <a:p>
+            <a:r>
+              <a:rPr lang="en-US" sz="2000" dirty="0" err="1">
+                <a:solidFill>
+                  <a:srgbClr val="000000"/>
+                </a:solidFill>
+                <a:latin typeface="Segoe UI" pitchFamily="34" charset="0"/>
+                <a:ea typeface="Segoe UI" pitchFamily="34" charset="0"/>
+                <a:cs typeface="Segoe UI" pitchFamily="34" charset="0"/>
+              </a:rPr>
+              <a:t>Monstros</a:t>
+            </a:r>
+            <a:endParaRPr lang="en-US" sz="2000" dirty="0">
+              <a:solidFill>
+                <a:srgbClr val="000000"/>
+              </a:solidFill>
+              <a:latin typeface="Segoe UI" pitchFamily="34" charset="0"/>
+              <a:ea typeface="Segoe UI" pitchFamily="34" charset="0"/>
+              <a:cs typeface="Segoe UI" pitchFamily="34" charset="0"/>
+            </a:endParaRPr>
+          </a:p>
+        </p:txBody>
+      </p:sp>
+      <p:sp>
+        <p:nvSpPr>
+          <p:cNvPr id="43" name="Content"/>
+          <p:cNvSpPr/>
+          <p:nvPr>
+            <p:custDataLst>
+              <p:custData r:id="rId12"/>
+            </p:custDataLst>
+          </p:nvPr>
+        </p:nvSpPr>
+        <p:spPr>
+          <a:xfrm>
+            <a:off x="560518" y="3351416"/>
+            <a:ext cx="1465067" cy="224570"/>
+          </a:xfrm>
+          <a:prstGeom prst="roundRect">
+            <a:avLst/>
+          </a:prstGeom>
+          <a:solidFill>
+            <a:srgbClr val="FFFFFF">
+              <a:lumMod val="95000"/>
+            </a:srgbClr>
+          </a:solidFill>
+          <a:ln w="3175">
+            <a:solidFill>
+              <a:srgbClr val="000000">
+                <a:lumMod val="50000"/>
+                <a:lumOff val="50000"/>
+              </a:srgbClr>
+            </a:solidFill>
+          </a:ln>
+          <a:effectLst/>
+        </p:spPr>
+        <p:style>
+          <a:lnRef idx="2">
+            <a:srgbClr val="4F81BD">
+              <a:shade val="50000"/>
+            </a:srgbClr>
+          </a:lnRef>
+          <a:fillRef idx="1">
+            <a:srgbClr val="4F81BD"/>
+          </a:fillRef>
+          <a:effectRef idx="0">
+            <a:srgbClr val="4F81BD"/>
+          </a:effectRef>
+          <a:fontRef idx="minor">
+            <a:srgbClr val="000000"/>
+          </a:fontRef>
+        </p:style>
+        <p:txBody>
+          <a:bodyPr wrap="square" lIns="91440" tIns="0" rIns="91440" bIns="9144" rtlCol="0" anchor="ctr">
+            <a:noAutofit/>
+          </a:bodyPr>
+          <a:lstStyle/>
+          <a:p>
+            <a:pPr algn="ctr"/>
+            <a:r>
+              <a:rPr lang="en-US" sz="1200" dirty="0" err="1">
+                <a:solidFill>
+                  <a:srgbClr val="000000"/>
+                </a:solidFill>
+                <a:latin typeface="Segoe UI" pitchFamily="34" charset="0"/>
+                <a:cs typeface="Segoe UI" pitchFamily="34" charset="0"/>
+              </a:rPr>
+              <a:t>Atacar</a:t>
+            </a:r>
+            <a:endParaRPr lang="en-US" sz="1200" dirty="0">
+              <a:solidFill>
+                <a:srgbClr val="000000"/>
+              </a:solidFill>
+              <a:latin typeface="Segoe UI" pitchFamily="34" charset="0"/>
+              <a:cs typeface="Segoe UI" pitchFamily="34" charset="0"/>
+            </a:endParaRPr>
+          </a:p>
+        </p:txBody>
+      </p:sp>
+    </p:spTree>
+    <p:extLst>
+      <p:ext uri="{BB962C8B-B14F-4D97-AF65-F5344CB8AC3E}">
+        <p14:creationId xmlns:p14="http://schemas.microsoft.com/office/powerpoint/2010/main" val="4212568968"/>
+      </p:ext>
+    </p:extLst>
+  </p:cSld>
+  <p:clrMapOvr>
+    <a:masterClrMapping/>
+  </p:clrMapOvr>
+</p:sld>
+</file>
+
+<file path=ppt/slides/slide3.xml><?xml version="1.0" encoding="utf-8"?>
+<p:sld xmlns:a="http://schemas.openxmlformats.org/drawingml/2006/main" xmlns:r="http://schemas.openxmlformats.org/officeDocument/2006/relationships" xmlns:p="http://schemas.openxmlformats.org/presentationml/2006/main">
+  <p:cSld>
+    <p:spTree>
+      <p:nvGrpSpPr>
+        <p:cNvPr id="1" name=""/>
+        <p:cNvGrpSpPr/>
+        <p:nvPr/>
+      </p:nvGrpSpPr>
+      <p:grpSpPr>
+        <a:xfrm>
+          <a:off x="0" y="0"/>
+          <a:ext cx="0" cy="0"/>
+          <a:chOff x="0" y="0"/>
+          <a:chExt cx="0" cy="0"/>
+        </a:xfrm>
+      </p:grpSpPr>
+      <p:grpSp>
+        <p:nvGrpSpPr>
+          <p:cNvPr id="4" name="Window"/>
+          <p:cNvGrpSpPr/>
+          <p:nvPr>
+            <p:custDataLst>
+              <p:custData r:id="rId1"/>
+            </p:custDataLst>
+          </p:nvPr>
+        </p:nvGrpSpPr>
+        <p:grpSpPr>
+          <a:xfrm>
+            <a:off x="0" y="0"/>
+            <a:ext cx="12192000" cy="6858000"/>
+            <a:chOff x="0" y="0"/>
+            <a:chExt cx="9144000" cy="6858000"/>
+          </a:xfrm>
+        </p:grpSpPr>
+        <p:grpSp>
+          <p:nvGrpSpPr>
+            <p:cNvPr id="5" name="Group 2"/>
+            <p:cNvGrpSpPr/>
+            <p:nvPr/>
+          </p:nvGrpSpPr>
+          <p:grpSpPr>
+            <a:xfrm>
+              <a:off x="0" y="0"/>
+              <a:ext cx="9144000" cy="6858000"/>
+              <a:chOff x="0" y="0"/>
+              <a:chExt cx="9144000" cy="6858000"/>
+            </a:xfrm>
+          </p:grpSpPr>
+          <p:sp>
+            <p:nvSpPr>
+              <p:cNvPr id="13" name="Rectangle 10"/>
+              <p:cNvSpPr/>
+              <p:nvPr/>
+            </p:nvSpPr>
+            <p:spPr>
+              <a:xfrm>
+                <a:off x="0" y="0"/>
+                <a:ext cx="9144000" cy="6858000"/>
+              </a:xfrm>
+              <a:prstGeom prst="rect">
+                <a:avLst/>
+              </a:prstGeom>
+              <a:solidFill>
+                <a:srgbClr val="FFFFFF">
+                  <a:lumMod val="65000"/>
+                </a:srgbClr>
+              </a:solidFill>
+              <a:ln w="3175" cap="flat" cmpd="sng" algn="ctr">
+                <a:solidFill>
+                  <a:srgbClr val="000000">
+                    <a:lumMod val="50000"/>
+                    <a:lumOff val="50000"/>
+                  </a:srgbClr>
+                </a:solidFill>
+                <a:prstDash val="solid"/>
+              </a:ln>
+              <a:effectLst/>
+            </p:spPr>
+            <p:txBody>
+              <a:bodyPr rtlCol="0" anchor="ctr"/>
+              <a:lstStyle/>
+              <a:p>
+                <a:pPr algn="ctr"/>
+                <a:endParaRPr lang="en-US" sz="800" kern="0">
+                  <a:solidFill>
+                    <a:prstClr val="white"/>
+                  </a:solidFill>
+                  <a:latin typeface="Segoe UI"/>
+                </a:endParaRPr>
+              </a:p>
+            </p:txBody>
+          </p:sp>
+          <p:sp>
+            <p:nvSpPr>
+              <p:cNvPr id="14" name="Rectangle 11"/>
+              <p:cNvSpPr/>
+              <p:nvPr/>
+            </p:nvSpPr>
+            <p:spPr>
+              <a:xfrm>
+                <a:off x="76200" y="309484"/>
+                <a:ext cx="8991600" cy="6437733"/>
+              </a:xfrm>
+              <a:prstGeom prst="rect">
+                <a:avLst/>
+              </a:prstGeom>
+              <a:solidFill>
+                <a:sysClr val="window" lastClr="FFFFFF"/>
+              </a:solidFill>
+              <a:ln w="3175" cap="flat" cmpd="sng" algn="ctr">
+                <a:solidFill>
+                  <a:srgbClr val="000000">
+                    <a:lumMod val="50000"/>
+                    <a:lumOff val="50000"/>
+                  </a:srgbClr>
+                </a:solidFill>
+                <a:prstDash val="solid"/>
+              </a:ln>
+              <a:effectLst/>
+            </p:spPr>
+            <p:txBody>
+              <a:bodyPr rtlCol="0" anchor="ctr"/>
+              <a:lstStyle/>
+              <a:p>
+                <a:pPr algn="ctr"/>
+                <a:endParaRPr lang="en-US" sz="800" kern="0" dirty="0">
+                  <a:solidFill>
+                    <a:prstClr val="white"/>
+                  </a:solidFill>
+                  <a:latin typeface="Segoe UI"/>
+                </a:endParaRPr>
+              </a:p>
+            </p:txBody>
+          </p:sp>
+          <p:sp>
+            <p:nvSpPr>
+              <p:cNvPr id="15" name="WindowTitle"/>
+              <p:cNvSpPr txBox="1"/>
+              <p:nvPr/>
+            </p:nvSpPr>
+            <p:spPr>
+              <a:xfrm>
+                <a:off x="240976" y="42736"/>
+                <a:ext cx="316097" cy="230832"/>
+              </a:xfrm>
+              <a:prstGeom prst="rect">
+                <a:avLst/>
+              </a:prstGeom>
+              <a:noFill/>
+            </p:spPr>
+            <p:txBody>
+              <a:bodyPr wrap="none" lIns="45720" tIns="18288" rIns="91440" bIns="27432" rtlCol="0" anchor="ctr" anchorCtr="0">
+                <a:spAutoFit/>
+              </a:bodyPr>
+              <a:lstStyle/>
+              <a:p>
+                <a:r>
+                  <a:rPr lang="en-US" sz="1200" dirty="0">
+                    <a:solidFill>
+                      <a:prstClr val="white"/>
+                    </a:solidFill>
+                    <a:latin typeface="Segoe UI" pitchFamily="34" charset="0"/>
+                    <a:ea typeface="Segoe UI" pitchFamily="34" charset="0"/>
+                    <a:cs typeface="Segoe UI" pitchFamily="34" charset="0"/>
+                  </a:rPr>
+                  <a:t>RPG</a:t>
+                </a:r>
+              </a:p>
+            </p:txBody>
+          </p:sp>
+        </p:grpSp>
+        <p:grpSp>
+          <p:nvGrpSpPr>
+            <p:cNvPr id="6" name="Minimize - Maximize - Close"/>
+            <p:cNvGrpSpPr/>
+            <p:nvPr/>
+          </p:nvGrpSpPr>
+          <p:grpSpPr>
+            <a:xfrm>
+              <a:off x="8632311" y="92599"/>
+              <a:ext cx="384527" cy="78032"/>
+              <a:chOff x="9347642" y="131588"/>
+              <a:chExt cx="384527" cy="78032"/>
+            </a:xfrm>
+          </p:grpSpPr>
+          <p:cxnSp>
+            <p:nvCxnSpPr>
+              <p:cNvPr id="8" name="Line"/>
+              <p:cNvCxnSpPr/>
+              <p:nvPr/>
+            </p:nvCxnSpPr>
+            <p:spPr>
+              <a:xfrm>
+                <a:off x="9661396" y="131588"/>
+                <a:ext cx="70773" cy="76200"/>
+              </a:xfrm>
+              <a:prstGeom prst="line">
+                <a:avLst/>
+              </a:prstGeom>
+              <a:ln w="12700">
+                <a:solidFill>
+                  <a:srgbClr val="FFFFFF"/>
+                </a:solidFill>
+              </a:ln>
+            </p:spPr>
+            <p:style>
+              <a:lnRef idx="1">
+                <a:srgbClr val="4F81BD"/>
+              </a:lnRef>
+              <a:fillRef idx="0">
+                <a:srgbClr val="4F81BD"/>
+              </a:fillRef>
+              <a:effectRef idx="0">
+                <a:srgbClr val="4F81BD"/>
+              </a:effectRef>
+              <a:fontRef idx="minor">
+                <a:srgbClr val="000000"/>
+              </a:fontRef>
+            </p:style>
+          </p:cxnSp>
+          <p:cxnSp>
+            <p:nvCxnSpPr>
+              <p:cNvPr id="9" name="Line"/>
+              <p:cNvCxnSpPr/>
+              <p:nvPr/>
+            </p:nvCxnSpPr>
+            <p:spPr>
+              <a:xfrm flipH="1">
+                <a:off x="9661395" y="131588"/>
+                <a:ext cx="70773" cy="76200"/>
+              </a:xfrm>
+              <a:prstGeom prst="line">
+                <a:avLst/>
+              </a:prstGeom>
+              <a:ln w="12700">
+                <a:solidFill>
+                  <a:srgbClr val="FFFFFF"/>
+                </a:solidFill>
+              </a:ln>
+            </p:spPr>
+            <p:style>
+              <a:lnRef idx="1">
+                <a:srgbClr val="4F81BD"/>
+              </a:lnRef>
+              <a:fillRef idx="0">
+                <a:srgbClr val="4F81BD"/>
+              </a:fillRef>
+              <a:effectRef idx="0">
+                <a:srgbClr val="4F81BD"/>
+              </a:effectRef>
+              <a:fontRef idx="minor">
+                <a:srgbClr val="000000"/>
+              </a:fontRef>
+            </p:style>
+          </p:cxnSp>
+          <p:sp>
+            <p:nvSpPr>
+              <p:cNvPr id="10" name="Line"/>
+              <p:cNvSpPr/>
+              <p:nvPr/>
+            </p:nvSpPr>
+            <p:spPr>
+              <a:xfrm rot="10800000" flipV="1">
+                <a:off x="9499472" y="143255"/>
+                <a:ext cx="91440" cy="9144"/>
+              </a:xfrm>
+              <a:prstGeom prst="rect">
+                <a:avLst/>
+              </a:prstGeom>
+              <a:solidFill>
+                <a:srgbClr val="919191"/>
+              </a:solidFill>
+              <a:ln w="3175">
+                <a:solidFill>
+                  <a:srgbClr val="FFFFFF"/>
+                </a:solidFill>
+              </a:ln>
+            </p:spPr>
+            <p:style>
+              <a:lnRef idx="2">
+                <a:srgbClr val="4F81BD">
+                  <a:shade val="50000"/>
+                </a:srgbClr>
+              </a:lnRef>
+              <a:fillRef idx="1001">
+                <a:srgbClr val="000000"/>
+              </a:fillRef>
+              <a:effectRef idx="0">
+                <a:srgbClr val="4F81BD"/>
+              </a:effectRef>
+              <a:fontRef idx="minor">
+                <a:srgbClr val="000000"/>
+              </a:fontRef>
+            </p:style>
+            <p:txBody>
+              <a:bodyPr rtlCol="0" anchor="ctr"/>
+              <a:lstStyle/>
+              <a:p>
+                <a:pPr algn="ctr"/>
+                <a:endParaRPr lang="en-US" dirty="0">
+                  <a:solidFill>
+                    <a:prstClr val="white"/>
+                  </a:solidFill>
+                </a:endParaRPr>
+              </a:p>
+            </p:txBody>
+          </p:sp>
+          <p:sp>
+            <p:nvSpPr>
+              <p:cNvPr id="11" name="Line"/>
+              <p:cNvSpPr/>
+              <p:nvPr/>
+            </p:nvSpPr>
+            <p:spPr>
+              <a:xfrm rot="10800000" flipV="1">
+                <a:off x="9498658" y="135261"/>
+                <a:ext cx="91440" cy="72527"/>
+              </a:xfrm>
+              <a:prstGeom prst="rect">
+                <a:avLst/>
+              </a:prstGeom>
+              <a:noFill/>
+              <a:ln w="12700">
+                <a:solidFill>
+                  <a:srgbClr val="FFFFFF"/>
+                </a:solidFill>
+              </a:ln>
+            </p:spPr>
+            <p:style>
+              <a:lnRef idx="2">
+                <a:srgbClr val="4F81BD">
+                  <a:shade val="50000"/>
+                </a:srgbClr>
+              </a:lnRef>
+              <a:fillRef idx="1001">
+                <a:srgbClr val="000000"/>
+              </a:fillRef>
+              <a:effectRef idx="0">
+                <a:srgbClr val="4F81BD"/>
+              </a:effectRef>
+              <a:fontRef idx="minor">
+                <a:srgbClr val="000000"/>
+              </a:fontRef>
+            </p:style>
+            <p:txBody>
+              <a:bodyPr rtlCol="0" anchor="ctr"/>
+              <a:lstStyle/>
+              <a:p>
+                <a:pPr algn="ctr"/>
+                <a:endParaRPr lang="en-US" dirty="0">
+                  <a:solidFill>
+                    <a:prstClr val="white"/>
+                  </a:solidFill>
+                </a:endParaRPr>
+              </a:p>
+            </p:txBody>
+          </p:sp>
+          <p:sp>
+            <p:nvSpPr>
+              <p:cNvPr id="12" name="Line"/>
+              <p:cNvSpPr/>
+              <p:nvPr/>
+            </p:nvSpPr>
+            <p:spPr>
+              <a:xfrm rot="10800000" flipV="1">
+                <a:off x="9347642" y="200476"/>
+                <a:ext cx="91440" cy="9144"/>
+              </a:xfrm>
+              <a:prstGeom prst="rect">
+                <a:avLst/>
+              </a:prstGeom>
+              <a:solidFill>
+                <a:srgbClr val="919191"/>
+              </a:solidFill>
+              <a:ln w="3175">
+                <a:solidFill>
+                  <a:srgbClr val="FFFFFF"/>
+                </a:solidFill>
+              </a:ln>
+            </p:spPr>
+            <p:style>
+              <a:lnRef idx="2">
+                <a:srgbClr val="4F81BD">
+                  <a:shade val="50000"/>
+                </a:srgbClr>
+              </a:lnRef>
+              <a:fillRef idx="1001">
+                <a:srgbClr val="000000"/>
+              </a:fillRef>
+              <a:effectRef idx="0">
+                <a:srgbClr val="4F81BD"/>
+              </a:effectRef>
+              <a:fontRef idx="minor">
+                <a:srgbClr val="000000"/>
+              </a:fontRef>
+            </p:style>
+            <p:txBody>
+              <a:bodyPr rtlCol="0" anchor="ctr"/>
+              <a:lstStyle/>
+              <a:p>
+                <a:pPr algn="ctr"/>
+                <a:endParaRPr lang="en-US" dirty="0">
+                  <a:solidFill>
+                    <a:prstClr val="white"/>
+                  </a:solidFill>
+                </a:endParaRPr>
+              </a:p>
+            </p:txBody>
+          </p:sp>
+        </p:grpSp>
+        <p:sp>
+          <p:nvSpPr>
+            <p:cNvPr id="7" name="Oval 4"/>
+            <p:cNvSpPr/>
+            <p:nvPr/>
+          </p:nvSpPr>
+          <p:spPr>
+            <a:xfrm>
+              <a:off x="83477" y="80065"/>
+              <a:ext cx="145536" cy="150875"/>
+            </a:xfrm>
+            <a:prstGeom prst="ellipse">
+              <a:avLst/>
+            </a:prstGeom>
+            <a:gradFill flip="none" rotWithShape="1">
+              <a:gsLst>
+                <a:gs pos="91000">
+                  <a:srgbClr val="FFFFFF">
+                    <a:lumMod val="85000"/>
+                  </a:srgbClr>
+                </a:gs>
+                <a:gs pos="36000">
+                  <a:srgbClr val="FFFFFF">
+                    <a:lumMod val="95000"/>
+                  </a:srgbClr>
+                </a:gs>
+                <a:gs pos="100000">
+                  <a:srgbClr val="FFFFFF">
+                    <a:lumMod val="95000"/>
+                  </a:srgbClr>
+                </a:gs>
+              </a:gsLst>
+              <a:lin ang="5400000" scaled="0"/>
+              <a:tileRect/>
+            </a:gradFill>
+            <a:ln w="3175">
+              <a:solidFill>
+                <a:srgbClr val="000000">
+                  <a:lumMod val="50000"/>
+                  <a:lumOff val="50000"/>
+                </a:srgbClr>
+              </a:solidFill>
+            </a:ln>
+            <a:effectLst/>
+          </p:spPr>
+          <p:style>
+            <a:lnRef idx="2">
+              <a:srgbClr val="4F81BD">
+                <a:shade val="50000"/>
+              </a:srgbClr>
+            </a:lnRef>
+            <a:fillRef idx="1">
+              <a:srgbClr val="4F81BD"/>
+            </a:fillRef>
+            <a:effectRef idx="0">
+              <a:srgbClr val="4F81BD"/>
+            </a:effectRef>
+            <a:fontRef idx="minor">
+              <a:srgbClr val="000000"/>
+            </a:fontRef>
+          </p:style>
+          <p:txBody>
+            <a:bodyPr lIns="97531" tIns="48766" rIns="97531" bIns="48766" rtlCol="0" anchor="ctr"/>
+            <a:lstStyle/>
+            <a:p>
+              <a:pPr algn="ctr"/>
+              <a:endParaRPr lang="en-US">
+                <a:solidFill>
+                  <a:prstClr val="white"/>
+                </a:solidFill>
+              </a:endParaRPr>
+            </a:p>
+          </p:txBody>
+        </p:sp>
+      </p:grpSp>
+      <p:sp>
+        <p:nvSpPr>
+          <p:cNvPr id="17" name="Content"/>
+          <p:cNvSpPr txBox="1"/>
+          <p:nvPr>
+            <p:custDataLst>
+              <p:custData r:id="rId2"/>
+            </p:custDataLst>
+          </p:nvPr>
+        </p:nvSpPr>
+        <p:spPr>
+          <a:xfrm>
+            <a:off x="321301" y="591562"/>
+            <a:ext cx="8241552" cy="415498"/>
+          </a:xfrm>
+          <a:prstGeom prst="rect">
+            <a:avLst/>
+          </a:prstGeom>
+          <a:noFill/>
+        </p:spPr>
+        <p:txBody>
+          <a:bodyPr wrap="none" lIns="91440" tIns="18288" rIns="91440" bIns="27432" rtlCol="0" anchor="ctr" anchorCtr="0">
+            <a:spAutoFit/>
+          </a:bodyPr>
+          <a:lstStyle/>
+          <a:p>
+            <a:r>
+              <a:rPr lang="en-US" sz="2400" b="1" dirty="0">
+                <a:solidFill>
+                  <a:srgbClr val="000000"/>
+                </a:solidFill>
+                <a:latin typeface="Segoe UI" pitchFamily="34" charset="0"/>
+                <a:ea typeface="Segoe UI" pitchFamily="34" charset="0"/>
+                <a:cs typeface="Segoe UI" pitchFamily="34" charset="0"/>
+              </a:rPr>
+              <a:t>[Nome do </a:t>
+            </a:r>
+            <a:r>
+              <a:rPr lang="en-US" sz="2400" b="1" dirty="0" err="1">
+                <a:solidFill>
+                  <a:srgbClr val="000000"/>
+                </a:solidFill>
+                <a:latin typeface="Segoe UI" pitchFamily="34" charset="0"/>
+                <a:ea typeface="Segoe UI" pitchFamily="34" charset="0"/>
+                <a:cs typeface="Segoe UI" pitchFamily="34" charset="0"/>
+              </a:rPr>
+              <a:t>personagem</a:t>
+            </a:r>
+            <a:r>
+              <a:rPr lang="en-US" sz="2400" b="1" dirty="0">
+                <a:solidFill>
+                  <a:srgbClr val="000000"/>
+                </a:solidFill>
+                <a:latin typeface="Segoe UI" pitchFamily="34" charset="0"/>
+                <a:ea typeface="Segoe UI" pitchFamily="34" charset="0"/>
+                <a:cs typeface="Segoe UI" pitchFamily="34" charset="0"/>
+              </a:rPr>
+              <a:t>] </a:t>
+            </a:r>
+            <a:r>
+              <a:rPr lang="en-US" sz="2400" b="1" dirty="0" err="1">
+                <a:solidFill>
+                  <a:srgbClr val="000000"/>
+                </a:solidFill>
+                <a:latin typeface="Segoe UI" pitchFamily="34" charset="0"/>
+                <a:ea typeface="Segoe UI" pitchFamily="34" charset="0"/>
+                <a:cs typeface="Segoe UI" pitchFamily="34" charset="0"/>
+              </a:rPr>
+              <a:t>está</a:t>
+            </a:r>
+            <a:r>
+              <a:rPr lang="en-US" sz="2400" b="1" dirty="0">
+                <a:solidFill>
+                  <a:srgbClr val="000000"/>
+                </a:solidFill>
+                <a:latin typeface="Segoe UI" pitchFamily="34" charset="0"/>
+                <a:ea typeface="Segoe UI" pitchFamily="34" charset="0"/>
+                <a:cs typeface="Segoe UI" pitchFamily="34" charset="0"/>
+              </a:rPr>
+              <a:t> agora </a:t>
+            </a:r>
+            <a:r>
+              <a:rPr lang="en-US" sz="2400" b="1" dirty="0" err="1">
+                <a:solidFill>
+                  <a:srgbClr val="000000"/>
+                </a:solidFill>
+                <a:latin typeface="Segoe UI" pitchFamily="34" charset="0"/>
+                <a:ea typeface="Segoe UI" pitchFamily="34" charset="0"/>
+                <a:cs typeface="Segoe UI" pitchFamily="34" charset="0"/>
+              </a:rPr>
+              <a:t>em</a:t>
+            </a:r>
+            <a:r>
+              <a:rPr lang="en-US" sz="2400" b="1" dirty="0">
+                <a:solidFill>
+                  <a:srgbClr val="000000"/>
+                </a:solidFill>
+                <a:latin typeface="Segoe UI" pitchFamily="34" charset="0"/>
+                <a:ea typeface="Segoe UI" pitchFamily="34" charset="0"/>
+                <a:cs typeface="Segoe UI" pitchFamily="34" charset="0"/>
+              </a:rPr>
+              <a:t> [Nome do Local]</a:t>
+            </a:r>
+          </a:p>
+        </p:txBody>
+      </p:sp>
+      <p:sp>
+        <p:nvSpPr>
+          <p:cNvPr id="22" name="Content"/>
+          <p:cNvSpPr/>
+          <p:nvPr>
+            <p:custDataLst>
+              <p:custData r:id="rId3"/>
+            </p:custDataLst>
+          </p:nvPr>
+        </p:nvSpPr>
+        <p:spPr>
+          <a:xfrm>
+            <a:off x="8562852" y="701040"/>
+            <a:ext cx="1465067" cy="224570"/>
+          </a:xfrm>
+          <a:prstGeom prst="roundRect">
+            <a:avLst/>
+          </a:prstGeom>
+          <a:solidFill>
+            <a:srgbClr val="FFFFFF">
+              <a:lumMod val="95000"/>
+            </a:srgbClr>
+          </a:solidFill>
+          <a:ln w="3175">
+            <a:solidFill>
+              <a:srgbClr val="000000">
+                <a:lumMod val="50000"/>
+                <a:lumOff val="50000"/>
+              </a:srgbClr>
+            </a:solidFill>
+          </a:ln>
+          <a:effectLst/>
+        </p:spPr>
+        <p:style>
+          <a:lnRef idx="2">
+            <a:srgbClr val="4F81BD">
+              <a:shade val="50000"/>
+            </a:srgbClr>
+          </a:lnRef>
+          <a:fillRef idx="1">
+            <a:srgbClr val="4F81BD"/>
+          </a:fillRef>
+          <a:effectRef idx="0">
+            <a:srgbClr val="4F81BD"/>
+          </a:effectRef>
+          <a:fontRef idx="minor">
+            <a:srgbClr val="000000"/>
+          </a:fontRef>
+        </p:style>
+        <p:txBody>
+          <a:bodyPr wrap="square" lIns="91440" tIns="0" rIns="91440" bIns="9144" rtlCol="0" anchor="ctr">
+            <a:noAutofit/>
+          </a:bodyPr>
+          <a:lstStyle/>
+          <a:p>
+            <a:pPr algn="ctr"/>
+            <a:r>
+              <a:rPr lang="en-US" sz="1200" dirty="0" err="1">
+                <a:solidFill>
+                  <a:srgbClr val="000000"/>
+                </a:solidFill>
+                <a:latin typeface="Segoe UI" pitchFamily="34" charset="0"/>
+                <a:cs typeface="Segoe UI" pitchFamily="34" charset="0"/>
+              </a:rPr>
+              <a:t>Voltar</a:t>
+            </a:r>
+            <a:r>
+              <a:rPr lang="en-US" sz="1200" dirty="0">
+                <a:solidFill>
+                  <a:srgbClr val="000000"/>
+                </a:solidFill>
+                <a:latin typeface="Segoe UI" pitchFamily="34" charset="0"/>
+                <a:cs typeface="Segoe UI" pitchFamily="34" charset="0"/>
+              </a:rPr>
+              <a:t> para </a:t>
+            </a:r>
+            <a:r>
+              <a:rPr lang="en-US" sz="1200" dirty="0" err="1">
+                <a:solidFill>
+                  <a:srgbClr val="000000"/>
+                </a:solidFill>
+                <a:latin typeface="Segoe UI" pitchFamily="34" charset="0"/>
+                <a:cs typeface="Segoe UI" pitchFamily="34" charset="0"/>
+              </a:rPr>
+              <a:t>cidade</a:t>
+            </a:r>
+            <a:endParaRPr lang="en-US" sz="1200" dirty="0">
+              <a:solidFill>
+                <a:srgbClr val="000000"/>
+              </a:solidFill>
+              <a:latin typeface="Segoe UI" pitchFamily="34" charset="0"/>
+              <a:cs typeface="Segoe UI" pitchFamily="34" charset="0"/>
+            </a:endParaRPr>
+          </a:p>
+        </p:txBody>
+      </p:sp>
+      <p:grpSp>
+        <p:nvGrpSpPr>
+          <p:cNvPr id="23" name="ProgressBar"/>
+          <p:cNvGrpSpPr/>
+          <p:nvPr>
+            <p:custDataLst>
+              <p:custData r:id="rId4"/>
+            </p:custDataLst>
+          </p:nvPr>
+        </p:nvGrpSpPr>
+        <p:grpSpPr>
+          <a:xfrm>
+            <a:off x="315425" y="5259874"/>
+            <a:ext cx="1391330" cy="137160"/>
+            <a:chOff x="3876335" y="3333180"/>
+            <a:chExt cx="1391330" cy="137160"/>
+          </a:xfrm>
+        </p:grpSpPr>
+        <p:sp>
+          <p:nvSpPr>
+            <p:cNvPr id="24" name="BlueBox"/>
+            <p:cNvSpPr/>
+            <p:nvPr/>
+          </p:nvSpPr>
+          <p:spPr>
+            <a:xfrm>
+              <a:off x="3876335" y="3333181"/>
+              <a:ext cx="927441" cy="137159"/>
+            </a:xfrm>
+            <a:prstGeom prst="rect">
+              <a:avLst/>
+            </a:prstGeom>
+            <a:solidFill>
+              <a:srgbClr val="1F497D">
+                <a:lumMod val="60000"/>
+                <a:lumOff val="40000"/>
+                <a:alpha val="44000"/>
+              </a:srgbClr>
+            </a:solidFill>
+            <a:ln w="12700" cap="flat" cmpd="sng" algn="ctr">
+              <a:noFill/>
+              <a:prstDash val="solid"/>
+            </a:ln>
+            <a:effectLst/>
+          </p:spPr>
+          <p:txBody>
+            <a:bodyPr rtlCol="0" anchor="ctr"/>
+            <a:lstStyle/>
+            <a:p>
+              <a:endParaRPr lang="en-US" sz="900" i="1" kern="0" dirty="0">
+                <a:solidFill>
+                  <a:srgbClr val="000000">
+                    <a:lumMod val="50000"/>
+                    <a:lumOff val="50000"/>
+                  </a:srgbClr>
+                </a:solidFill>
+                <a:latin typeface="Segoe UI"/>
+              </a:endParaRPr>
+            </a:p>
+          </p:txBody>
+        </p:sp>
+        <p:sp>
+          <p:nvSpPr>
+            <p:cNvPr id="25" name="GrayBox"/>
+            <p:cNvSpPr/>
+            <p:nvPr/>
+          </p:nvSpPr>
+          <p:spPr>
+            <a:xfrm>
+              <a:off x="3876335" y="3333180"/>
+              <a:ext cx="1391330" cy="137159"/>
+            </a:xfrm>
+            <a:prstGeom prst="rect">
+              <a:avLst/>
+            </a:prstGeom>
+            <a:noFill/>
+            <a:ln w="3175" cap="flat" cmpd="sng" algn="ctr">
+              <a:solidFill>
+                <a:srgbClr val="FFFFFF">
+                  <a:lumMod val="65000"/>
+                </a:srgbClr>
+              </a:solidFill>
+              <a:prstDash val="solid"/>
+            </a:ln>
+            <a:effectLst/>
+          </p:spPr>
+          <p:txBody>
+            <a:bodyPr rot="0" spcFirstLastPara="0" vertOverflow="overflow" horzOverflow="overflow" vert="horz" wrap="square" lIns="45720" tIns="45720" rIns="91440" bIns="45720" numCol="1" spcCol="0" rtlCol="0" fromWordArt="0" anchor="ctr" anchorCtr="0" forceAA="0" compatLnSpc="1">
+              <a:prstTxWarp prst="textNoShape">
+                <a:avLst/>
+              </a:prstTxWarp>
+              <a:noAutofit/>
+            </a:bodyPr>
+            <a:lstStyle/>
+            <a:p>
+              <a:pPr marL="0" marR="0" indent="0" algn="ctr" defTabSz="914400" eaLnBrk="1" fontAlgn="auto" latinLnBrk="0" hangingPunct="1">
+                <a:lnSpc>
+                  <a:spcPct val="100000"/>
+                </a:lnSpc>
+                <a:spcBef>
+                  <a:spcPts val="0"/>
+                </a:spcBef>
+                <a:spcAft>
+                  <a:spcPts val="0"/>
+                </a:spcAft>
+                <a:buClrTx/>
+                <a:buSzTx/>
+                <a:buFontTx/>
+                <a:buNone/>
+                <a:tabLst/>
+              </a:pPr>
+              <a:endParaRPr kumimoji="0" lang="en-US" sz="800" b="0" i="0" u="none" strike="noStrike" kern="0" cap="none" spc="0" normalizeH="0" baseline="0" noProof="0" dirty="0">
+                <a:ln>
+                  <a:noFill/>
+                </a:ln>
+                <a:solidFill>
+                  <a:srgbClr val="000000">
+                    <a:lumMod val="75000"/>
+                    <a:lumOff val="25000"/>
+                  </a:srgbClr>
+                </a:solidFill>
+                <a:effectLst/>
+                <a:uLnTx/>
+                <a:uFillTx/>
+                <a:latin typeface="Segoe UI"/>
+                <a:ea typeface="+mn-ea"/>
+                <a:cs typeface="+mn-cs"/>
+              </a:endParaRPr>
+            </a:p>
+          </p:txBody>
+        </p:sp>
+      </p:grpSp>
+      <p:sp>
+        <p:nvSpPr>
+          <p:cNvPr id="26" name="Content"/>
+          <p:cNvSpPr txBox="1"/>
+          <p:nvPr>
+            <p:custDataLst>
+              <p:custData r:id="rId5"/>
+            </p:custDataLst>
+          </p:nvPr>
+        </p:nvSpPr>
+        <p:spPr>
+          <a:xfrm>
+            <a:off x="214036" y="4847018"/>
+            <a:ext cx="686406" cy="353943"/>
+          </a:xfrm>
+          <a:prstGeom prst="rect">
+            <a:avLst/>
+          </a:prstGeom>
+          <a:noFill/>
+        </p:spPr>
+        <p:txBody>
+          <a:bodyPr wrap="none" lIns="91440" tIns="18288" rIns="91440" bIns="27432" rtlCol="0" anchor="ctr" anchorCtr="0">
+            <a:spAutoFit/>
+          </a:bodyPr>
+          <a:lstStyle/>
+          <a:p>
+            <a:r>
+              <a:rPr lang="en-US" sz="2000" dirty="0">
+                <a:solidFill>
+                  <a:srgbClr val="000000"/>
+                </a:solidFill>
+                <a:latin typeface="Segoe UI" pitchFamily="34" charset="0"/>
+                <a:ea typeface="Segoe UI" pitchFamily="34" charset="0"/>
+                <a:cs typeface="Segoe UI" pitchFamily="34" charset="0"/>
+              </a:rPr>
+              <a:t>Vida</a:t>
+            </a:r>
+          </a:p>
+        </p:txBody>
+      </p:sp>
+      <p:grpSp>
+        <p:nvGrpSpPr>
+          <p:cNvPr id="27" name="ProgressBar"/>
+          <p:cNvGrpSpPr/>
+          <p:nvPr>
+            <p:custDataLst>
+              <p:custData r:id="rId6"/>
+            </p:custDataLst>
+          </p:nvPr>
+        </p:nvGrpSpPr>
+        <p:grpSpPr>
+          <a:xfrm>
+            <a:off x="315425" y="6027566"/>
+            <a:ext cx="1391330" cy="137160"/>
+            <a:chOff x="3876335" y="3333180"/>
+            <a:chExt cx="1391330" cy="137160"/>
+          </a:xfrm>
+        </p:grpSpPr>
+        <p:sp>
+          <p:nvSpPr>
+            <p:cNvPr id="28" name="BlueBox"/>
+            <p:cNvSpPr/>
+            <p:nvPr/>
+          </p:nvSpPr>
+          <p:spPr>
+            <a:xfrm>
+              <a:off x="3876335" y="3333181"/>
+              <a:ext cx="927441" cy="137159"/>
+            </a:xfrm>
+            <a:prstGeom prst="rect">
+              <a:avLst/>
+            </a:prstGeom>
+            <a:solidFill>
+              <a:srgbClr val="1F497D">
+                <a:lumMod val="60000"/>
+                <a:lumOff val="40000"/>
+                <a:alpha val="44000"/>
+              </a:srgbClr>
+            </a:solidFill>
+            <a:ln w="12700" cap="flat" cmpd="sng" algn="ctr">
+              <a:noFill/>
+              <a:prstDash val="solid"/>
+            </a:ln>
+            <a:effectLst/>
+          </p:spPr>
+          <p:txBody>
+            <a:bodyPr rtlCol="0" anchor="ctr"/>
+            <a:lstStyle/>
+            <a:p>
+              <a:endParaRPr lang="en-US" sz="900" i="1" kern="0" dirty="0">
+                <a:solidFill>
+                  <a:srgbClr val="000000">
+                    <a:lumMod val="50000"/>
+                    <a:lumOff val="50000"/>
+                  </a:srgbClr>
+                </a:solidFill>
+                <a:latin typeface="Segoe UI"/>
+              </a:endParaRPr>
+            </a:p>
+          </p:txBody>
+        </p:sp>
+        <p:sp>
+          <p:nvSpPr>
+            <p:cNvPr id="29" name="GrayBox"/>
+            <p:cNvSpPr/>
+            <p:nvPr/>
+          </p:nvSpPr>
+          <p:spPr>
+            <a:xfrm>
+              <a:off x="3876335" y="3333180"/>
+              <a:ext cx="1391330" cy="137159"/>
+            </a:xfrm>
+            <a:prstGeom prst="rect">
+              <a:avLst/>
+            </a:prstGeom>
+            <a:noFill/>
+            <a:ln w="3175" cap="flat" cmpd="sng" algn="ctr">
+              <a:solidFill>
+                <a:srgbClr val="FFFFFF">
+                  <a:lumMod val="65000"/>
+                </a:srgbClr>
+              </a:solidFill>
+              <a:prstDash val="solid"/>
+            </a:ln>
+            <a:effectLst/>
+          </p:spPr>
+          <p:txBody>
+            <a:bodyPr rot="0" spcFirstLastPara="0" vertOverflow="overflow" horzOverflow="overflow" vert="horz" wrap="square" lIns="45720" tIns="45720" rIns="91440" bIns="45720" numCol="1" spcCol="0" rtlCol="0" fromWordArt="0" anchor="ctr" anchorCtr="0" forceAA="0" compatLnSpc="1">
+              <a:prstTxWarp prst="textNoShape">
+                <a:avLst/>
+              </a:prstTxWarp>
+              <a:noAutofit/>
+            </a:bodyPr>
+            <a:lstStyle/>
+            <a:p>
+              <a:pPr marL="0" marR="0" indent="0" algn="ctr" defTabSz="914400" eaLnBrk="1" fontAlgn="auto" latinLnBrk="0" hangingPunct="1">
+                <a:lnSpc>
+                  <a:spcPct val="100000"/>
+                </a:lnSpc>
+                <a:spcBef>
+                  <a:spcPts val="0"/>
+                </a:spcBef>
+                <a:spcAft>
+                  <a:spcPts val="0"/>
+                </a:spcAft>
+                <a:buClrTx/>
+                <a:buSzTx/>
+                <a:buFontTx/>
+                <a:buNone/>
+                <a:tabLst/>
+              </a:pPr>
+              <a:endParaRPr kumimoji="0" lang="en-US" sz="800" b="0" i="0" u="none" strike="noStrike" kern="0" cap="none" spc="0" normalizeH="0" baseline="0" noProof="0" dirty="0">
+                <a:ln>
+                  <a:noFill/>
+                </a:ln>
+                <a:solidFill>
+                  <a:srgbClr val="000000">
+                    <a:lumMod val="75000"/>
+                    <a:lumOff val="25000"/>
+                  </a:srgbClr>
+                </a:solidFill>
+                <a:effectLst/>
+                <a:uLnTx/>
+                <a:uFillTx/>
+                <a:latin typeface="Segoe UI"/>
+                <a:ea typeface="+mn-ea"/>
+                <a:cs typeface="+mn-cs"/>
+              </a:endParaRPr>
+            </a:p>
+          </p:txBody>
+        </p:sp>
+      </p:grpSp>
+      <p:sp>
+        <p:nvSpPr>
+          <p:cNvPr id="30" name="Content"/>
+          <p:cNvSpPr txBox="1"/>
+          <p:nvPr>
+            <p:custDataLst>
+              <p:custData r:id="rId7"/>
+            </p:custDataLst>
+          </p:nvPr>
+        </p:nvSpPr>
+        <p:spPr>
+          <a:xfrm>
+            <a:off x="214036" y="5614710"/>
+            <a:ext cx="1460656" cy="353943"/>
+          </a:xfrm>
+          <a:prstGeom prst="rect">
+            <a:avLst/>
+          </a:prstGeom>
+          <a:noFill/>
+        </p:spPr>
+        <p:txBody>
+          <a:bodyPr wrap="none" lIns="91440" tIns="18288" rIns="91440" bIns="27432" rtlCol="0" anchor="ctr" anchorCtr="0">
+            <a:spAutoFit/>
+          </a:bodyPr>
+          <a:lstStyle/>
+          <a:p>
+            <a:r>
+              <a:rPr lang="en-US" sz="2000" dirty="0" err="1">
+                <a:solidFill>
+                  <a:srgbClr val="000000"/>
+                </a:solidFill>
+                <a:latin typeface="Segoe UI" pitchFamily="34" charset="0"/>
+                <a:ea typeface="Segoe UI" pitchFamily="34" charset="0"/>
+                <a:cs typeface="Segoe UI" pitchFamily="34" charset="0"/>
+              </a:rPr>
+              <a:t>Experiencia</a:t>
+            </a:r>
+            <a:endParaRPr lang="en-US" sz="2000" dirty="0">
+              <a:solidFill>
+                <a:srgbClr val="000000"/>
+              </a:solidFill>
+              <a:latin typeface="Segoe UI" pitchFamily="34" charset="0"/>
+              <a:ea typeface="Segoe UI" pitchFamily="34" charset="0"/>
+              <a:cs typeface="Segoe UI" pitchFamily="34" charset="0"/>
+            </a:endParaRPr>
+          </a:p>
+        </p:txBody>
+      </p:sp>
+      <p:sp>
+        <p:nvSpPr>
+          <p:cNvPr id="31" name="Content"/>
+          <p:cNvSpPr txBox="1"/>
+          <p:nvPr>
+            <p:custDataLst>
+              <p:custData r:id="rId8"/>
+            </p:custDataLst>
+          </p:nvPr>
+        </p:nvSpPr>
+        <p:spPr>
+          <a:xfrm>
+            <a:off x="214036" y="6209542"/>
+            <a:ext cx="967060" cy="353943"/>
+          </a:xfrm>
+          <a:prstGeom prst="rect">
+            <a:avLst/>
+          </a:prstGeom>
+          <a:noFill/>
+        </p:spPr>
+        <p:txBody>
+          <a:bodyPr wrap="none" lIns="91440" tIns="18288" rIns="91440" bIns="27432" rtlCol="0" anchor="ctr" anchorCtr="0">
+            <a:spAutoFit/>
+          </a:bodyPr>
+          <a:lstStyle/>
+          <a:p>
+            <a:r>
+              <a:rPr lang="en-US" sz="2000" dirty="0" err="1">
+                <a:solidFill>
+                  <a:srgbClr val="000000"/>
+                </a:solidFill>
+                <a:latin typeface="Segoe UI" pitchFamily="34" charset="0"/>
+                <a:ea typeface="Segoe UI" pitchFamily="34" charset="0"/>
+                <a:cs typeface="Segoe UI" pitchFamily="34" charset="0"/>
+              </a:rPr>
+              <a:t>Nível</a:t>
+            </a:r>
+            <a:r>
+              <a:rPr lang="en-US" sz="2000" dirty="0">
+                <a:solidFill>
+                  <a:srgbClr val="000000"/>
+                </a:solidFill>
+                <a:latin typeface="Segoe UI" pitchFamily="34" charset="0"/>
+                <a:ea typeface="Segoe UI" pitchFamily="34" charset="0"/>
+                <a:cs typeface="Segoe UI" pitchFamily="34" charset="0"/>
+              </a:rPr>
+              <a:t> 1</a:t>
+            </a:r>
+          </a:p>
+        </p:txBody>
+      </p:sp>
+      <p:sp>
+        <p:nvSpPr>
+          <p:cNvPr id="32" name="Content"/>
+          <p:cNvSpPr/>
+          <p:nvPr>
+            <p:custDataLst>
+              <p:custData r:id="rId9"/>
+            </p:custDataLst>
+          </p:nvPr>
+        </p:nvSpPr>
+        <p:spPr>
+          <a:xfrm>
+            <a:off x="10821494" y="6334885"/>
+            <a:ext cx="1106592" cy="228600"/>
+          </a:xfrm>
+          <a:prstGeom prst="roundRect">
+            <a:avLst/>
+          </a:prstGeom>
+          <a:solidFill>
+            <a:srgbClr val="FFFFFF">
+              <a:lumMod val="95000"/>
+            </a:srgbClr>
+          </a:solidFill>
+          <a:ln w="3175">
+            <a:solidFill>
+              <a:srgbClr val="000000">
+                <a:lumMod val="50000"/>
+                <a:lumOff val="50000"/>
+              </a:srgbClr>
+            </a:solidFill>
+          </a:ln>
+          <a:effectLst/>
+        </p:spPr>
+        <p:style>
+          <a:lnRef idx="2">
+            <a:srgbClr val="4F81BD">
+              <a:shade val="50000"/>
+            </a:srgbClr>
+          </a:lnRef>
+          <a:fillRef idx="1">
+            <a:srgbClr val="4F81BD"/>
+          </a:fillRef>
+          <a:effectRef idx="0">
+            <a:srgbClr val="4F81BD"/>
+          </a:effectRef>
+          <a:fontRef idx="minor">
+            <a:srgbClr val="000000"/>
+          </a:fontRef>
+        </p:style>
+        <p:txBody>
+          <a:bodyPr wrap="square" lIns="91440" tIns="0" rIns="91440" bIns="9144" rtlCol="0" anchor="ctr">
+            <a:noAutofit/>
+          </a:bodyPr>
+          <a:lstStyle/>
+          <a:p>
+            <a:pPr algn="ctr"/>
+            <a:r>
+              <a:rPr lang="en-US" sz="1200" dirty="0" err="1">
+                <a:solidFill>
+                  <a:srgbClr val="000000"/>
+                </a:solidFill>
+                <a:latin typeface="Segoe UI" pitchFamily="34" charset="0"/>
+                <a:cs typeface="Segoe UI" pitchFamily="34" charset="0"/>
+              </a:rPr>
+              <a:t>Fechar</a:t>
+            </a:r>
+            <a:endParaRPr lang="en-US" sz="1200" dirty="0">
+              <a:solidFill>
+                <a:srgbClr val="000000"/>
+              </a:solidFill>
+              <a:latin typeface="Segoe UI" pitchFamily="34" charset="0"/>
+              <a:cs typeface="Segoe UI" pitchFamily="34" charset="0"/>
+            </a:endParaRPr>
+          </a:p>
+        </p:txBody>
+      </p:sp>
+      <p:grpSp>
+        <p:nvGrpSpPr>
+          <p:cNvPr id="33" name="List"/>
+          <p:cNvGrpSpPr/>
+          <p:nvPr>
+            <p:custDataLst>
+              <p:custData r:id="rId10"/>
+            </p:custDataLst>
+          </p:nvPr>
+        </p:nvGrpSpPr>
+        <p:grpSpPr>
+          <a:xfrm>
+            <a:off x="557239" y="1702356"/>
+            <a:ext cx="1651415" cy="1533690"/>
+            <a:chOff x="4610405" y="3047458"/>
+            <a:chExt cx="1651415" cy="1533690"/>
+          </a:xfrm>
+        </p:grpSpPr>
+        <p:grpSp>
+          <p:nvGrpSpPr>
+            <p:cNvPr id="34" name="Group 2"/>
+            <p:cNvGrpSpPr/>
+            <p:nvPr/>
+          </p:nvGrpSpPr>
+          <p:grpSpPr>
+            <a:xfrm>
+              <a:off x="4610405" y="3047458"/>
+              <a:ext cx="1651415" cy="1533690"/>
+              <a:chOff x="4648810" y="3359442"/>
+              <a:chExt cx="713680" cy="756306"/>
+            </a:xfrm>
+          </p:grpSpPr>
+          <p:sp>
+            <p:nvSpPr>
+              <p:cNvPr id="40" name="Background"/>
+              <p:cNvSpPr/>
+              <p:nvPr/>
+            </p:nvSpPr>
+            <p:spPr>
+              <a:xfrm>
+                <a:off x="4648810" y="3359442"/>
+                <a:ext cx="713680" cy="756306"/>
+              </a:xfrm>
+              <a:prstGeom prst="rect">
+                <a:avLst/>
+              </a:prstGeom>
+              <a:solidFill>
+                <a:srgbClr val="FFFFFF"/>
+              </a:solidFill>
+              <a:ln w="3175" cap="flat" cmpd="sng" algn="ctr">
+                <a:solidFill>
+                  <a:srgbClr val="FFFFFF">
+                    <a:lumMod val="50000"/>
+                  </a:srgbClr>
+                </a:solidFill>
+                <a:prstDash val="solid"/>
+              </a:ln>
+              <a:effectLst/>
+            </p:spPr>
+            <p:txBody>
+              <a:bodyPr rot="0" spcFirstLastPara="0" vertOverflow="overflow" horzOverflow="overflow" vert="horz" wrap="square" lIns="45720" tIns="0" rIns="91440" bIns="0" numCol="1" spcCol="0" rtlCol="0" fromWordArt="0" anchor="ctr" anchorCtr="0" forceAA="0" compatLnSpc="1">
+                <a:prstTxWarp prst="textNoShape">
+                  <a:avLst/>
+                </a:prstTxWarp>
+                <a:noAutofit/>
+              </a:bodyPr>
+              <a:lstStyle/>
+              <a:p>
+                <a:pPr marL="0" marR="0" indent="0" algn="ctr" defTabSz="914400" eaLnBrk="1" fontAlgn="auto" latinLnBrk="0" hangingPunct="1">
+                  <a:lnSpc>
+                    <a:spcPct val="100000"/>
+                  </a:lnSpc>
+                  <a:spcBef>
+                    <a:spcPts val="0"/>
+                  </a:spcBef>
+                  <a:spcAft>
+                    <a:spcPts val="0"/>
+                  </a:spcAft>
+                  <a:buClrTx/>
+                  <a:buSzTx/>
+                  <a:buFontTx/>
+                  <a:buNone/>
+                  <a:tabLst/>
+                </a:pPr>
+                <a:endParaRPr kumimoji="0" lang="en-US" sz="1050" b="0" i="0" u="none" strike="noStrike" kern="0" cap="none" spc="0" normalizeH="0" baseline="0" noProof="0" dirty="0">
+                  <a:ln>
+                    <a:noFill/>
+                  </a:ln>
+                  <a:solidFill>
+                    <a:srgbClr val="000000">
+                      <a:lumMod val="75000"/>
+                      <a:lumOff val="25000"/>
+                    </a:srgbClr>
+                  </a:solidFill>
+                  <a:effectLst/>
+                  <a:uLnTx/>
+                  <a:uFillTx/>
+                  <a:latin typeface="Segoe UI"/>
+                  <a:ea typeface="+mn-ea"/>
+                  <a:cs typeface="+mn-cs"/>
+                </a:endParaRPr>
+              </a:p>
+            </p:txBody>
+          </p:sp>
+          <p:sp>
+            <p:nvSpPr>
+              <p:cNvPr id="41" name="Content"/>
+              <p:cNvSpPr/>
+              <p:nvPr/>
+            </p:nvSpPr>
+            <p:spPr>
+              <a:xfrm>
+                <a:off x="4648810" y="3359442"/>
+                <a:ext cx="713680" cy="373362"/>
+              </a:xfrm>
+              <a:prstGeom prst="rect">
+                <a:avLst/>
+              </a:prstGeom>
+              <a:noFill/>
+              <a:ln w="3175">
+                <a:noFill/>
+              </a:ln>
+              <a:effectLst/>
+            </p:spPr>
+            <p:style>
+              <a:lnRef idx="2">
+                <a:srgbClr val="4F81BD">
+                  <a:shade val="50000"/>
+                </a:srgbClr>
+              </a:lnRef>
+              <a:fillRef idx="1">
+                <a:srgbClr val="4F81BD"/>
+              </a:fillRef>
+              <a:effectRef idx="0">
+                <a:srgbClr val="4F81BD"/>
+              </a:effectRef>
+              <a:fontRef idx="minor">
+                <a:srgbClr val="000000"/>
+              </a:fontRef>
+            </p:style>
+            <p:txBody>
+              <a:bodyPr lIns="45720" tIns="0" rIns="0" bIns="18288" rtlCol="0" anchor="t" anchorCtr="0">
+                <a:spAutoFit/>
+              </a:bodyPr>
+              <a:lstStyle/>
+              <a:p>
+                <a:r>
+                  <a:rPr lang="en-US" sz="1200" dirty="0" err="1">
+                    <a:solidFill>
+                      <a:sysClr val="windowText" lastClr="000000"/>
+                    </a:solidFill>
+                    <a:latin typeface="Segoe UI" pitchFamily="34" charset="0"/>
+                    <a:cs typeface="Segoe UI" pitchFamily="34" charset="0"/>
+                  </a:rPr>
+                  <a:t>Chubaca</a:t>
+                </a:r>
+                <a:r>
+                  <a:rPr lang="en-US" sz="1200" dirty="0">
+                    <a:solidFill>
+                      <a:sysClr val="windowText" lastClr="000000"/>
+                    </a:solidFill>
+                    <a:latin typeface="Segoe UI" pitchFamily="34" charset="0"/>
+                    <a:cs typeface="Segoe UI" pitchFamily="34" charset="0"/>
+                  </a:rPr>
+                  <a:t> </a:t>
+                </a:r>
+                <a:r>
+                  <a:rPr lang="en-US" sz="1200" dirty="0" err="1">
+                    <a:solidFill>
+                      <a:sysClr val="windowText" lastClr="000000"/>
+                    </a:solidFill>
+                    <a:latin typeface="Segoe UI" pitchFamily="34" charset="0"/>
+                    <a:cs typeface="Segoe UI" pitchFamily="34" charset="0"/>
+                  </a:rPr>
+                  <a:t>Nivel</a:t>
+                </a:r>
+                <a:r>
+                  <a:rPr lang="en-US" sz="1200" dirty="0">
+                    <a:solidFill>
+                      <a:sysClr val="windowText" lastClr="000000"/>
+                    </a:solidFill>
+                    <a:latin typeface="Segoe UI" pitchFamily="34" charset="0"/>
+                    <a:cs typeface="Segoe UI" pitchFamily="34" charset="0"/>
+                  </a:rPr>
+                  <a:t> 2</a:t>
+                </a:r>
+              </a:p>
+              <a:p>
+                <a:r>
+                  <a:rPr lang="en-US" sz="1200" dirty="0" err="1">
+                    <a:solidFill>
+                      <a:sysClr val="windowText" lastClr="000000"/>
+                    </a:solidFill>
+                    <a:latin typeface="Segoe UI" pitchFamily="34" charset="0"/>
+                    <a:cs typeface="Segoe UI" pitchFamily="34" charset="0"/>
+                  </a:rPr>
+                  <a:t>Thanos</a:t>
+                </a:r>
+                <a:r>
+                  <a:rPr lang="en-US" sz="1200" dirty="0">
+                    <a:solidFill>
+                      <a:sysClr val="windowText" lastClr="000000"/>
+                    </a:solidFill>
+                    <a:latin typeface="Segoe UI" pitchFamily="34" charset="0"/>
+                    <a:cs typeface="Segoe UI" pitchFamily="34" charset="0"/>
+                  </a:rPr>
+                  <a:t> </a:t>
+                </a:r>
+                <a:r>
+                  <a:rPr lang="en-US" sz="1200" dirty="0" err="1">
+                    <a:solidFill>
+                      <a:sysClr val="windowText" lastClr="000000"/>
+                    </a:solidFill>
+                    <a:latin typeface="Segoe UI" pitchFamily="34" charset="0"/>
+                    <a:cs typeface="Segoe UI" pitchFamily="34" charset="0"/>
+                  </a:rPr>
+                  <a:t>Nível</a:t>
+                </a:r>
+                <a:r>
+                  <a:rPr lang="en-US" sz="1200" dirty="0">
+                    <a:solidFill>
+                      <a:sysClr val="windowText" lastClr="000000"/>
+                    </a:solidFill>
+                    <a:latin typeface="Segoe UI" pitchFamily="34" charset="0"/>
+                    <a:cs typeface="Segoe UI" pitchFamily="34" charset="0"/>
+                  </a:rPr>
+                  <a:t> 5</a:t>
+                </a:r>
+              </a:p>
+              <a:p>
+                <a:r>
+                  <a:rPr lang="en-US" sz="1200" dirty="0" err="1">
+                    <a:solidFill>
+                      <a:sysClr val="windowText" lastClr="000000"/>
+                    </a:solidFill>
+                    <a:latin typeface="Segoe UI" pitchFamily="34" charset="0"/>
+                    <a:cs typeface="Segoe UI" pitchFamily="34" charset="0"/>
+                  </a:rPr>
+                  <a:t>Esqueleto</a:t>
+                </a:r>
+                <a:r>
+                  <a:rPr lang="en-US" sz="1200" dirty="0">
+                    <a:solidFill>
+                      <a:sysClr val="windowText" lastClr="000000"/>
+                    </a:solidFill>
+                    <a:latin typeface="Segoe UI" pitchFamily="34" charset="0"/>
+                    <a:cs typeface="Segoe UI" pitchFamily="34" charset="0"/>
+                  </a:rPr>
+                  <a:t> </a:t>
+                </a:r>
+                <a:r>
+                  <a:rPr lang="en-US" sz="1200" dirty="0" err="1">
+                    <a:solidFill>
+                      <a:sysClr val="windowText" lastClr="000000"/>
+                    </a:solidFill>
+                    <a:latin typeface="Segoe UI" pitchFamily="34" charset="0"/>
+                    <a:cs typeface="Segoe UI" pitchFamily="34" charset="0"/>
+                  </a:rPr>
+                  <a:t>Nível</a:t>
+                </a:r>
+                <a:r>
+                  <a:rPr lang="en-US" sz="1200" dirty="0">
+                    <a:solidFill>
+                      <a:sysClr val="windowText" lastClr="000000"/>
+                    </a:solidFill>
+                    <a:latin typeface="Segoe UI" pitchFamily="34" charset="0"/>
+                    <a:cs typeface="Segoe UI" pitchFamily="34" charset="0"/>
+                  </a:rPr>
+                  <a:t> 1</a:t>
+                </a:r>
+              </a:p>
+              <a:p>
+                <a:r>
+                  <a:rPr lang="en-US" sz="1200" dirty="0" err="1">
+                    <a:solidFill>
+                      <a:sysClr val="windowText" lastClr="000000"/>
+                    </a:solidFill>
+                    <a:latin typeface="Segoe UI" pitchFamily="34" charset="0"/>
+                    <a:cs typeface="Segoe UI" pitchFamily="34" charset="0"/>
+                  </a:rPr>
+                  <a:t>Seu</a:t>
+                </a:r>
+                <a:r>
+                  <a:rPr lang="en-US" sz="1200" dirty="0">
+                    <a:solidFill>
+                      <a:sysClr val="windowText" lastClr="000000"/>
+                    </a:solidFill>
+                    <a:latin typeface="Segoe UI" pitchFamily="34" charset="0"/>
+                    <a:cs typeface="Segoe UI" pitchFamily="34" charset="0"/>
+                  </a:rPr>
+                  <a:t> </a:t>
+                </a:r>
+                <a:r>
+                  <a:rPr lang="en-US" sz="1200" dirty="0" err="1">
+                    <a:solidFill>
+                      <a:sysClr val="windowText" lastClr="000000"/>
+                    </a:solidFill>
+                    <a:latin typeface="Segoe UI" pitchFamily="34" charset="0"/>
+                    <a:cs typeface="Segoe UI" pitchFamily="34" charset="0"/>
+                  </a:rPr>
+                  <a:t>madruga</a:t>
+                </a:r>
+                <a:r>
+                  <a:rPr lang="en-US" sz="1200" dirty="0">
+                    <a:solidFill>
+                      <a:sysClr val="windowText" lastClr="000000"/>
+                    </a:solidFill>
+                    <a:latin typeface="Segoe UI" pitchFamily="34" charset="0"/>
+                    <a:cs typeface="Segoe UI" pitchFamily="34" charset="0"/>
+                  </a:rPr>
+                  <a:t> </a:t>
+                </a:r>
+                <a:r>
+                  <a:rPr lang="en-US" sz="1200" dirty="0" err="1">
+                    <a:solidFill>
+                      <a:sysClr val="windowText" lastClr="000000"/>
+                    </a:solidFill>
+                    <a:latin typeface="Segoe UI" pitchFamily="34" charset="0"/>
+                    <a:cs typeface="Segoe UI" pitchFamily="34" charset="0"/>
+                  </a:rPr>
+                  <a:t>Nível</a:t>
+                </a:r>
+                <a:r>
+                  <a:rPr lang="en-US" sz="1200" dirty="0">
+                    <a:solidFill>
+                      <a:sysClr val="windowText" lastClr="000000"/>
+                    </a:solidFill>
+                    <a:latin typeface="Segoe UI" pitchFamily="34" charset="0"/>
+                    <a:cs typeface="Segoe UI" pitchFamily="34" charset="0"/>
+                  </a:rPr>
+                  <a:t> 4</a:t>
+                </a:r>
+              </a:p>
+            </p:txBody>
+          </p:sp>
+        </p:grpSp>
+        <p:grpSp>
+          <p:nvGrpSpPr>
+            <p:cNvPr id="35" name="Group 3"/>
+            <p:cNvGrpSpPr/>
+            <p:nvPr>
+              <p:custDataLst>
+                <p:custData r:id="rId18"/>
+              </p:custDataLst>
+            </p:nvPr>
+          </p:nvGrpSpPr>
+          <p:grpSpPr>
+            <a:xfrm>
+              <a:off x="6113828" y="3047458"/>
+              <a:ext cx="147992" cy="1533690"/>
+              <a:chOff x="4496659" y="1543110"/>
+              <a:chExt cx="147992" cy="3562292"/>
+            </a:xfrm>
+          </p:grpSpPr>
+          <p:sp>
+            <p:nvSpPr>
+              <p:cNvPr id="36" name="ScrollBar"/>
+              <p:cNvSpPr>
+                <a:spLocks/>
+              </p:cNvSpPr>
+              <p:nvPr/>
+            </p:nvSpPr>
+            <p:spPr>
+              <a:xfrm>
+                <a:off x="4496659" y="1543110"/>
+                <a:ext cx="147992" cy="3562292"/>
+              </a:xfrm>
+              <a:prstGeom prst="rect">
+                <a:avLst/>
+              </a:prstGeom>
+              <a:solidFill>
+                <a:srgbClr val="FFFFFF">
+                  <a:lumMod val="95000"/>
+                </a:srgbClr>
+              </a:solidFill>
+              <a:ln w="3175">
+                <a:solidFill>
+                  <a:srgbClr val="FFFFFF">
+                    <a:lumMod val="50000"/>
+                  </a:srgbClr>
+                </a:solidFill>
+              </a:ln>
+            </p:spPr>
+            <p:style>
+              <a:lnRef idx="2">
+                <a:srgbClr val="4F81BD">
+                  <a:shade val="50000"/>
+                </a:srgbClr>
+              </a:lnRef>
+              <a:fillRef idx="1001">
+                <a:srgbClr val="000000"/>
+              </a:fillRef>
+              <a:effectRef idx="0">
+                <a:srgbClr val="4F81BD"/>
+              </a:effectRef>
+              <a:fontRef idx="minor">
+                <a:srgbClr val="000000"/>
+              </a:fontRef>
+            </p:style>
+            <p:txBody>
+              <a:bodyPr lIns="97548" tIns="48774" rIns="97548" bIns="48774" rtlCol="0" anchor="ctr"/>
+              <a:lstStyle/>
+              <a:p>
+                <a:pPr algn="ctr" defTabSz="913915"/>
+                <a:endParaRPr lang="en-US" dirty="0"/>
+              </a:p>
+            </p:txBody>
+          </p:sp>
+          <p:sp>
+            <p:nvSpPr>
+              <p:cNvPr id="37" name="Slider"/>
+              <p:cNvSpPr>
+                <a:spLocks/>
+              </p:cNvSpPr>
+              <p:nvPr/>
+            </p:nvSpPr>
+            <p:spPr>
+              <a:xfrm>
+                <a:off x="4496659" y="2237544"/>
+                <a:ext cx="147992" cy="804962"/>
+              </a:xfrm>
+              <a:prstGeom prst="rect">
+                <a:avLst/>
+              </a:prstGeom>
+              <a:solidFill>
+                <a:srgbClr val="FFFFFF">
+                  <a:lumMod val="85000"/>
+                </a:srgbClr>
+              </a:solidFill>
+              <a:ln w="3175">
+                <a:solidFill>
+                  <a:srgbClr val="FFFFFF">
+                    <a:lumMod val="50000"/>
+                  </a:srgbClr>
+                </a:solidFill>
+              </a:ln>
+            </p:spPr>
+            <p:style>
+              <a:lnRef idx="2">
+                <a:srgbClr val="4F81BD">
+                  <a:shade val="50000"/>
+                </a:srgbClr>
+              </a:lnRef>
+              <a:fillRef idx="1">
+                <a:srgbClr val="4F81BD"/>
+              </a:fillRef>
+              <a:effectRef idx="0">
+                <a:srgbClr val="4F81BD"/>
+              </a:effectRef>
+              <a:fontRef idx="minor">
+                <a:srgbClr val="000000"/>
+              </a:fontRef>
+            </p:style>
+            <p:txBody>
+              <a:bodyPr lIns="97548" tIns="48774" rIns="97548" bIns="48774" rtlCol="0" anchor="ctr"/>
+              <a:lstStyle/>
+              <a:p>
+                <a:pPr algn="ctr"/>
+                <a:endParaRPr lang="en-US" dirty="0"/>
+              </a:p>
+            </p:txBody>
+          </p:sp>
+          <p:sp>
+            <p:nvSpPr>
+              <p:cNvPr id="38" name="UpArrow"/>
+              <p:cNvSpPr>
+                <a:spLocks/>
+              </p:cNvSpPr>
+              <p:nvPr/>
+            </p:nvSpPr>
+            <p:spPr>
+              <a:xfrm>
+                <a:off x="4538651" y="1628432"/>
+                <a:ext cx="64008" cy="148671"/>
+              </a:xfrm>
+              <a:prstGeom prst="triangle">
+                <a:avLst/>
+              </a:prstGeom>
+              <a:solidFill>
+                <a:srgbClr val="FFFFFF">
+                  <a:lumMod val="50000"/>
+                  <a:alpha val="99000"/>
+                </a:srgbClr>
+              </a:solidFill>
+              <a:ln>
+                <a:noFill/>
+              </a:ln>
+            </p:spPr>
+            <p:style>
+              <a:lnRef idx="2">
+                <a:srgbClr val="4F81BD">
+                  <a:shade val="50000"/>
+                </a:srgbClr>
+              </a:lnRef>
+              <a:fillRef idx="1">
+                <a:srgbClr val="4F81BD"/>
+              </a:fillRef>
+              <a:effectRef idx="0">
+                <a:srgbClr val="4F81BD"/>
+              </a:effectRef>
+              <a:fontRef idx="minor">
+                <a:srgbClr val="000000"/>
+              </a:fontRef>
+            </p:style>
+            <p:txBody>
+              <a:bodyPr lIns="97548" tIns="48774" rIns="97548" bIns="48774" rtlCol="0" anchor="ctr"/>
+              <a:lstStyle/>
+              <a:p>
+                <a:pPr algn="ctr"/>
+                <a:endParaRPr lang="en-US" dirty="0"/>
+              </a:p>
+            </p:txBody>
+          </p:sp>
+          <p:sp>
+            <p:nvSpPr>
+              <p:cNvPr id="39" name="DownArrow"/>
+              <p:cNvSpPr>
+                <a:spLocks/>
+              </p:cNvSpPr>
+              <p:nvPr/>
+            </p:nvSpPr>
+            <p:spPr>
+              <a:xfrm rot="10800000">
+                <a:off x="4538651" y="4880844"/>
+                <a:ext cx="64008" cy="148671"/>
+              </a:xfrm>
+              <a:prstGeom prst="triangle">
+                <a:avLst/>
+              </a:prstGeom>
+              <a:solidFill>
+                <a:srgbClr val="FFFFFF">
+                  <a:lumMod val="50000"/>
+                  <a:alpha val="99000"/>
+                </a:srgbClr>
+              </a:solidFill>
+              <a:ln>
+                <a:noFill/>
+              </a:ln>
+            </p:spPr>
+            <p:style>
+              <a:lnRef idx="2">
+                <a:srgbClr val="4F81BD">
+                  <a:shade val="50000"/>
+                </a:srgbClr>
+              </a:lnRef>
+              <a:fillRef idx="1">
+                <a:srgbClr val="4F81BD"/>
+              </a:fillRef>
+              <a:effectRef idx="0">
+                <a:srgbClr val="4F81BD"/>
+              </a:effectRef>
+              <a:fontRef idx="minor">
+                <a:srgbClr val="000000"/>
+              </a:fontRef>
+            </p:style>
+            <p:txBody>
+              <a:bodyPr lIns="97548" tIns="48774" rIns="97548" bIns="48774" rtlCol="0" anchor="ctr"/>
+              <a:lstStyle/>
+              <a:p>
+                <a:pPr algn="ctr"/>
+                <a:endParaRPr lang="en-US" dirty="0"/>
+              </a:p>
+            </p:txBody>
+          </p:sp>
+        </p:grpSp>
+      </p:grpSp>
+      <p:sp>
+        <p:nvSpPr>
+          <p:cNvPr id="42" name="Content"/>
+          <p:cNvSpPr txBox="1"/>
+          <p:nvPr>
+            <p:custDataLst>
+              <p:custData r:id="rId11"/>
+            </p:custDataLst>
+          </p:nvPr>
+        </p:nvSpPr>
+        <p:spPr>
+          <a:xfrm>
+            <a:off x="478410" y="1269869"/>
+            <a:ext cx="1253677" cy="353943"/>
+          </a:xfrm>
+          <a:prstGeom prst="rect">
+            <a:avLst/>
+          </a:prstGeom>
+          <a:noFill/>
+        </p:spPr>
+        <p:txBody>
+          <a:bodyPr wrap="none" lIns="91440" tIns="18288" rIns="91440" bIns="27432" rtlCol="0" anchor="ctr" anchorCtr="0">
+            <a:spAutoFit/>
+          </a:bodyPr>
+          <a:lstStyle/>
+          <a:p>
+            <a:r>
+              <a:rPr lang="en-US" sz="2000" dirty="0" err="1">
+                <a:solidFill>
+                  <a:srgbClr val="000000"/>
+                </a:solidFill>
+                <a:latin typeface="Segoe UI" pitchFamily="34" charset="0"/>
+                <a:ea typeface="Segoe UI" pitchFamily="34" charset="0"/>
+                <a:cs typeface="Segoe UI" pitchFamily="34" charset="0"/>
+              </a:rPr>
+              <a:t>Monstros</a:t>
+            </a:r>
+            <a:endParaRPr lang="en-US" sz="2000" dirty="0">
+              <a:solidFill>
+                <a:srgbClr val="000000"/>
+              </a:solidFill>
+              <a:latin typeface="Segoe UI" pitchFamily="34" charset="0"/>
+              <a:ea typeface="Segoe UI" pitchFamily="34" charset="0"/>
+              <a:cs typeface="Segoe UI" pitchFamily="34" charset="0"/>
+            </a:endParaRPr>
+          </a:p>
+        </p:txBody>
+      </p:sp>
+      <p:sp>
+        <p:nvSpPr>
+          <p:cNvPr id="44" name="Content"/>
+          <p:cNvSpPr txBox="1"/>
+          <p:nvPr>
+            <p:custDataLst>
+              <p:custData r:id="rId12"/>
+            </p:custDataLst>
+          </p:nvPr>
+        </p:nvSpPr>
+        <p:spPr>
+          <a:xfrm>
+            <a:off x="4442077" y="1226233"/>
+            <a:ext cx="4518801" cy="353943"/>
+          </a:xfrm>
+          <a:prstGeom prst="rect">
+            <a:avLst/>
+          </a:prstGeom>
+          <a:noFill/>
+        </p:spPr>
+        <p:txBody>
+          <a:bodyPr wrap="none" lIns="91440" tIns="18288" rIns="91440" bIns="27432" rtlCol="0" anchor="ctr" anchorCtr="0">
+            <a:spAutoFit/>
+          </a:bodyPr>
+          <a:lstStyle/>
+          <a:p>
+            <a:r>
+              <a:rPr lang="en-US" sz="2000" dirty="0" err="1">
+                <a:solidFill>
+                  <a:srgbClr val="000000"/>
+                </a:solidFill>
+                <a:latin typeface="Segoe UI" pitchFamily="34" charset="0"/>
+                <a:ea typeface="Segoe UI" pitchFamily="34" charset="0"/>
+                <a:cs typeface="Segoe UI" pitchFamily="34" charset="0"/>
+              </a:rPr>
+              <a:t>Monstro</a:t>
+            </a:r>
+            <a:r>
+              <a:rPr lang="en-US" sz="2000" dirty="0">
+                <a:solidFill>
+                  <a:srgbClr val="000000"/>
+                </a:solidFill>
+                <a:latin typeface="Segoe UI" pitchFamily="34" charset="0"/>
+                <a:ea typeface="Segoe UI" pitchFamily="34" charset="0"/>
+                <a:cs typeface="Segoe UI" pitchFamily="34" charset="0"/>
+              </a:rPr>
+              <a:t> </a:t>
+            </a:r>
+            <a:r>
+              <a:rPr lang="en-US" sz="2000" dirty="0" err="1">
+                <a:solidFill>
+                  <a:srgbClr val="000000"/>
+                </a:solidFill>
+                <a:latin typeface="Segoe UI" pitchFamily="34" charset="0"/>
+                <a:ea typeface="Segoe UI" pitchFamily="34" charset="0"/>
+                <a:cs typeface="Segoe UI" pitchFamily="34" charset="0"/>
+              </a:rPr>
+              <a:t>selecionado</a:t>
+            </a:r>
+            <a:r>
+              <a:rPr lang="en-US" sz="2000" dirty="0">
+                <a:solidFill>
+                  <a:srgbClr val="000000"/>
+                </a:solidFill>
+                <a:latin typeface="Segoe UI" pitchFamily="34" charset="0"/>
+                <a:ea typeface="Segoe UI" pitchFamily="34" charset="0"/>
+                <a:cs typeface="Segoe UI" pitchFamily="34" charset="0"/>
+              </a:rPr>
+              <a:t> [Nome </a:t>
+            </a:r>
+            <a:r>
+              <a:rPr lang="en-US" sz="2000" dirty="0" err="1">
+                <a:solidFill>
+                  <a:srgbClr val="000000"/>
+                </a:solidFill>
+                <a:latin typeface="Segoe UI" pitchFamily="34" charset="0"/>
+                <a:ea typeface="Segoe UI" pitchFamily="34" charset="0"/>
+                <a:cs typeface="Segoe UI" pitchFamily="34" charset="0"/>
+              </a:rPr>
+              <a:t>Monstro</a:t>
+            </a:r>
+            <a:r>
+              <a:rPr lang="en-US" sz="2000" dirty="0">
+                <a:solidFill>
+                  <a:srgbClr val="000000"/>
+                </a:solidFill>
+                <a:latin typeface="Segoe UI" pitchFamily="34" charset="0"/>
+                <a:ea typeface="Segoe UI" pitchFamily="34" charset="0"/>
+                <a:cs typeface="Segoe UI" pitchFamily="34" charset="0"/>
+              </a:rPr>
+              <a:t>]</a:t>
+            </a:r>
+          </a:p>
+        </p:txBody>
+      </p:sp>
+      <p:grpSp>
+        <p:nvGrpSpPr>
+          <p:cNvPr id="45" name="ProgressBar"/>
+          <p:cNvGrpSpPr/>
+          <p:nvPr>
+            <p:custDataLst>
+              <p:custData r:id="rId13"/>
+            </p:custDataLst>
+          </p:nvPr>
+        </p:nvGrpSpPr>
+        <p:grpSpPr>
+          <a:xfrm>
+            <a:off x="4582625" y="2065141"/>
+            <a:ext cx="1391330" cy="137160"/>
+            <a:chOff x="3876335" y="3333180"/>
+            <a:chExt cx="1391330" cy="137160"/>
+          </a:xfrm>
+        </p:grpSpPr>
+        <p:sp>
+          <p:nvSpPr>
+            <p:cNvPr id="46" name="BlueBox"/>
+            <p:cNvSpPr/>
+            <p:nvPr/>
+          </p:nvSpPr>
+          <p:spPr>
+            <a:xfrm>
+              <a:off x="3876335" y="3333181"/>
+              <a:ext cx="927441" cy="137159"/>
+            </a:xfrm>
+            <a:prstGeom prst="rect">
+              <a:avLst/>
+            </a:prstGeom>
+            <a:solidFill>
+              <a:srgbClr val="1F497D">
+                <a:lumMod val="60000"/>
+                <a:lumOff val="40000"/>
+                <a:alpha val="44000"/>
+              </a:srgbClr>
+            </a:solidFill>
+            <a:ln w="12700" cap="flat" cmpd="sng" algn="ctr">
+              <a:noFill/>
+              <a:prstDash val="solid"/>
+            </a:ln>
+            <a:effectLst/>
+          </p:spPr>
+          <p:txBody>
+            <a:bodyPr rtlCol="0" anchor="ctr"/>
+            <a:lstStyle/>
+            <a:p>
+              <a:endParaRPr lang="en-US" sz="900" i="1" kern="0" dirty="0">
+                <a:solidFill>
+                  <a:srgbClr val="000000">
+                    <a:lumMod val="50000"/>
+                    <a:lumOff val="50000"/>
+                  </a:srgbClr>
+                </a:solidFill>
+                <a:latin typeface="Segoe UI"/>
+              </a:endParaRPr>
+            </a:p>
+          </p:txBody>
+        </p:sp>
+        <p:sp>
+          <p:nvSpPr>
+            <p:cNvPr id="47" name="GrayBox"/>
+            <p:cNvSpPr/>
+            <p:nvPr/>
+          </p:nvSpPr>
+          <p:spPr>
+            <a:xfrm>
+              <a:off x="3876335" y="3333180"/>
+              <a:ext cx="1391330" cy="137159"/>
+            </a:xfrm>
+            <a:prstGeom prst="rect">
+              <a:avLst/>
+            </a:prstGeom>
+            <a:noFill/>
+            <a:ln w="3175" cap="flat" cmpd="sng" algn="ctr">
+              <a:solidFill>
+                <a:srgbClr val="FFFFFF">
+                  <a:lumMod val="65000"/>
+                </a:srgbClr>
+              </a:solidFill>
+              <a:prstDash val="solid"/>
+            </a:ln>
+            <a:effectLst/>
+          </p:spPr>
+          <p:txBody>
+            <a:bodyPr rot="0" spcFirstLastPara="0" vertOverflow="overflow" horzOverflow="overflow" vert="horz" wrap="square" lIns="45720" tIns="45720" rIns="91440" bIns="45720" numCol="1" spcCol="0" rtlCol="0" fromWordArt="0" anchor="ctr" anchorCtr="0" forceAA="0" compatLnSpc="1">
+              <a:prstTxWarp prst="textNoShape">
+                <a:avLst/>
+              </a:prstTxWarp>
+              <a:noAutofit/>
+            </a:bodyPr>
+            <a:lstStyle/>
+            <a:p>
+              <a:pPr marL="0" marR="0" indent="0" algn="ctr" defTabSz="914400" eaLnBrk="1" fontAlgn="auto" latinLnBrk="0" hangingPunct="1">
+                <a:lnSpc>
+                  <a:spcPct val="100000"/>
+                </a:lnSpc>
+                <a:spcBef>
+                  <a:spcPts val="0"/>
+                </a:spcBef>
+                <a:spcAft>
+                  <a:spcPts val="0"/>
+                </a:spcAft>
+                <a:buClrTx/>
+                <a:buSzTx/>
+                <a:buFontTx/>
+                <a:buNone/>
+                <a:tabLst/>
+              </a:pPr>
+              <a:endParaRPr kumimoji="0" lang="en-US" sz="800" b="0" i="0" u="none" strike="noStrike" kern="0" cap="none" spc="0" normalizeH="0" baseline="0" noProof="0" dirty="0">
+                <a:ln>
+                  <a:noFill/>
+                </a:ln>
+                <a:solidFill>
+                  <a:srgbClr val="000000">
+                    <a:lumMod val="75000"/>
+                    <a:lumOff val="25000"/>
+                  </a:srgbClr>
+                </a:solidFill>
+                <a:effectLst/>
+                <a:uLnTx/>
+                <a:uFillTx/>
+                <a:latin typeface="Segoe UI"/>
+                <a:ea typeface="+mn-ea"/>
+                <a:cs typeface="+mn-cs"/>
+              </a:endParaRPr>
+            </a:p>
+          </p:txBody>
+        </p:sp>
+      </p:grpSp>
+      <p:sp>
+        <p:nvSpPr>
+          <p:cNvPr id="48" name="Content"/>
+          <p:cNvSpPr txBox="1"/>
+          <p:nvPr>
+            <p:custDataLst>
+              <p:custData r:id="rId14"/>
+            </p:custDataLst>
+          </p:nvPr>
+        </p:nvSpPr>
+        <p:spPr>
+          <a:xfrm>
+            <a:off x="4481236" y="1652285"/>
+            <a:ext cx="686406" cy="353943"/>
+          </a:xfrm>
+          <a:prstGeom prst="rect">
+            <a:avLst/>
+          </a:prstGeom>
+          <a:noFill/>
+        </p:spPr>
+        <p:txBody>
+          <a:bodyPr wrap="none" lIns="91440" tIns="18288" rIns="91440" bIns="27432" rtlCol="0" anchor="ctr" anchorCtr="0">
+            <a:spAutoFit/>
+          </a:bodyPr>
+          <a:lstStyle/>
+          <a:p>
+            <a:r>
+              <a:rPr lang="en-US" sz="2000" dirty="0">
+                <a:solidFill>
+                  <a:srgbClr val="000000"/>
+                </a:solidFill>
+                <a:latin typeface="Segoe UI" pitchFamily="34" charset="0"/>
+                <a:ea typeface="Segoe UI" pitchFamily="34" charset="0"/>
+                <a:cs typeface="Segoe UI" pitchFamily="34" charset="0"/>
+              </a:rPr>
+              <a:t>Vida</a:t>
+            </a:r>
+          </a:p>
+        </p:txBody>
+      </p:sp>
+      <p:sp>
+        <p:nvSpPr>
+          <p:cNvPr id="49" name="Content"/>
+          <p:cNvSpPr/>
+          <p:nvPr>
+            <p:custDataLst>
+              <p:custData r:id="rId15"/>
+            </p:custDataLst>
+          </p:nvPr>
+        </p:nvSpPr>
+        <p:spPr>
+          <a:xfrm>
+            <a:off x="4545756" y="2511784"/>
+            <a:ext cx="1465067" cy="224570"/>
+          </a:xfrm>
+          <a:prstGeom prst="roundRect">
+            <a:avLst/>
+          </a:prstGeom>
+          <a:solidFill>
+            <a:srgbClr val="FFFFFF">
+              <a:lumMod val="95000"/>
+            </a:srgbClr>
+          </a:solidFill>
+          <a:ln w="3175">
+            <a:solidFill>
+              <a:srgbClr val="000000">
+                <a:lumMod val="50000"/>
+                <a:lumOff val="50000"/>
+              </a:srgbClr>
+            </a:solidFill>
+          </a:ln>
+          <a:effectLst/>
+        </p:spPr>
+        <p:style>
+          <a:lnRef idx="2">
+            <a:srgbClr val="4F81BD">
+              <a:shade val="50000"/>
+            </a:srgbClr>
+          </a:lnRef>
+          <a:fillRef idx="1">
+            <a:srgbClr val="4F81BD"/>
+          </a:fillRef>
+          <a:effectRef idx="0">
+            <a:srgbClr val="4F81BD"/>
+          </a:effectRef>
+          <a:fontRef idx="minor">
+            <a:srgbClr val="000000"/>
+          </a:fontRef>
+        </p:style>
+        <p:txBody>
+          <a:bodyPr wrap="square" lIns="91440" tIns="0" rIns="91440" bIns="9144" rtlCol="0" anchor="ctr">
+            <a:noAutofit/>
+          </a:bodyPr>
+          <a:lstStyle/>
+          <a:p>
+            <a:pPr algn="ctr"/>
+            <a:r>
+              <a:rPr lang="en-US" sz="1200" dirty="0" err="1">
+                <a:solidFill>
+                  <a:srgbClr val="000000"/>
+                </a:solidFill>
+                <a:latin typeface="Segoe UI" pitchFamily="34" charset="0"/>
+                <a:cs typeface="Segoe UI" pitchFamily="34" charset="0"/>
+              </a:rPr>
+              <a:t>Ataque</a:t>
+            </a:r>
+            <a:r>
+              <a:rPr lang="en-US" sz="1200" dirty="0">
+                <a:solidFill>
+                  <a:srgbClr val="000000"/>
+                </a:solidFill>
+                <a:latin typeface="Segoe UI" pitchFamily="34" charset="0"/>
+                <a:cs typeface="Segoe UI" pitchFamily="34" charset="0"/>
+              </a:rPr>
+              <a:t> </a:t>
+            </a:r>
+            <a:r>
+              <a:rPr lang="en-US" sz="1200" dirty="0" err="1">
+                <a:solidFill>
+                  <a:srgbClr val="000000"/>
+                </a:solidFill>
+                <a:latin typeface="Segoe UI" pitchFamily="34" charset="0"/>
+                <a:cs typeface="Segoe UI" pitchFamily="34" charset="0"/>
+              </a:rPr>
+              <a:t>primário</a:t>
+            </a:r>
+            <a:endParaRPr lang="en-US" sz="1200" dirty="0">
+              <a:solidFill>
+                <a:srgbClr val="000000"/>
+              </a:solidFill>
+              <a:latin typeface="Segoe UI" pitchFamily="34" charset="0"/>
+              <a:cs typeface="Segoe UI" pitchFamily="34" charset="0"/>
+            </a:endParaRPr>
+          </a:p>
+        </p:txBody>
+      </p:sp>
+      <p:grpSp>
+        <p:nvGrpSpPr>
+          <p:cNvPr id="51" name="List"/>
+          <p:cNvGrpSpPr/>
+          <p:nvPr>
+            <p:custDataLst>
+              <p:custData r:id="rId16"/>
+            </p:custDataLst>
+          </p:nvPr>
+        </p:nvGrpSpPr>
+        <p:grpSpPr>
+          <a:xfrm>
+            <a:off x="6900654" y="1747754"/>
+            <a:ext cx="3477787" cy="3099264"/>
+            <a:chOff x="4610405" y="3047458"/>
+            <a:chExt cx="1651416" cy="1533692"/>
+          </a:xfrm>
+        </p:grpSpPr>
+        <p:grpSp>
+          <p:nvGrpSpPr>
+            <p:cNvPr id="52" name="Group 2"/>
+            <p:cNvGrpSpPr/>
+            <p:nvPr/>
+          </p:nvGrpSpPr>
+          <p:grpSpPr>
+            <a:xfrm>
+              <a:off x="4610405" y="3047458"/>
+              <a:ext cx="1651415" cy="1533692"/>
+              <a:chOff x="4648810" y="3359442"/>
+              <a:chExt cx="713680" cy="756307"/>
+            </a:xfrm>
+          </p:grpSpPr>
+          <p:sp>
+            <p:nvSpPr>
+              <p:cNvPr id="58" name="Background"/>
+              <p:cNvSpPr>
+                <a:spLocks/>
+              </p:cNvSpPr>
+              <p:nvPr/>
+            </p:nvSpPr>
+            <p:spPr>
+              <a:xfrm>
+                <a:off x="4648810" y="3359442"/>
+                <a:ext cx="713680" cy="756307"/>
+              </a:xfrm>
+              <a:prstGeom prst="rect">
+                <a:avLst/>
+              </a:prstGeom>
+              <a:solidFill>
+                <a:srgbClr val="FFFFFF"/>
+              </a:solidFill>
+              <a:ln w="3175" cap="flat" cmpd="sng" algn="ctr">
+                <a:solidFill>
+                  <a:srgbClr val="FFFFFF">
+                    <a:lumMod val="50000"/>
+                  </a:srgbClr>
+                </a:solidFill>
+                <a:prstDash val="solid"/>
+              </a:ln>
+              <a:effectLst/>
+            </p:spPr>
+            <p:txBody>
+              <a:bodyPr rot="0" spcFirstLastPara="0" vertOverflow="overflow" horzOverflow="overflow" vert="horz" wrap="square" lIns="45720" tIns="0" rIns="91440" bIns="0" numCol="1" spcCol="0" rtlCol="0" fromWordArt="0" anchor="ctr" anchorCtr="0" forceAA="0" compatLnSpc="1">
+                <a:prstTxWarp prst="textNoShape">
+                  <a:avLst/>
+                </a:prstTxWarp>
+                <a:noAutofit/>
+              </a:bodyPr>
+              <a:lstStyle/>
+              <a:p>
+                <a:pPr marL="0" marR="0" indent="0" algn="ctr" defTabSz="914400" eaLnBrk="1" fontAlgn="auto" latinLnBrk="0" hangingPunct="1">
+                  <a:lnSpc>
+                    <a:spcPct val="100000"/>
+                  </a:lnSpc>
+                  <a:spcBef>
+                    <a:spcPts val="0"/>
+                  </a:spcBef>
+                  <a:spcAft>
+                    <a:spcPts val="0"/>
+                  </a:spcAft>
+                  <a:buClrTx/>
+                  <a:buSzTx/>
+                  <a:buFontTx/>
+                  <a:buNone/>
+                  <a:tabLst/>
+                </a:pPr>
+                <a:endParaRPr kumimoji="0" lang="en-US" sz="1050" b="0" i="0" u="none" strike="noStrike" kern="0" cap="none" spc="0" normalizeH="0" baseline="0" noProof="0" dirty="0">
+                  <a:ln>
+                    <a:noFill/>
+                  </a:ln>
+                  <a:solidFill>
+                    <a:srgbClr val="000000">
+                      <a:lumMod val="75000"/>
+                      <a:lumOff val="25000"/>
+                    </a:srgbClr>
+                  </a:solidFill>
+                  <a:effectLst/>
+                  <a:uLnTx/>
+                  <a:uFillTx/>
+                  <a:latin typeface="Segoe UI"/>
+                  <a:ea typeface="+mn-ea"/>
+                  <a:cs typeface="+mn-cs"/>
+                </a:endParaRPr>
+              </a:p>
+            </p:txBody>
+          </p:sp>
+          <p:sp>
+            <p:nvSpPr>
+              <p:cNvPr id="59" name="Content"/>
+              <p:cNvSpPr>
+                <a:spLocks/>
+              </p:cNvSpPr>
+              <p:nvPr/>
+            </p:nvSpPr>
+            <p:spPr>
+              <a:xfrm>
+                <a:off x="4648810" y="3359442"/>
+                <a:ext cx="713680" cy="94634"/>
+              </a:xfrm>
+              <a:prstGeom prst="rect">
+                <a:avLst/>
+              </a:prstGeom>
+              <a:noFill/>
+              <a:ln w="3175">
+                <a:noFill/>
+              </a:ln>
+              <a:effectLst/>
+            </p:spPr>
+            <p:style>
+              <a:lnRef idx="2">
+                <a:srgbClr val="4F81BD">
+                  <a:shade val="50000"/>
+                </a:srgbClr>
+              </a:lnRef>
+              <a:fillRef idx="1">
+                <a:srgbClr val="4F81BD"/>
+              </a:fillRef>
+              <a:effectRef idx="0">
+                <a:srgbClr val="4F81BD"/>
+              </a:effectRef>
+              <a:fontRef idx="minor">
+                <a:srgbClr val="000000"/>
+              </a:fontRef>
+            </p:style>
+            <p:txBody>
+              <a:bodyPr lIns="45720" tIns="0" rIns="0" bIns="18288" rtlCol="0" anchor="t" anchorCtr="0">
+                <a:spAutoFit/>
+              </a:bodyPr>
+              <a:lstStyle/>
+              <a:p>
+                <a:r>
+                  <a:rPr lang="en-US" sz="1200" dirty="0">
+                    <a:solidFill>
+                      <a:sysClr val="windowText" lastClr="000000"/>
+                    </a:solidFill>
+                    <a:latin typeface="Segoe UI" pitchFamily="34" charset="0"/>
+                    <a:cs typeface="Segoe UI" pitchFamily="34" charset="0"/>
+                  </a:rPr>
+                  <a:t>Round 1 – </a:t>
+                </a:r>
+                <a:r>
+                  <a:rPr lang="en-US" sz="1200" dirty="0" err="1">
+                    <a:solidFill>
+                      <a:sysClr val="windowText" lastClr="000000"/>
+                    </a:solidFill>
+                    <a:latin typeface="Segoe UI" pitchFamily="34" charset="0"/>
+                    <a:cs typeface="Segoe UI" pitchFamily="34" charset="0"/>
+                  </a:rPr>
+                  <a:t>Você</a:t>
+                </a:r>
+                <a:r>
+                  <a:rPr lang="en-US" sz="1200" dirty="0">
+                    <a:solidFill>
+                      <a:sysClr val="windowText" lastClr="000000"/>
+                    </a:solidFill>
+                    <a:latin typeface="Segoe UI" pitchFamily="34" charset="0"/>
+                    <a:cs typeface="Segoe UI" pitchFamily="34" charset="0"/>
+                  </a:rPr>
+                  <a:t> </a:t>
+                </a:r>
+                <a:r>
+                  <a:rPr lang="en-US" sz="1200" dirty="0" err="1">
+                    <a:solidFill>
+                      <a:sysClr val="windowText" lastClr="000000"/>
+                    </a:solidFill>
+                    <a:latin typeface="Segoe UI" pitchFamily="34" charset="0"/>
+                    <a:cs typeface="Segoe UI" pitchFamily="34" charset="0"/>
+                  </a:rPr>
+                  <a:t>atacou</a:t>
+                </a:r>
+                <a:r>
+                  <a:rPr lang="en-US" sz="1200" dirty="0">
+                    <a:solidFill>
+                      <a:sysClr val="windowText" lastClr="000000"/>
+                    </a:solidFill>
+                    <a:latin typeface="Segoe UI" pitchFamily="34" charset="0"/>
+                    <a:cs typeface="Segoe UI" pitchFamily="34" charset="0"/>
+                  </a:rPr>
+                  <a:t> e </a:t>
+                </a:r>
+                <a:r>
+                  <a:rPr lang="en-US" sz="1200" dirty="0" err="1">
+                    <a:solidFill>
+                      <a:sysClr val="windowText" lastClr="000000"/>
+                    </a:solidFill>
+                    <a:latin typeface="Segoe UI" pitchFamily="34" charset="0"/>
+                    <a:cs typeface="Segoe UI" pitchFamily="34" charset="0"/>
+                  </a:rPr>
+                  <a:t>tirou</a:t>
+                </a:r>
+                <a:r>
+                  <a:rPr lang="en-US" sz="1200" dirty="0">
+                    <a:solidFill>
+                      <a:sysClr val="windowText" lastClr="000000"/>
+                    </a:solidFill>
+                    <a:latin typeface="Segoe UI" pitchFamily="34" charset="0"/>
+                    <a:cs typeface="Segoe UI" pitchFamily="34" charset="0"/>
+                  </a:rPr>
+                  <a:t> [x] de </a:t>
+                </a:r>
+                <a:r>
+                  <a:rPr lang="en-US" sz="1200" dirty="0" err="1">
+                    <a:solidFill>
+                      <a:sysClr val="windowText" lastClr="000000"/>
+                    </a:solidFill>
+                    <a:latin typeface="Segoe UI" pitchFamily="34" charset="0"/>
+                    <a:cs typeface="Segoe UI" pitchFamily="34" charset="0"/>
+                  </a:rPr>
+                  <a:t>vida</a:t>
+                </a:r>
+                <a:endParaRPr lang="en-US" sz="1200" dirty="0">
+                  <a:solidFill>
+                    <a:sysClr val="windowText" lastClr="000000"/>
+                  </a:solidFill>
+                  <a:latin typeface="Segoe UI" pitchFamily="34" charset="0"/>
+                  <a:cs typeface="Segoe UI" pitchFamily="34" charset="0"/>
+                </a:endParaRPr>
+              </a:p>
+              <a:p>
+                <a:r>
+                  <a:rPr lang="en-US" sz="1200" dirty="0">
+                    <a:solidFill>
+                      <a:sysClr val="windowText" lastClr="000000"/>
+                    </a:solidFill>
+                    <a:latin typeface="Segoe UI" pitchFamily="34" charset="0"/>
+                    <a:cs typeface="Segoe UI" pitchFamily="34" charset="0"/>
+                  </a:rPr>
+                  <a:t>Round 2 – </a:t>
+                </a:r>
+                <a:r>
+                  <a:rPr lang="en-US" sz="1200" dirty="0" err="1">
+                    <a:solidFill>
+                      <a:sysClr val="windowText" lastClr="000000"/>
+                    </a:solidFill>
+                    <a:latin typeface="Segoe UI" pitchFamily="34" charset="0"/>
+                    <a:cs typeface="Segoe UI" pitchFamily="34" charset="0"/>
+                  </a:rPr>
+                  <a:t>Mostrou</a:t>
+                </a:r>
+                <a:r>
+                  <a:rPr lang="en-US" sz="1200" dirty="0">
+                    <a:solidFill>
+                      <a:sysClr val="windowText" lastClr="000000"/>
+                    </a:solidFill>
+                    <a:latin typeface="Segoe UI" pitchFamily="34" charset="0"/>
+                    <a:cs typeface="Segoe UI" pitchFamily="34" charset="0"/>
+                  </a:rPr>
+                  <a:t> </a:t>
+                </a:r>
+                <a:r>
+                  <a:rPr lang="en-US" sz="1200" dirty="0" err="1">
+                    <a:solidFill>
+                      <a:sysClr val="windowText" lastClr="000000"/>
+                    </a:solidFill>
+                    <a:latin typeface="Segoe UI" pitchFamily="34" charset="0"/>
+                    <a:cs typeface="Segoe UI" pitchFamily="34" charset="0"/>
+                  </a:rPr>
+                  <a:t>atacou</a:t>
+                </a:r>
+                <a:r>
+                  <a:rPr lang="en-US" sz="1200" dirty="0">
+                    <a:solidFill>
+                      <a:sysClr val="windowText" lastClr="000000"/>
+                    </a:solidFill>
+                    <a:latin typeface="Segoe UI" pitchFamily="34" charset="0"/>
+                    <a:cs typeface="Segoe UI" pitchFamily="34" charset="0"/>
+                  </a:rPr>
+                  <a:t> e </a:t>
+                </a:r>
+                <a:r>
+                  <a:rPr lang="en-US" sz="1200" dirty="0" err="1">
+                    <a:solidFill>
+                      <a:sysClr val="windowText" lastClr="000000"/>
+                    </a:solidFill>
+                    <a:latin typeface="Segoe UI" pitchFamily="34" charset="0"/>
+                    <a:cs typeface="Segoe UI" pitchFamily="34" charset="0"/>
+                  </a:rPr>
+                  <a:t>tirou</a:t>
+                </a:r>
+                <a:r>
+                  <a:rPr lang="en-US" sz="1200" dirty="0">
+                    <a:solidFill>
+                      <a:sysClr val="windowText" lastClr="000000"/>
+                    </a:solidFill>
+                    <a:latin typeface="Segoe UI" pitchFamily="34" charset="0"/>
+                    <a:cs typeface="Segoe UI" pitchFamily="34" charset="0"/>
+                  </a:rPr>
+                  <a:t> [x] de </a:t>
+                </a:r>
+                <a:r>
+                  <a:rPr lang="en-US" sz="1200">
+                    <a:solidFill>
+                      <a:sysClr val="windowText" lastClr="000000"/>
+                    </a:solidFill>
+                    <a:latin typeface="Segoe UI" pitchFamily="34" charset="0"/>
+                    <a:cs typeface="Segoe UI" pitchFamily="34" charset="0"/>
+                  </a:rPr>
+                  <a:t>vida</a:t>
+                </a:r>
+                <a:endParaRPr lang="en-US" sz="1200" dirty="0">
+                  <a:solidFill>
+                    <a:sysClr val="windowText" lastClr="000000"/>
+                  </a:solidFill>
+                  <a:latin typeface="Segoe UI" pitchFamily="34" charset="0"/>
+                  <a:cs typeface="Segoe UI" pitchFamily="34" charset="0"/>
+                </a:endParaRPr>
+              </a:p>
+            </p:txBody>
+          </p:sp>
+        </p:grpSp>
+        <p:grpSp>
+          <p:nvGrpSpPr>
+            <p:cNvPr id="53" name="Group 3"/>
+            <p:cNvGrpSpPr/>
+            <p:nvPr>
+              <p:custDataLst>
+                <p:custData r:id="rId17"/>
+              </p:custDataLst>
+            </p:nvPr>
+          </p:nvGrpSpPr>
+          <p:grpSpPr>
+            <a:xfrm>
+              <a:off x="6191547" y="3047458"/>
+              <a:ext cx="70274" cy="1533691"/>
+              <a:chOff x="4574378" y="1543110"/>
+              <a:chExt cx="70274" cy="3562294"/>
+            </a:xfrm>
+          </p:grpSpPr>
+          <p:sp>
+            <p:nvSpPr>
+              <p:cNvPr id="54" name="ScrollBar"/>
+              <p:cNvSpPr>
+                <a:spLocks/>
+              </p:cNvSpPr>
+              <p:nvPr/>
+            </p:nvSpPr>
+            <p:spPr>
+              <a:xfrm>
+                <a:off x="4574378" y="1543110"/>
+                <a:ext cx="70274" cy="3562294"/>
+              </a:xfrm>
+              <a:prstGeom prst="rect">
+                <a:avLst/>
+              </a:prstGeom>
+              <a:solidFill>
+                <a:srgbClr val="FFFFFF">
+                  <a:lumMod val="95000"/>
+                </a:srgbClr>
+              </a:solidFill>
+              <a:ln w="3175">
+                <a:solidFill>
+                  <a:srgbClr val="FFFFFF">
+                    <a:lumMod val="50000"/>
+                  </a:srgbClr>
+                </a:solidFill>
+              </a:ln>
+            </p:spPr>
+            <p:style>
+              <a:lnRef idx="2">
+                <a:srgbClr val="4F81BD">
+                  <a:shade val="50000"/>
+                </a:srgbClr>
+              </a:lnRef>
+              <a:fillRef idx="1001">
+                <a:srgbClr val="000000"/>
+              </a:fillRef>
+              <a:effectRef idx="0">
+                <a:srgbClr val="4F81BD"/>
+              </a:effectRef>
+              <a:fontRef idx="minor">
+                <a:srgbClr val="000000"/>
+              </a:fontRef>
+            </p:style>
+            <p:txBody>
+              <a:bodyPr lIns="97548" tIns="48774" rIns="97548" bIns="48774" rtlCol="0" anchor="ctr"/>
+              <a:lstStyle/>
+              <a:p>
+                <a:pPr algn="ctr" defTabSz="913915"/>
+                <a:endParaRPr lang="en-US" dirty="0"/>
+              </a:p>
+            </p:txBody>
+          </p:sp>
+          <p:sp>
+            <p:nvSpPr>
+              <p:cNvPr id="55" name="Slider"/>
+              <p:cNvSpPr>
+                <a:spLocks/>
+              </p:cNvSpPr>
+              <p:nvPr/>
+            </p:nvSpPr>
+            <p:spPr>
+              <a:xfrm>
+                <a:off x="4574378" y="1886756"/>
+                <a:ext cx="70273" cy="398341"/>
+              </a:xfrm>
+              <a:prstGeom prst="rect">
+                <a:avLst/>
+              </a:prstGeom>
+              <a:solidFill>
+                <a:srgbClr val="FFFFFF">
+                  <a:lumMod val="85000"/>
+                </a:srgbClr>
+              </a:solidFill>
+              <a:ln w="3175">
+                <a:solidFill>
+                  <a:srgbClr val="FFFFFF">
+                    <a:lumMod val="50000"/>
+                  </a:srgbClr>
+                </a:solidFill>
+              </a:ln>
+            </p:spPr>
+            <p:style>
+              <a:lnRef idx="2">
+                <a:srgbClr val="4F81BD">
+                  <a:shade val="50000"/>
+                </a:srgbClr>
+              </a:lnRef>
+              <a:fillRef idx="1">
+                <a:srgbClr val="4F81BD"/>
+              </a:fillRef>
+              <a:effectRef idx="0">
+                <a:srgbClr val="4F81BD"/>
+              </a:effectRef>
+              <a:fontRef idx="minor">
+                <a:srgbClr val="000000"/>
+              </a:fontRef>
+            </p:style>
+            <p:txBody>
+              <a:bodyPr lIns="97548" tIns="48774" rIns="97548" bIns="48774" rtlCol="0" anchor="ctr"/>
+              <a:lstStyle/>
+              <a:p>
+                <a:pPr algn="ctr"/>
+                <a:endParaRPr lang="en-US" dirty="0"/>
+              </a:p>
+            </p:txBody>
+          </p:sp>
+          <p:sp>
+            <p:nvSpPr>
+              <p:cNvPr id="56" name="UpArrow"/>
+              <p:cNvSpPr>
+                <a:spLocks/>
+              </p:cNvSpPr>
+              <p:nvPr/>
+            </p:nvSpPr>
+            <p:spPr>
+              <a:xfrm>
+                <a:off x="4594318" y="1585332"/>
+                <a:ext cx="30394" cy="73571"/>
+              </a:xfrm>
+              <a:prstGeom prst="triangle">
+                <a:avLst/>
+              </a:prstGeom>
+              <a:solidFill>
+                <a:srgbClr val="FFFFFF">
+                  <a:lumMod val="50000"/>
+                  <a:alpha val="99000"/>
+                </a:srgbClr>
+              </a:solidFill>
+              <a:ln>
+                <a:noFill/>
+              </a:ln>
+            </p:spPr>
+            <p:style>
+              <a:lnRef idx="2">
+                <a:srgbClr val="4F81BD">
+                  <a:shade val="50000"/>
+                </a:srgbClr>
+              </a:lnRef>
+              <a:fillRef idx="1">
+                <a:srgbClr val="4F81BD"/>
+              </a:fillRef>
+              <a:effectRef idx="0">
+                <a:srgbClr val="4F81BD"/>
+              </a:effectRef>
+              <a:fontRef idx="minor">
+                <a:srgbClr val="000000"/>
+              </a:fontRef>
+            </p:style>
+            <p:txBody>
+              <a:bodyPr lIns="97548" tIns="48774" rIns="97548" bIns="48774" rtlCol="0" anchor="ctr"/>
+              <a:lstStyle/>
+              <a:p>
+                <a:pPr algn="ctr"/>
+                <a:endParaRPr lang="en-US" dirty="0"/>
+              </a:p>
+            </p:txBody>
+          </p:sp>
+          <p:sp>
+            <p:nvSpPr>
+              <p:cNvPr id="57" name="DownArrow"/>
+              <p:cNvSpPr>
+                <a:spLocks/>
+              </p:cNvSpPr>
+              <p:nvPr/>
+            </p:nvSpPr>
+            <p:spPr>
+              <a:xfrm rot="10800000">
+                <a:off x="4594318" y="4994280"/>
+                <a:ext cx="30394" cy="73571"/>
+              </a:xfrm>
+              <a:prstGeom prst="triangle">
+                <a:avLst/>
+              </a:prstGeom>
+              <a:solidFill>
+                <a:srgbClr val="FFFFFF">
+                  <a:lumMod val="50000"/>
+                  <a:alpha val="99000"/>
+                </a:srgbClr>
+              </a:solidFill>
+              <a:ln>
+                <a:noFill/>
+              </a:ln>
+            </p:spPr>
+            <p:style>
+              <a:lnRef idx="2">
+                <a:srgbClr val="4F81BD">
+                  <a:shade val="50000"/>
+                </a:srgbClr>
+              </a:lnRef>
+              <a:fillRef idx="1">
+                <a:srgbClr val="4F81BD"/>
+              </a:fillRef>
+              <a:effectRef idx="0">
+                <a:srgbClr val="4F81BD"/>
+              </a:effectRef>
+              <a:fontRef idx="minor">
+                <a:srgbClr val="000000"/>
+              </a:fontRef>
+            </p:style>
+            <p:txBody>
+              <a:bodyPr lIns="97548" tIns="48774" rIns="97548" bIns="48774" rtlCol="0" anchor="ctr"/>
+              <a:lstStyle/>
+              <a:p>
+                <a:pPr algn="ctr"/>
+                <a:endParaRPr lang="en-US" dirty="0"/>
+              </a:p>
+            </p:txBody>
+          </p:sp>
+        </p:grpSp>
+      </p:grpSp>
+    </p:spTree>
+    <p:extLst>
+      <p:ext uri="{BB962C8B-B14F-4D97-AF65-F5344CB8AC3E}">
+        <p14:creationId xmlns:p14="http://schemas.microsoft.com/office/powerpoint/2010/main" val="120452960"/>
       </p:ext>
     </p:extLst>
   </p:cSld>
@@ -4621,21 +9210,231 @@
 </Control>
 </file>
 
+<file path=customXml/item12.xml><?xml version="1.0" encoding="utf-8"?>
+<Control xmlns="http://schemas.microsoft.com/VisualStudio/2011/storyboarding/control">
+  <Id Name="System.Storyboarding.Backgrounds.Window" Revision="1" Stencil="System.Storyboarding.Backgrounds" StencilVersion="0.1"/>
+</Control>
+</file>
+
+<file path=customXml/item13.xml><?xml version="1.0" encoding="utf-8"?>
+<Control xmlns="http://schemas.microsoft.com/VisualStudio/2011/storyboarding/control">
+  <Id Name="System.Storyboarding.Common.Text" Revision="1" Stencil="System.Storyboarding.Common" StencilVersion="0.1"/>
+</Control>
+</file>
+
+<file path=customXml/item14.xml><?xml version="1.0" encoding="utf-8"?>
+<Control xmlns="http://schemas.microsoft.com/VisualStudio/2011/storyboarding/control">
+  <Id Name="System.Storyboarding.Common.Text" Revision="1" Stencil="System.Storyboarding.Common" StencilVersion="0.1"/>
+</Control>
+</file>
+
+<file path=customXml/item15.xml><?xml version="1.0" encoding="utf-8"?>
+<Control xmlns="http://schemas.microsoft.com/VisualStudio/2011/storyboarding/control">
+  <Id Name="System.Storyboarding.Common.DropdownBox" Revision="1" Stencil="System.Storyboarding.Common" StencilVersion="0.1"/>
+</Control>
+</file>
+
+<file path=customXml/item16.xml><?xml version="1.0" encoding="utf-8"?>
+<Control xmlns="http://schemas.microsoft.com/VisualStudio/2011/storyboarding/control">
+  <Id Name="System.Storyboarding.Common.Button" Revision="1" Stencil="System.Storyboarding.Common" StencilVersion="0.1"/>
+</Control>
+</file>
+
+<file path=customXml/item17.xml><?xml version="1.0" encoding="utf-8"?>
+<Control xmlns="http://schemas.microsoft.com/VisualStudio/2011/storyboarding/control">
+  <Id Name="System.Storyboarding.Common.ProgressBar" Revision="1" Stencil="System.Storyboarding.Common" StencilVersion="0.1"/>
+</Control>
+</file>
+
+<file path=customXml/item18.xml><?xml version="1.0" encoding="utf-8"?>
+<Control xmlns="http://schemas.microsoft.com/VisualStudio/2011/storyboarding/control">
+  <Id Name="System.Storyboarding.Common.Text" Revision="1" Stencil="System.Storyboarding.Common" StencilVersion="0.1"/>
+</Control>
+</file>
+
+<file path=customXml/item19.xml><?xml version="1.0" encoding="utf-8"?>
+<Control xmlns="http://schemas.microsoft.com/VisualStudio/2011/storyboarding/control">
+  <Id Name="System.Storyboarding.Common.ProgressBar" Revision="1" Stencil="System.Storyboarding.Common" StencilVersion="0.1"/>
+</Control>
+</file>
+
 <file path=customXml/item2.xml><?xml version="1.0" encoding="utf-8"?>
 <Control xmlns="http://schemas.microsoft.com/VisualStudio/2011/storyboarding/control">
   <Id Name="System.Storyboarding.Common.Text" Revision="1" Stencil="System.Storyboarding.Common" StencilVersion="0.1"/>
 </Control>
 </file>
 
+<file path=customXml/item20.xml><?xml version="1.0" encoding="utf-8"?>
+<Control xmlns="http://schemas.microsoft.com/VisualStudio/2011/storyboarding/control">
+  <Id Name="System.Storyboarding.Common.Text" Revision="1" Stencil="System.Storyboarding.Common" StencilVersion="0.1"/>
+</Control>
+</file>
+
+<file path=customXml/item21.xml><?xml version="1.0" encoding="utf-8"?>
+<Control xmlns="http://schemas.microsoft.com/VisualStudio/2011/storyboarding/control">
+  <Id Name="System.Storyboarding.Common.Text" Revision="1" Stencil="System.Storyboarding.Common" StencilVersion="0.1"/>
+</Control>
+</file>
+
+<file path=customXml/item22.xml><?xml version="1.0" encoding="utf-8"?>
+<Control xmlns="http://schemas.microsoft.com/VisualStudio/2011/storyboarding/control">
+  <Id Name="System.Storyboarding.Common.Button" Revision="1" Stencil="System.Storyboarding.Common" StencilVersion="0.1"/>
+</Control>
+</file>
+
+<file path=customXml/item23.xml><?xml version="1.0" encoding="utf-8"?>
+<Control xmlns="http://schemas.microsoft.com/VisualStudio/2011/storyboarding/control">
+  <Id Name="System.Storyboarding.Common.ScrollbarVertical" RevisionId="68ea164d-c1de-47a5-804f-d4d1290fa524" Stencil="System.Storyboarding.Common" StencilRevisionId="68ea164d-c1de-47a5-804f-d4d1290fa524" StencilVersion="0.1"/>
+</Control>
+</file>
+
+<file path=customXml/item24.xml><?xml version="1.0" encoding="utf-8"?>
+<Control xmlns="http://schemas.microsoft.com/VisualStudio/2011/storyboarding/control">
+  <Id Name="System.Storyboarding.Common.List" Revision="1" Stencil="System.Storyboarding.Common" StencilVersion="0.1"/>
+</Control>
+</file>
+
+<file path=customXml/item25.xml><?xml version="1.0" encoding="utf-8"?>
+<Control xmlns="http://schemas.microsoft.com/VisualStudio/2011/storyboarding/control">
+  <Id Name="System.Storyboarding.Common.Text" Revision="1" Stencil="System.Storyboarding.Common" StencilVersion="0.1"/>
+</Control>
+</file>
+
+<file path=customXml/item26.xml><?xml version="1.0" encoding="utf-8"?>
+<Control xmlns="http://schemas.microsoft.com/VisualStudio/2011/storyboarding/control">
+  <Id Name="System.Storyboarding.Common.Button" Revision="1" Stencil="System.Storyboarding.Common" StencilVersion="0.1"/>
+</Control>
+</file>
+
+<file path=customXml/item27.xml><?xml version="1.0" encoding="utf-8"?>
+<Control xmlns="http://schemas.microsoft.com/VisualStudio/2011/storyboarding/control">
+  <Id Name="System.Storyboarding.Backgrounds.Window" Revision="1" Stencil="System.Storyboarding.Backgrounds" StencilVersion="0.1"/>
+</Control>
+</file>
+
+<file path=customXml/item28.xml><?xml version="1.0" encoding="utf-8"?>
+<Control xmlns="http://schemas.microsoft.com/VisualStudio/2011/storyboarding/control">
+  <Id Name="System.Storyboarding.Common.Text" Revision="1" Stencil="System.Storyboarding.Common" StencilVersion="0.1"/>
+</Control>
+</file>
+
+<file path=customXml/item29.xml><?xml version="1.0" encoding="utf-8"?>
+<Control xmlns="http://schemas.microsoft.com/VisualStudio/2011/storyboarding/control">
+  <Id Name="System.Storyboarding.Common.Button" Revision="1" Stencil="System.Storyboarding.Common" StencilVersion="0.1"/>
+</Control>
+</file>
+
 <file path=customXml/item3.xml><?xml version="1.0" encoding="utf-8"?>
 <Control xmlns="http://schemas.microsoft.com/VisualStudio/2011/storyboarding/control">
   <Id Name="System.Storyboarding.Common.Text" Revision="1" Stencil="System.Storyboarding.Common" StencilVersion="0.1"/>
 </Control>
 </file>
 
+<file path=customXml/item30.xml><?xml version="1.0" encoding="utf-8"?>
+<Control xmlns="http://schemas.microsoft.com/VisualStudio/2011/storyboarding/control">
+  <Id Name="System.Storyboarding.Common.ProgressBar" Revision="1" Stencil="System.Storyboarding.Common" StencilVersion="0.1"/>
+</Control>
+</file>
+
+<file path=customXml/item31.xml><?xml version="1.0" encoding="utf-8"?>
+<Control xmlns="http://schemas.microsoft.com/VisualStudio/2011/storyboarding/control">
+  <Id Name="System.Storyboarding.Common.Text" Revision="1" Stencil="System.Storyboarding.Common" StencilVersion="0.1"/>
+</Control>
+</file>
+
+<file path=customXml/item32.xml><?xml version="1.0" encoding="utf-8"?>
+<Control xmlns="http://schemas.microsoft.com/VisualStudio/2011/storyboarding/control">
+  <Id Name="System.Storyboarding.Common.ProgressBar" Revision="1" Stencil="System.Storyboarding.Common" StencilVersion="0.1"/>
+</Control>
+</file>
+
+<file path=customXml/item33.xml><?xml version="1.0" encoding="utf-8"?>
+<Control xmlns="http://schemas.microsoft.com/VisualStudio/2011/storyboarding/control">
+  <Id Name="System.Storyboarding.Common.Text" Revision="1" Stencil="System.Storyboarding.Common" StencilVersion="0.1"/>
+</Control>
+</file>
+
+<file path=customXml/item34.xml><?xml version="1.0" encoding="utf-8"?>
+<Control xmlns="http://schemas.microsoft.com/VisualStudio/2011/storyboarding/control">
+  <Id Name="System.Storyboarding.Common.Text" Revision="1" Stencil="System.Storyboarding.Common" StencilVersion="0.1"/>
+</Control>
+</file>
+
+<file path=customXml/item35.xml><?xml version="1.0" encoding="utf-8"?>
+<Control xmlns="http://schemas.microsoft.com/VisualStudio/2011/storyboarding/control">
+  <Id Name="System.Storyboarding.Common.Button" Revision="1" Stencil="System.Storyboarding.Common" StencilVersion="0.1"/>
+</Control>
+</file>
+
+<file path=customXml/item36.xml><?xml version="1.0" encoding="utf-8"?>
+<Control xmlns="http://schemas.microsoft.com/VisualStudio/2011/storyboarding/control">
+  <Id Name="System.Storyboarding.Common.List" Revision="1" Stencil="System.Storyboarding.Common" StencilVersion="0.1"/>
+</Control>
+</file>
+
+<file path=customXml/item37.xml><?xml version="1.0" encoding="utf-8"?>
+<Control xmlns="http://schemas.microsoft.com/VisualStudio/2011/storyboarding/control">
+  <Id Name="System.Storyboarding.Common.ScrollbarVertical" RevisionId="68ea164d-c1de-47a5-804f-d4d1290fa524" Stencil="System.Storyboarding.Common" StencilRevisionId="68ea164d-c1de-47a5-804f-d4d1290fa524" StencilVersion="0.1"/>
+</Control>
+</file>
+
+<file path=customXml/item38.xml><?xml version="1.0" encoding="utf-8"?>
+<Control xmlns="http://schemas.microsoft.com/VisualStudio/2011/storyboarding/control">
+  <Id Name="System.Storyboarding.Common.Text" Revision="1" Stencil="System.Storyboarding.Common" StencilVersion="0.1"/>
+</Control>
+</file>
+
+<file path=customXml/item39.xml><?xml version="1.0" encoding="utf-8"?>
+<Control xmlns="http://schemas.microsoft.com/VisualStudio/2011/storyboarding/control">
+  <Id Name="System.Storyboarding.Common.Button" Revision="1" Stencil="System.Storyboarding.Common" StencilVersion="0.1"/>
+</Control>
+</file>
+
 <file path=customXml/item4.xml><?xml version="1.0" encoding="utf-8"?>
 <Control xmlns="http://schemas.microsoft.com/VisualStudio/2011/storyboarding/control">
   <Id Name="System.Storyboarding.Common.DropdownBox" Revision="1" Stencil="System.Storyboarding.Common" StencilVersion="0.1"/>
+</Control>
+</file>
+
+<file path=customXml/item40.xml><?xml version="1.0" encoding="utf-8"?>
+<Control xmlns="http://schemas.microsoft.com/VisualStudio/2011/storyboarding/control">
+  <Id Name="System.Storyboarding.Common.Text" Revision="1" Stencil="System.Storyboarding.Common" StencilVersion="0.1"/>
+</Control>
+</file>
+
+<file path=customXml/item41.xml><?xml version="1.0" encoding="utf-8"?>
+<Control xmlns="http://schemas.microsoft.com/VisualStudio/2011/storyboarding/control">
+  <Id Name="System.Storyboarding.Common.ProgressBar" Revision="1" Stencil="System.Storyboarding.Common" StencilVersion="0.1"/>
+</Control>
+</file>
+
+<file path=customXml/item42.xml><?xml version="1.0" encoding="utf-8"?>
+<Control xmlns="http://schemas.microsoft.com/VisualStudio/2011/storyboarding/control">
+  <Id Name="System.Storyboarding.Common.Text" Revision="1" Stencil="System.Storyboarding.Common" StencilVersion="0.1"/>
+</Control>
+</file>
+
+<file path=customXml/item43.xml><?xml version="1.0" encoding="utf-8"?>
+<Control xmlns="http://schemas.microsoft.com/VisualStudio/2011/storyboarding/control">
+  <Id Name="System.Storyboarding.Common.Button" Revision="1" Stencil="System.Storyboarding.Common" StencilVersion="0.1"/>
+</Control>
+</file>
+
+<file path=customXml/item44.xml><?xml version="1.0" encoding="utf-8"?>
+<Control xmlns="http://schemas.microsoft.com/VisualStudio/2011/storyboarding/control">
+  <Id Name="System.Storyboarding.Common.Button" Revision="1" Stencil="System.Storyboarding.Common" StencilVersion="0.1"/>
+</Control>
+</file>
+
+<file path=customXml/item45.xml><?xml version="1.0" encoding="utf-8"?>
+<Control xmlns="http://schemas.microsoft.com/VisualStudio/2011/storyboarding/control">
+  <Id Name="System.Storyboarding.Common.ScrollbarVertical" RevisionId="68ea164d-c1de-47a5-804f-d4d1290fa524" Stencil="System.Storyboarding.Common" StencilRevisionId="68ea164d-c1de-47a5-804f-d4d1290fa524" StencilVersion="0.1"/>
+</Control>
+</file>
+
+<file path=customXml/item46.xml><?xml version="1.0" encoding="utf-8"?>
+<Control xmlns="http://schemas.microsoft.com/VisualStudio/2011/storyboarding/control">
+  <Id Name="System.Storyboarding.Common.List" Revision="1" Stencil="System.Storyboarding.Common" StencilVersion="0.1"/>
 </Control>
 </file>
 
@@ -4693,6 +9492,70 @@
 </ds:datastoreItem>
 </file>
 
+<file path=customXml/itemProps12.xml><?xml version="1.0" encoding="utf-8"?>
+<ds:datastoreItem xmlns:ds="http://schemas.openxmlformats.org/officeDocument/2006/customXml" ds:itemID="{43D62A1C-5684-4386-99AE-EBFF208C91E4}">
+  <ds:schemaRefs>
+    <ds:schemaRef ds:uri="http://schemas.microsoft.com/VisualStudio/2011/storyboarding/control"/>
+  </ds:schemaRefs>
+</ds:datastoreItem>
+</file>
+
+<file path=customXml/itemProps13.xml><?xml version="1.0" encoding="utf-8"?>
+<ds:datastoreItem xmlns:ds="http://schemas.openxmlformats.org/officeDocument/2006/customXml" ds:itemID="{6304A3BC-C9AF-46BB-923F-2913C8693EDD}">
+  <ds:schemaRefs>
+    <ds:schemaRef ds:uri="http://schemas.microsoft.com/VisualStudio/2011/storyboarding/control"/>
+  </ds:schemaRefs>
+</ds:datastoreItem>
+</file>
+
+<file path=customXml/itemProps14.xml><?xml version="1.0" encoding="utf-8"?>
+<ds:datastoreItem xmlns:ds="http://schemas.openxmlformats.org/officeDocument/2006/customXml" ds:itemID="{7664E3D7-349E-4555-AA17-367705E99DA3}">
+  <ds:schemaRefs>
+    <ds:schemaRef ds:uri="http://schemas.microsoft.com/VisualStudio/2011/storyboarding/control"/>
+  </ds:schemaRefs>
+</ds:datastoreItem>
+</file>
+
+<file path=customXml/itemProps15.xml><?xml version="1.0" encoding="utf-8"?>
+<ds:datastoreItem xmlns:ds="http://schemas.openxmlformats.org/officeDocument/2006/customXml" ds:itemID="{46D71A20-2148-4E71-8AE1-E699823CB925}">
+  <ds:schemaRefs>
+    <ds:schemaRef ds:uri="http://schemas.microsoft.com/VisualStudio/2011/storyboarding/control"/>
+  </ds:schemaRefs>
+</ds:datastoreItem>
+</file>
+
+<file path=customXml/itemProps16.xml><?xml version="1.0" encoding="utf-8"?>
+<ds:datastoreItem xmlns:ds="http://schemas.openxmlformats.org/officeDocument/2006/customXml" ds:itemID="{B9D1E0FC-7AE6-4E5E-A652-28AE375D9289}">
+  <ds:schemaRefs>
+    <ds:schemaRef ds:uri="http://schemas.microsoft.com/VisualStudio/2011/storyboarding/control"/>
+  </ds:schemaRefs>
+</ds:datastoreItem>
+</file>
+
+<file path=customXml/itemProps17.xml><?xml version="1.0" encoding="utf-8"?>
+<ds:datastoreItem xmlns:ds="http://schemas.openxmlformats.org/officeDocument/2006/customXml" ds:itemID="{668E6FAC-DB62-462A-9EF5-EB19BCE569BF}">
+  <ds:schemaRefs>
+    <ds:schemaRef ds:uri="http://schemas.microsoft.com/VisualStudio/2011/storyboarding/control"/>
+  </ds:schemaRefs>
+</ds:datastoreItem>
+</file>
+
+<file path=customXml/itemProps18.xml><?xml version="1.0" encoding="utf-8"?>
+<ds:datastoreItem xmlns:ds="http://schemas.openxmlformats.org/officeDocument/2006/customXml" ds:itemID="{372E2E30-7D3F-4FCA-85B4-BF579FAFFC26}">
+  <ds:schemaRefs>
+    <ds:schemaRef ds:uri="http://schemas.microsoft.com/VisualStudio/2011/storyboarding/control"/>
+  </ds:schemaRefs>
+</ds:datastoreItem>
+</file>
+
+<file path=customXml/itemProps19.xml><?xml version="1.0" encoding="utf-8"?>
+<ds:datastoreItem xmlns:ds="http://schemas.openxmlformats.org/officeDocument/2006/customXml" ds:itemID="{362B67CF-D360-4CC2-8595-70B9CDB56348}">
+  <ds:schemaRefs>
+    <ds:schemaRef ds:uri="http://schemas.microsoft.com/VisualStudio/2011/storyboarding/control"/>
+  </ds:schemaRefs>
+</ds:datastoreItem>
+</file>
+
 <file path=customXml/itemProps2.xml><?xml version="1.0" encoding="utf-8"?>
 <ds:datastoreItem xmlns:ds="http://schemas.openxmlformats.org/officeDocument/2006/customXml" ds:itemID="{76EF4838-DDD9-4AF2-A005-9B9B3AD6E0AF}">
   <ds:schemaRefs>
@@ -4701,6 +9564,86 @@
 </ds:datastoreItem>
 </file>
 
+<file path=customXml/itemProps20.xml><?xml version="1.0" encoding="utf-8"?>
+<ds:datastoreItem xmlns:ds="http://schemas.openxmlformats.org/officeDocument/2006/customXml" ds:itemID="{96D5BCE7-8DD6-4AC8-A234-51A8B21FC316}">
+  <ds:schemaRefs>
+    <ds:schemaRef ds:uri="http://schemas.microsoft.com/VisualStudio/2011/storyboarding/control"/>
+  </ds:schemaRefs>
+</ds:datastoreItem>
+</file>
+
+<file path=customXml/itemProps21.xml><?xml version="1.0" encoding="utf-8"?>
+<ds:datastoreItem xmlns:ds="http://schemas.openxmlformats.org/officeDocument/2006/customXml" ds:itemID="{E0B9E3CB-0CBE-4729-948C-B68B198FC00B}">
+  <ds:schemaRefs>
+    <ds:schemaRef ds:uri="http://schemas.microsoft.com/VisualStudio/2011/storyboarding/control"/>
+  </ds:schemaRefs>
+</ds:datastoreItem>
+</file>
+
+<file path=customXml/itemProps22.xml><?xml version="1.0" encoding="utf-8"?>
+<ds:datastoreItem xmlns:ds="http://schemas.openxmlformats.org/officeDocument/2006/customXml" ds:itemID="{BB550D65-94F8-44A0-AAA2-90085E75AD6D}">
+  <ds:schemaRefs>
+    <ds:schemaRef ds:uri="http://schemas.microsoft.com/VisualStudio/2011/storyboarding/control"/>
+  </ds:schemaRefs>
+</ds:datastoreItem>
+</file>
+
+<file path=customXml/itemProps23.xml><?xml version="1.0" encoding="utf-8"?>
+<ds:datastoreItem xmlns:ds="http://schemas.openxmlformats.org/officeDocument/2006/customXml" ds:itemID="{B86FC14E-608D-4408-A64C-21E6AEE90D98}">
+  <ds:schemaRefs>
+    <ds:schemaRef ds:uri="http://schemas.microsoft.com/VisualStudio/2011/storyboarding/control"/>
+  </ds:schemaRefs>
+</ds:datastoreItem>
+</file>
+
+<file path=customXml/itemProps24.xml><?xml version="1.0" encoding="utf-8"?>
+<ds:datastoreItem xmlns:ds="http://schemas.openxmlformats.org/officeDocument/2006/customXml" ds:itemID="{3E3323C4-54FE-4DE9-9FE8-BAED5F96CDD1}">
+  <ds:schemaRefs>
+    <ds:schemaRef ds:uri="http://schemas.microsoft.com/VisualStudio/2011/storyboarding/control"/>
+  </ds:schemaRefs>
+</ds:datastoreItem>
+</file>
+
+<file path=customXml/itemProps25.xml><?xml version="1.0" encoding="utf-8"?>
+<ds:datastoreItem xmlns:ds="http://schemas.openxmlformats.org/officeDocument/2006/customXml" ds:itemID="{75C1D474-9B49-42D5-BDAF-110566194CDA}">
+  <ds:schemaRefs>
+    <ds:schemaRef ds:uri="http://schemas.microsoft.com/VisualStudio/2011/storyboarding/control"/>
+  </ds:schemaRefs>
+</ds:datastoreItem>
+</file>
+
+<file path=customXml/itemProps26.xml><?xml version="1.0" encoding="utf-8"?>
+<ds:datastoreItem xmlns:ds="http://schemas.openxmlformats.org/officeDocument/2006/customXml" ds:itemID="{9EE7F3E7-0646-4FD8-B833-387DEB3A318A}">
+  <ds:schemaRefs>
+    <ds:schemaRef ds:uri="http://schemas.microsoft.com/VisualStudio/2011/storyboarding/control"/>
+  </ds:schemaRefs>
+</ds:datastoreItem>
+</file>
+
+<file path=customXml/itemProps27.xml><?xml version="1.0" encoding="utf-8"?>
+<ds:datastoreItem xmlns:ds="http://schemas.openxmlformats.org/officeDocument/2006/customXml" ds:itemID="{51870EBD-850D-45D9-9BF0-1A78345230B4}">
+  <ds:schemaRefs>
+    <ds:schemaRef ds:uri="http://schemas.microsoft.com/VisualStudio/2011/storyboarding/control"/>
+  </ds:schemaRefs>
+</ds:datastoreItem>
+</file>
+
+<file path=customXml/itemProps28.xml><?xml version="1.0" encoding="utf-8"?>
+<ds:datastoreItem xmlns:ds="http://schemas.openxmlformats.org/officeDocument/2006/customXml" ds:itemID="{54F0F16C-A4A3-4307-BC6F-341886213783}">
+  <ds:schemaRefs>
+    <ds:schemaRef ds:uri="http://schemas.microsoft.com/VisualStudio/2011/storyboarding/control"/>
+  </ds:schemaRefs>
+</ds:datastoreItem>
+</file>
+
+<file path=customXml/itemProps29.xml><?xml version="1.0" encoding="utf-8"?>
+<ds:datastoreItem xmlns:ds="http://schemas.openxmlformats.org/officeDocument/2006/customXml" ds:itemID="{79D84EB2-75EB-43BA-A8AD-1BE057A200C8}">
+  <ds:schemaRefs>
+    <ds:schemaRef ds:uri="http://schemas.microsoft.com/VisualStudio/2011/storyboarding/control"/>
+  </ds:schemaRefs>
+</ds:datastoreItem>
+</file>
+
 <file path=customXml/itemProps3.xml><?xml version="1.0" encoding="utf-8"?>
 <ds:datastoreItem xmlns:ds="http://schemas.openxmlformats.org/officeDocument/2006/customXml" ds:itemID="{1ADBD3D4-6C0C-4C1D-80C7-ADE96FEE5224}">
   <ds:schemaRefs>
@@ -4709,8 +9652,144 @@
 </ds:datastoreItem>
 </file>
 
+<file path=customXml/itemProps30.xml><?xml version="1.0" encoding="utf-8"?>
+<ds:datastoreItem xmlns:ds="http://schemas.openxmlformats.org/officeDocument/2006/customXml" ds:itemID="{9C840E66-9547-465C-A3B9-7188296C299C}">
+  <ds:schemaRefs>
+    <ds:schemaRef ds:uri="http://schemas.microsoft.com/VisualStudio/2011/storyboarding/control"/>
+  </ds:schemaRefs>
+</ds:datastoreItem>
+</file>
+
+<file path=customXml/itemProps31.xml><?xml version="1.0" encoding="utf-8"?>
+<ds:datastoreItem xmlns:ds="http://schemas.openxmlformats.org/officeDocument/2006/customXml" ds:itemID="{BF19EB66-36D0-4418-A380-56857BD7FE3A}">
+  <ds:schemaRefs>
+    <ds:schemaRef ds:uri="http://schemas.microsoft.com/VisualStudio/2011/storyboarding/control"/>
+  </ds:schemaRefs>
+</ds:datastoreItem>
+</file>
+
+<file path=customXml/itemProps32.xml><?xml version="1.0" encoding="utf-8"?>
+<ds:datastoreItem xmlns:ds="http://schemas.openxmlformats.org/officeDocument/2006/customXml" ds:itemID="{831C87C0-2AB0-4A6D-AFDA-30A7DFC319DA}">
+  <ds:schemaRefs>
+    <ds:schemaRef ds:uri="http://schemas.microsoft.com/VisualStudio/2011/storyboarding/control"/>
+  </ds:schemaRefs>
+</ds:datastoreItem>
+</file>
+
+<file path=customXml/itemProps33.xml><?xml version="1.0" encoding="utf-8"?>
+<ds:datastoreItem xmlns:ds="http://schemas.openxmlformats.org/officeDocument/2006/customXml" ds:itemID="{004414BE-5812-46E0-9AEC-84FE17642163}">
+  <ds:schemaRefs>
+    <ds:schemaRef ds:uri="http://schemas.microsoft.com/VisualStudio/2011/storyboarding/control"/>
+  </ds:schemaRefs>
+</ds:datastoreItem>
+</file>
+
+<file path=customXml/itemProps34.xml><?xml version="1.0" encoding="utf-8"?>
+<ds:datastoreItem xmlns:ds="http://schemas.openxmlformats.org/officeDocument/2006/customXml" ds:itemID="{8356107B-3EAF-4C05-82D5-7147FDB39BCB}">
+  <ds:schemaRefs>
+    <ds:schemaRef ds:uri="http://schemas.microsoft.com/VisualStudio/2011/storyboarding/control"/>
+  </ds:schemaRefs>
+</ds:datastoreItem>
+</file>
+
+<file path=customXml/itemProps35.xml><?xml version="1.0" encoding="utf-8"?>
+<ds:datastoreItem xmlns:ds="http://schemas.openxmlformats.org/officeDocument/2006/customXml" ds:itemID="{A06CF758-ACD4-456E-BE04-2F90E4A9DCDC}">
+  <ds:schemaRefs>
+    <ds:schemaRef ds:uri="http://schemas.microsoft.com/VisualStudio/2011/storyboarding/control"/>
+  </ds:schemaRefs>
+</ds:datastoreItem>
+</file>
+
+<file path=customXml/itemProps36.xml><?xml version="1.0" encoding="utf-8"?>
+<ds:datastoreItem xmlns:ds="http://schemas.openxmlformats.org/officeDocument/2006/customXml" ds:itemID="{D0385A5C-F5EC-49D2-9B3E-D023C2EE12B7}">
+  <ds:schemaRefs>
+    <ds:schemaRef ds:uri="http://schemas.microsoft.com/VisualStudio/2011/storyboarding/control"/>
+  </ds:schemaRefs>
+</ds:datastoreItem>
+</file>
+
+<file path=customXml/itemProps37.xml><?xml version="1.0" encoding="utf-8"?>
+<ds:datastoreItem xmlns:ds="http://schemas.openxmlformats.org/officeDocument/2006/customXml" ds:itemID="{CEEE5709-5CA8-43BE-AC24-6ED6193EB46F}">
+  <ds:schemaRefs>
+    <ds:schemaRef ds:uri="http://schemas.microsoft.com/VisualStudio/2011/storyboarding/control"/>
+  </ds:schemaRefs>
+</ds:datastoreItem>
+</file>
+
+<file path=customXml/itemProps38.xml><?xml version="1.0" encoding="utf-8"?>
+<ds:datastoreItem xmlns:ds="http://schemas.openxmlformats.org/officeDocument/2006/customXml" ds:itemID="{949F7059-9861-4757-BD79-B351E22C103D}">
+  <ds:schemaRefs>
+    <ds:schemaRef ds:uri="http://schemas.microsoft.com/VisualStudio/2011/storyboarding/control"/>
+  </ds:schemaRefs>
+</ds:datastoreItem>
+</file>
+
+<file path=customXml/itemProps39.xml><?xml version="1.0" encoding="utf-8"?>
+<ds:datastoreItem xmlns:ds="http://schemas.openxmlformats.org/officeDocument/2006/customXml" ds:itemID="{31FF04B0-AE13-4743-9F14-701A1A0E72F5}">
+  <ds:schemaRefs>
+    <ds:schemaRef ds:uri="http://schemas.microsoft.com/VisualStudio/2011/storyboarding/control"/>
+  </ds:schemaRefs>
+</ds:datastoreItem>
+</file>
+
 <file path=customXml/itemProps4.xml><?xml version="1.0" encoding="utf-8"?>
 <ds:datastoreItem xmlns:ds="http://schemas.openxmlformats.org/officeDocument/2006/customXml" ds:itemID="{2EB247A1-6936-428E-802E-E988A22E80C7}">
+  <ds:schemaRefs>
+    <ds:schemaRef ds:uri="http://schemas.microsoft.com/VisualStudio/2011/storyboarding/control"/>
+  </ds:schemaRefs>
+</ds:datastoreItem>
+</file>
+
+<file path=customXml/itemProps40.xml><?xml version="1.0" encoding="utf-8"?>
+<ds:datastoreItem xmlns:ds="http://schemas.openxmlformats.org/officeDocument/2006/customXml" ds:itemID="{1E9C7D4F-D08D-4A65-91A8-9DD84347D239}">
+  <ds:schemaRefs>
+    <ds:schemaRef ds:uri="http://schemas.microsoft.com/VisualStudio/2011/storyboarding/control"/>
+  </ds:schemaRefs>
+</ds:datastoreItem>
+</file>
+
+<file path=customXml/itemProps41.xml><?xml version="1.0" encoding="utf-8"?>
+<ds:datastoreItem xmlns:ds="http://schemas.openxmlformats.org/officeDocument/2006/customXml" ds:itemID="{EF8AA5E1-CE69-469E-A9D2-EA08D935C997}">
+  <ds:schemaRefs>
+    <ds:schemaRef ds:uri="http://schemas.microsoft.com/VisualStudio/2011/storyboarding/control"/>
+  </ds:schemaRefs>
+</ds:datastoreItem>
+</file>
+
+<file path=customXml/itemProps42.xml><?xml version="1.0" encoding="utf-8"?>
+<ds:datastoreItem xmlns:ds="http://schemas.openxmlformats.org/officeDocument/2006/customXml" ds:itemID="{718EC9AA-C3DC-4F92-8C3C-964C09270219}">
+  <ds:schemaRefs>
+    <ds:schemaRef ds:uri="http://schemas.microsoft.com/VisualStudio/2011/storyboarding/control"/>
+  </ds:schemaRefs>
+</ds:datastoreItem>
+</file>
+
+<file path=customXml/itemProps43.xml><?xml version="1.0" encoding="utf-8"?>
+<ds:datastoreItem xmlns:ds="http://schemas.openxmlformats.org/officeDocument/2006/customXml" ds:itemID="{A39E6B09-9712-4A5E-8C46-14D2488B297B}">
+  <ds:schemaRefs>
+    <ds:schemaRef ds:uri="http://schemas.microsoft.com/VisualStudio/2011/storyboarding/control"/>
+  </ds:schemaRefs>
+</ds:datastoreItem>
+</file>
+
+<file path=customXml/itemProps44.xml><?xml version="1.0" encoding="utf-8"?>
+<ds:datastoreItem xmlns:ds="http://schemas.openxmlformats.org/officeDocument/2006/customXml" ds:itemID="{EF9C0A1D-8C8B-4A71-B2A2-A60F3442DC75}">
+  <ds:schemaRefs>
+    <ds:schemaRef ds:uri="http://schemas.microsoft.com/VisualStudio/2011/storyboarding/control"/>
+  </ds:schemaRefs>
+</ds:datastoreItem>
+</file>
+
+<file path=customXml/itemProps45.xml><?xml version="1.0" encoding="utf-8"?>
+<ds:datastoreItem xmlns:ds="http://schemas.openxmlformats.org/officeDocument/2006/customXml" ds:itemID="{7208417F-8024-48FB-9A6D-6973905D9F2A}">
+  <ds:schemaRefs>
+    <ds:schemaRef ds:uri="http://schemas.microsoft.com/VisualStudio/2011/storyboarding/control"/>
+  </ds:schemaRefs>
+</ds:datastoreItem>
+</file>
+
+<file path=customXml/itemProps46.xml><?xml version="1.0" encoding="utf-8"?>
+<ds:datastoreItem xmlns:ds="http://schemas.openxmlformats.org/officeDocument/2006/customXml" ds:itemID="{DAED4605-E362-4890-A216-FD21316A69E4}">
   <ds:schemaRefs>
     <ds:schemaRef ds:uri="http://schemas.microsoft.com/VisualStudio/2011/storyboarding/control"/>
   </ds:schemaRefs>
